--- a/docs/diagrams/BattleshipHeadExample.pptx
+++ b/docs/diagrams/BattleshipHeadExample.pptx
@@ -2,18 +2,18 @@
 <file path=ppt/presentation.xml><?xml version="1.0" encoding="utf-8"?>
 <p:presentation xmlns:a="http://schemas.openxmlformats.org/drawingml/2006/main" xmlns:r="http://schemas.openxmlformats.org/officeDocument/2006/relationships" xmlns:p="http://schemas.openxmlformats.org/presentationml/2006/main" saveSubsetFonts="1">
   <p:sldMasterIdLst>
-    <p:sldMasterId id="2147483648" r:id="rId1"/>
+    <p:sldMasterId id="2147483684" r:id="rId1"/>
   </p:sldMasterIdLst>
   <p:sldIdLst>
     <p:sldId id="256" r:id="rId2"/>
   </p:sldIdLst>
-  <p:sldSz cx="12192000" cy="6858000"/>
+  <p:sldSz cx="8999538" cy="4319588"/>
   <p:notesSz cx="6858000" cy="9144000"/>
   <p:defaultTextStyle>
     <a:defPPr>
       <a:defRPr lang="en-US"/>
     </a:defPPr>
-    <a:lvl1pPr marL="0" algn="l" defTabSz="914400" rtl="0" eaLnBrk="1" latinLnBrk="0" hangingPunct="1">
+    <a:lvl1pPr marL="0" algn="l" defTabSz="457200" rtl="0" eaLnBrk="1" latinLnBrk="0" hangingPunct="1">
       <a:defRPr sz="1800" kern="1200">
         <a:solidFill>
           <a:schemeClr val="tx1"/>
@@ -23,7 +23,7 @@
         <a:cs typeface="+mn-cs"/>
       </a:defRPr>
     </a:lvl1pPr>
-    <a:lvl2pPr marL="457200" algn="l" defTabSz="914400" rtl="0" eaLnBrk="1" latinLnBrk="0" hangingPunct="1">
+    <a:lvl2pPr marL="457200" algn="l" defTabSz="457200" rtl="0" eaLnBrk="1" latinLnBrk="0" hangingPunct="1">
       <a:defRPr sz="1800" kern="1200">
         <a:solidFill>
           <a:schemeClr val="tx1"/>
@@ -33,7 +33,7 @@
         <a:cs typeface="+mn-cs"/>
       </a:defRPr>
     </a:lvl2pPr>
-    <a:lvl3pPr marL="914400" algn="l" defTabSz="914400" rtl="0" eaLnBrk="1" latinLnBrk="0" hangingPunct="1">
+    <a:lvl3pPr marL="914400" algn="l" defTabSz="457200" rtl="0" eaLnBrk="1" latinLnBrk="0" hangingPunct="1">
       <a:defRPr sz="1800" kern="1200">
         <a:solidFill>
           <a:schemeClr val="tx1"/>
@@ -43,7 +43,7 @@
         <a:cs typeface="+mn-cs"/>
       </a:defRPr>
     </a:lvl3pPr>
-    <a:lvl4pPr marL="1371600" algn="l" defTabSz="914400" rtl="0" eaLnBrk="1" latinLnBrk="0" hangingPunct="1">
+    <a:lvl4pPr marL="1371600" algn="l" defTabSz="457200" rtl="0" eaLnBrk="1" latinLnBrk="0" hangingPunct="1">
       <a:defRPr sz="1800" kern="1200">
         <a:solidFill>
           <a:schemeClr val="tx1"/>
@@ -53,7 +53,7 @@
         <a:cs typeface="+mn-cs"/>
       </a:defRPr>
     </a:lvl4pPr>
-    <a:lvl5pPr marL="1828800" algn="l" defTabSz="914400" rtl="0" eaLnBrk="1" latinLnBrk="0" hangingPunct="1">
+    <a:lvl5pPr marL="1828800" algn="l" defTabSz="457200" rtl="0" eaLnBrk="1" latinLnBrk="0" hangingPunct="1">
       <a:defRPr sz="1800" kern="1200">
         <a:solidFill>
           <a:schemeClr val="tx1"/>
@@ -63,7 +63,7 @@
         <a:cs typeface="+mn-cs"/>
       </a:defRPr>
     </a:lvl5pPr>
-    <a:lvl6pPr marL="2286000" algn="l" defTabSz="914400" rtl="0" eaLnBrk="1" latinLnBrk="0" hangingPunct="1">
+    <a:lvl6pPr marL="2286000" algn="l" defTabSz="457200" rtl="0" eaLnBrk="1" latinLnBrk="0" hangingPunct="1">
       <a:defRPr sz="1800" kern="1200">
         <a:solidFill>
           <a:schemeClr val="tx1"/>
@@ -73,7 +73,7 @@
         <a:cs typeface="+mn-cs"/>
       </a:defRPr>
     </a:lvl6pPr>
-    <a:lvl7pPr marL="2743200" algn="l" defTabSz="914400" rtl="0" eaLnBrk="1" latinLnBrk="0" hangingPunct="1">
+    <a:lvl7pPr marL="2743200" algn="l" defTabSz="457200" rtl="0" eaLnBrk="1" latinLnBrk="0" hangingPunct="1">
       <a:defRPr sz="1800" kern="1200">
         <a:solidFill>
           <a:schemeClr val="tx1"/>
@@ -83,7 +83,7 @@
         <a:cs typeface="+mn-cs"/>
       </a:defRPr>
     </a:lvl7pPr>
-    <a:lvl8pPr marL="3200400" algn="l" defTabSz="914400" rtl="0" eaLnBrk="1" latinLnBrk="0" hangingPunct="1">
+    <a:lvl8pPr marL="3200400" algn="l" defTabSz="457200" rtl="0" eaLnBrk="1" latinLnBrk="0" hangingPunct="1">
       <a:defRPr sz="1800" kern="1200">
         <a:solidFill>
           <a:schemeClr val="tx1"/>
@@ -93,7 +93,7 @@
         <a:cs typeface="+mn-cs"/>
       </a:defRPr>
     </a:lvl8pPr>
-    <a:lvl9pPr marL="3657600" algn="l" defTabSz="914400" rtl="0" eaLnBrk="1" latinLnBrk="0" hangingPunct="1">
+    <a:lvl9pPr marL="3657600" algn="l" defTabSz="457200" rtl="0" eaLnBrk="1" latinLnBrk="0" hangingPunct="1">
       <a:defRPr sz="1800" kern="1200">
         <a:solidFill>
           <a:schemeClr val="tx1"/>
@@ -115,13 +115,1003 @@
 <file path=ppt/revisionInfo.xml><?xml version="1.0" encoding="utf-8"?>
 <p1510:revInfo xmlns:a="http://schemas.openxmlformats.org/drawingml/2006/main" xmlns:r="http://schemas.openxmlformats.org/officeDocument/2006/relationships" xmlns:p1510="http://schemas.microsoft.com/office/powerpoint/2015/10/main">
   <p1510:revLst>
-    <p1510:client id="{2209AF46-C590-0E4A-B0E1-A646FCF9E057}" v="20" dt="2019-03-31T08:39:04.910"/>
+    <p1510:client id="{2A5FF332-C6B8-004E-B13C-84EF513D8A84}" v="3" dt="2019-04-13T05:21:27.487"/>
   </p1510:revLst>
 </p1510:revInfo>
 </file>
 
 <file path=ppt/changesInfos/changesInfo1.xml><?xml version="1.0" encoding="utf-8"?>
 <pc:chgInfo xmlns:a="http://schemas.openxmlformats.org/drawingml/2006/main" xmlns:r="http://schemas.openxmlformats.org/officeDocument/2006/relationships" xmlns:ac="http://schemas.microsoft.com/office/drawing/2013/main/command" xmlns:pc="http://schemas.microsoft.com/office/powerpoint/2013/main/command">
+  <pc:docChgLst>
+    <pc:chgData name="Ian Wu Ling En" userId="28715549-2f5c-46f8-b7f8-f39c35f3312d" providerId="ADAL" clId="{2A5FF332-C6B8-004E-B13C-84EF513D8A84}"/>
+    <pc:docChg chg="modSld modMainMaster">
+      <pc:chgData name="Ian Wu Ling En" userId="28715549-2f5c-46f8-b7f8-f39c35f3312d" providerId="ADAL" clId="{2A5FF332-C6B8-004E-B13C-84EF513D8A84}" dt="2019-04-13T05:21:31.129" v="5" actId="1076"/>
+      <pc:docMkLst>
+        <pc:docMk/>
+      </pc:docMkLst>
+      <pc:sldChg chg="modSp">
+        <pc:chgData name="Ian Wu Ling En" userId="28715549-2f5c-46f8-b7f8-f39c35f3312d" providerId="ADAL" clId="{2A5FF332-C6B8-004E-B13C-84EF513D8A84}" dt="2019-04-13T05:21:31.129" v="5" actId="1076"/>
+        <pc:sldMkLst>
+          <pc:docMk/>
+          <pc:sldMk cId="927778399" sldId="256"/>
+        </pc:sldMkLst>
+        <pc:spChg chg="mod">
+          <ac:chgData name="Ian Wu Ling En" userId="28715549-2f5c-46f8-b7f8-f39c35f3312d" providerId="ADAL" clId="{2A5FF332-C6B8-004E-B13C-84EF513D8A84}" dt="2019-04-13T05:21:31.129" v="5" actId="1076"/>
+          <ac:spMkLst>
+            <pc:docMk/>
+            <pc:sldMk cId="927778399" sldId="256"/>
+            <ac:spMk id="2" creationId="{D3D01646-9CA4-DD48-BEE5-78788FCF806D}"/>
+          </ac:spMkLst>
+        </pc:spChg>
+        <pc:spChg chg="mod">
+          <ac:chgData name="Ian Wu Ling En" userId="28715549-2f5c-46f8-b7f8-f39c35f3312d" providerId="ADAL" clId="{2A5FF332-C6B8-004E-B13C-84EF513D8A84}" dt="2019-04-13T05:21:31.129" v="5" actId="1076"/>
+          <ac:spMkLst>
+            <pc:docMk/>
+            <pc:sldMk cId="927778399" sldId="256"/>
+            <ac:spMk id="12" creationId="{217A7799-65F3-48C0-85F9-A7454245851B}"/>
+          </ac:spMkLst>
+        </pc:spChg>
+        <pc:spChg chg="mod">
+          <ac:chgData name="Ian Wu Ling En" userId="28715549-2f5c-46f8-b7f8-f39c35f3312d" providerId="ADAL" clId="{2A5FF332-C6B8-004E-B13C-84EF513D8A84}" dt="2019-04-13T05:21:31.129" v="5" actId="1076"/>
+          <ac:spMkLst>
+            <pc:docMk/>
+            <pc:sldMk cId="927778399" sldId="256"/>
+            <ac:spMk id="22" creationId="{208359BE-A10C-4571-85CD-7E5676C63E58}"/>
+          </ac:spMkLst>
+        </pc:spChg>
+        <pc:spChg chg="mod">
+          <ac:chgData name="Ian Wu Ling En" userId="28715549-2f5c-46f8-b7f8-f39c35f3312d" providerId="ADAL" clId="{2A5FF332-C6B8-004E-B13C-84EF513D8A84}" dt="2019-04-13T05:21:31.129" v="5" actId="1076"/>
+          <ac:spMkLst>
+            <pc:docMk/>
+            <pc:sldMk cId="927778399" sldId="256"/>
+            <ac:spMk id="23" creationId="{C8782A02-9C4E-4CEB-A699-0EDF941CECE5}"/>
+          </ac:spMkLst>
+        </pc:spChg>
+        <pc:spChg chg="mod">
+          <ac:chgData name="Ian Wu Ling En" userId="28715549-2f5c-46f8-b7f8-f39c35f3312d" providerId="ADAL" clId="{2A5FF332-C6B8-004E-B13C-84EF513D8A84}" dt="2019-04-13T05:21:31.129" v="5" actId="1076"/>
+          <ac:spMkLst>
+            <pc:docMk/>
+            <pc:sldMk cId="927778399" sldId="256"/>
+            <ac:spMk id="24" creationId="{45F126B2-A863-451B-AE7C-762462FF0254}"/>
+          </ac:spMkLst>
+        </pc:spChg>
+        <pc:spChg chg="mod">
+          <ac:chgData name="Ian Wu Ling En" userId="28715549-2f5c-46f8-b7f8-f39c35f3312d" providerId="ADAL" clId="{2A5FF332-C6B8-004E-B13C-84EF513D8A84}" dt="2019-04-13T05:21:31.129" v="5" actId="1076"/>
+          <ac:spMkLst>
+            <pc:docMk/>
+            <pc:sldMk cId="927778399" sldId="256"/>
+            <ac:spMk id="25" creationId="{264DE8DB-A595-487A-8929-D64B3BA31380}"/>
+          </ac:spMkLst>
+        </pc:spChg>
+        <pc:spChg chg="mod">
+          <ac:chgData name="Ian Wu Ling En" userId="28715549-2f5c-46f8-b7f8-f39c35f3312d" providerId="ADAL" clId="{2A5FF332-C6B8-004E-B13C-84EF513D8A84}" dt="2019-04-13T05:21:31.129" v="5" actId="1076"/>
+          <ac:spMkLst>
+            <pc:docMk/>
+            <pc:sldMk cId="927778399" sldId="256"/>
+            <ac:spMk id="33" creationId="{4D4EFF85-F2D7-DB45-A484-C86A56F8F43C}"/>
+          </ac:spMkLst>
+        </pc:spChg>
+        <pc:spChg chg="mod">
+          <ac:chgData name="Ian Wu Ling En" userId="28715549-2f5c-46f8-b7f8-f39c35f3312d" providerId="ADAL" clId="{2A5FF332-C6B8-004E-B13C-84EF513D8A84}" dt="2019-04-13T05:21:31.129" v="5" actId="1076"/>
+          <ac:spMkLst>
+            <pc:docMk/>
+            <pc:sldMk cId="927778399" sldId="256"/>
+            <ac:spMk id="35" creationId="{036CD794-E5E1-7341-ABBC-E1AB3D49A58D}"/>
+          </ac:spMkLst>
+        </pc:spChg>
+        <pc:spChg chg="mod">
+          <ac:chgData name="Ian Wu Ling En" userId="28715549-2f5c-46f8-b7f8-f39c35f3312d" providerId="ADAL" clId="{2A5FF332-C6B8-004E-B13C-84EF513D8A84}" dt="2019-04-13T05:21:31.129" v="5" actId="1076"/>
+          <ac:spMkLst>
+            <pc:docMk/>
+            <pc:sldMk cId="927778399" sldId="256"/>
+            <ac:spMk id="36" creationId="{D0862A60-D082-4F43-A708-DCB54DD01537}"/>
+          </ac:spMkLst>
+        </pc:spChg>
+        <pc:spChg chg="mod">
+          <ac:chgData name="Ian Wu Ling En" userId="28715549-2f5c-46f8-b7f8-f39c35f3312d" providerId="ADAL" clId="{2A5FF332-C6B8-004E-B13C-84EF513D8A84}" dt="2019-04-13T05:21:31.129" v="5" actId="1076"/>
+          <ac:spMkLst>
+            <pc:docMk/>
+            <pc:sldMk cId="927778399" sldId="256"/>
+            <ac:spMk id="37" creationId="{B58C9E21-7BAE-764A-9C46-976D6A9399C3}"/>
+          </ac:spMkLst>
+        </pc:spChg>
+        <pc:spChg chg="mod">
+          <ac:chgData name="Ian Wu Ling En" userId="28715549-2f5c-46f8-b7f8-f39c35f3312d" providerId="ADAL" clId="{2A5FF332-C6B8-004E-B13C-84EF513D8A84}" dt="2019-04-13T05:21:31.129" v="5" actId="1076"/>
+          <ac:spMkLst>
+            <pc:docMk/>
+            <pc:sldMk cId="927778399" sldId="256"/>
+            <ac:spMk id="38" creationId="{AB000F07-73CC-EE47-A71B-E774DE780BD2}"/>
+          </ac:spMkLst>
+        </pc:spChg>
+        <pc:spChg chg="mod">
+          <ac:chgData name="Ian Wu Ling En" userId="28715549-2f5c-46f8-b7f8-f39c35f3312d" providerId="ADAL" clId="{2A5FF332-C6B8-004E-B13C-84EF513D8A84}" dt="2019-04-13T05:21:31.129" v="5" actId="1076"/>
+          <ac:spMkLst>
+            <pc:docMk/>
+            <pc:sldMk cId="927778399" sldId="256"/>
+            <ac:spMk id="39" creationId="{1A2036D2-6D82-EF44-B1F3-1F3E7C29923B}"/>
+          </ac:spMkLst>
+        </pc:spChg>
+        <pc:spChg chg="mod">
+          <ac:chgData name="Ian Wu Ling En" userId="28715549-2f5c-46f8-b7f8-f39c35f3312d" providerId="ADAL" clId="{2A5FF332-C6B8-004E-B13C-84EF513D8A84}" dt="2019-04-13T05:21:31.129" v="5" actId="1076"/>
+          <ac:spMkLst>
+            <pc:docMk/>
+            <pc:sldMk cId="927778399" sldId="256"/>
+            <ac:spMk id="40" creationId="{FC6503A8-5F9D-854D-8AC9-E5E78DBABE25}"/>
+          </ac:spMkLst>
+        </pc:spChg>
+        <pc:spChg chg="mod">
+          <ac:chgData name="Ian Wu Ling En" userId="28715549-2f5c-46f8-b7f8-f39c35f3312d" providerId="ADAL" clId="{2A5FF332-C6B8-004E-B13C-84EF513D8A84}" dt="2019-04-13T05:21:31.129" v="5" actId="1076"/>
+          <ac:spMkLst>
+            <pc:docMk/>
+            <pc:sldMk cId="927778399" sldId="256"/>
+            <ac:spMk id="47" creationId="{A6982126-5784-5944-A101-79E4914BE085}"/>
+          </ac:spMkLst>
+        </pc:spChg>
+        <pc:spChg chg="mod">
+          <ac:chgData name="Ian Wu Ling En" userId="28715549-2f5c-46f8-b7f8-f39c35f3312d" providerId="ADAL" clId="{2A5FF332-C6B8-004E-B13C-84EF513D8A84}" dt="2019-04-13T05:21:31.129" v="5" actId="1076"/>
+          <ac:spMkLst>
+            <pc:docMk/>
+            <pc:sldMk cId="927778399" sldId="256"/>
+            <ac:spMk id="48" creationId="{1FF128DA-AA6F-AD43-BF94-FC7DFD1533B1}"/>
+          </ac:spMkLst>
+        </pc:spChg>
+        <pc:grpChg chg="mod">
+          <ac:chgData name="Ian Wu Ling En" userId="28715549-2f5c-46f8-b7f8-f39c35f3312d" providerId="ADAL" clId="{2A5FF332-C6B8-004E-B13C-84EF513D8A84}" dt="2019-04-13T05:21:31.129" v="5" actId="1076"/>
+          <ac:grpSpMkLst>
+            <pc:docMk/>
+            <pc:sldMk cId="927778399" sldId="256"/>
+            <ac:grpSpMk id="27" creationId="{327F62DB-BA0C-4E1B-B567-BB31F0A30299}"/>
+          </ac:grpSpMkLst>
+        </pc:grpChg>
+        <pc:grpChg chg="mod">
+          <ac:chgData name="Ian Wu Ling En" userId="28715549-2f5c-46f8-b7f8-f39c35f3312d" providerId="ADAL" clId="{2A5FF332-C6B8-004E-B13C-84EF513D8A84}" dt="2019-04-13T05:21:31.129" v="5" actId="1076"/>
+          <ac:grpSpMkLst>
+            <pc:docMk/>
+            <pc:sldMk cId="927778399" sldId="256"/>
+            <ac:grpSpMk id="29" creationId="{78590867-E278-A249-B235-AA2852694169}"/>
+          </ac:grpSpMkLst>
+        </pc:grpChg>
+        <pc:grpChg chg="mod">
+          <ac:chgData name="Ian Wu Ling En" userId="28715549-2f5c-46f8-b7f8-f39c35f3312d" providerId="ADAL" clId="{2A5FF332-C6B8-004E-B13C-84EF513D8A84}" dt="2019-04-13T05:21:31.129" v="5" actId="1076"/>
+          <ac:grpSpMkLst>
+            <pc:docMk/>
+            <pc:sldMk cId="927778399" sldId="256"/>
+            <ac:grpSpMk id="41" creationId="{D2BF1CF6-03F4-DF41-A6C3-4600557DDF49}"/>
+          </ac:grpSpMkLst>
+        </pc:grpChg>
+        <pc:cxnChg chg="mod">
+          <ac:chgData name="Ian Wu Ling En" userId="28715549-2f5c-46f8-b7f8-f39c35f3312d" providerId="ADAL" clId="{2A5FF332-C6B8-004E-B13C-84EF513D8A84}" dt="2019-04-13T05:21:31.129" v="5" actId="1076"/>
+          <ac:cxnSpMkLst>
+            <pc:docMk/>
+            <pc:sldMk cId="927778399" sldId="256"/>
+            <ac:cxnSpMk id="34" creationId="{ABCAEC8F-247B-A04E-AF78-3D5F83E8F328}"/>
+          </ac:cxnSpMkLst>
+        </pc:cxnChg>
+      </pc:sldChg>
+      <pc:sldMasterChg chg="modSp modSldLayout">
+        <pc:chgData name="Ian Wu Ling En" userId="28715549-2f5c-46f8-b7f8-f39c35f3312d" providerId="ADAL" clId="{2A5FF332-C6B8-004E-B13C-84EF513D8A84}" dt="2019-04-13T05:21:09.556" v="1"/>
+        <pc:sldMasterMkLst>
+          <pc:docMk/>
+          <pc:sldMasterMk cId="4012377934" sldId="2147483648"/>
+        </pc:sldMasterMkLst>
+        <pc:spChg chg="mod">
+          <ac:chgData name="Ian Wu Ling En" userId="28715549-2f5c-46f8-b7f8-f39c35f3312d" providerId="ADAL" clId="{2A5FF332-C6B8-004E-B13C-84EF513D8A84}" dt="2019-04-13T05:21:09.556" v="1"/>
+          <ac:spMkLst>
+            <pc:docMk/>
+            <pc:sldMasterMk cId="4012377934" sldId="2147483648"/>
+            <ac:spMk id="2" creationId="{833A96ED-9045-4328-8A43-3A8BECE3472A}"/>
+          </ac:spMkLst>
+        </pc:spChg>
+        <pc:spChg chg="mod">
+          <ac:chgData name="Ian Wu Ling En" userId="28715549-2f5c-46f8-b7f8-f39c35f3312d" providerId="ADAL" clId="{2A5FF332-C6B8-004E-B13C-84EF513D8A84}" dt="2019-04-13T05:21:09.556" v="1"/>
+          <ac:spMkLst>
+            <pc:docMk/>
+            <pc:sldMasterMk cId="4012377934" sldId="2147483648"/>
+            <ac:spMk id="3" creationId="{669C429A-34A0-4323-B58D-843A213EFA7B}"/>
+          </ac:spMkLst>
+        </pc:spChg>
+        <pc:spChg chg="mod">
+          <ac:chgData name="Ian Wu Ling En" userId="28715549-2f5c-46f8-b7f8-f39c35f3312d" providerId="ADAL" clId="{2A5FF332-C6B8-004E-B13C-84EF513D8A84}" dt="2019-04-13T05:21:09.556" v="1"/>
+          <ac:spMkLst>
+            <pc:docMk/>
+            <pc:sldMasterMk cId="4012377934" sldId="2147483648"/>
+            <ac:spMk id="4" creationId="{963CDAD7-00D6-45B5-9A0A-459A00F19F09}"/>
+          </ac:spMkLst>
+        </pc:spChg>
+        <pc:spChg chg="mod">
+          <ac:chgData name="Ian Wu Ling En" userId="28715549-2f5c-46f8-b7f8-f39c35f3312d" providerId="ADAL" clId="{2A5FF332-C6B8-004E-B13C-84EF513D8A84}" dt="2019-04-13T05:21:09.556" v="1"/>
+          <ac:spMkLst>
+            <pc:docMk/>
+            <pc:sldMasterMk cId="4012377934" sldId="2147483648"/>
+            <ac:spMk id="5" creationId="{F0C1C165-502C-4CDB-8A5B-E9EA9D77BE48}"/>
+          </ac:spMkLst>
+        </pc:spChg>
+        <pc:spChg chg="mod">
+          <ac:chgData name="Ian Wu Ling En" userId="28715549-2f5c-46f8-b7f8-f39c35f3312d" providerId="ADAL" clId="{2A5FF332-C6B8-004E-B13C-84EF513D8A84}" dt="2019-04-13T05:21:09.556" v="1"/>
+          <ac:spMkLst>
+            <pc:docMk/>
+            <pc:sldMasterMk cId="4012377934" sldId="2147483648"/>
+            <ac:spMk id="6" creationId="{6A3F79C4-BAEB-4969-A15B-C0C7E6829160}"/>
+          </ac:spMkLst>
+        </pc:spChg>
+        <pc:sldLayoutChg chg="modSp">
+          <pc:chgData name="Ian Wu Ling En" userId="28715549-2f5c-46f8-b7f8-f39c35f3312d" providerId="ADAL" clId="{2A5FF332-C6B8-004E-B13C-84EF513D8A84}" dt="2019-04-13T05:21:09.556" v="1"/>
+          <pc:sldLayoutMkLst>
+            <pc:docMk/>
+            <pc:sldMasterMk cId="4012377934" sldId="2147483648"/>
+            <pc:sldLayoutMk cId="1897846355" sldId="2147483649"/>
+          </pc:sldLayoutMkLst>
+          <pc:spChg chg="mod">
+            <ac:chgData name="Ian Wu Ling En" userId="28715549-2f5c-46f8-b7f8-f39c35f3312d" providerId="ADAL" clId="{2A5FF332-C6B8-004E-B13C-84EF513D8A84}" dt="2019-04-13T05:21:09.556" v="1"/>
+            <ac:spMkLst>
+              <pc:docMk/>
+              <pc:sldMasterMk cId="4012377934" sldId="2147483648"/>
+              <pc:sldLayoutMk cId="1897846355" sldId="2147483649"/>
+              <ac:spMk id="2" creationId="{89841660-A924-4AFA-B4E7-6898038BCB1E}"/>
+            </ac:spMkLst>
+          </pc:spChg>
+          <pc:spChg chg="mod">
+            <ac:chgData name="Ian Wu Ling En" userId="28715549-2f5c-46f8-b7f8-f39c35f3312d" providerId="ADAL" clId="{2A5FF332-C6B8-004E-B13C-84EF513D8A84}" dt="2019-04-13T05:21:09.556" v="1"/>
+            <ac:spMkLst>
+              <pc:docMk/>
+              <pc:sldMasterMk cId="4012377934" sldId="2147483648"/>
+              <pc:sldLayoutMk cId="1897846355" sldId="2147483649"/>
+              <ac:spMk id="3" creationId="{C8FA8EED-9341-4A70-948E-13E176B002C7}"/>
+            </ac:spMkLst>
+          </pc:spChg>
+        </pc:sldLayoutChg>
+        <pc:sldLayoutChg chg="modSp">
+          <pc:chgData name="Ian Wu Ling En" userId="28715549-2f5c-46f8-b7f8-f39c35f3312d" providerId="ADAL" clId="{2A5FF332-C6B8-004E-B13C-84EF513D8A84}" dt="2019-04-13T05:21:09.556" v="1"/>
+          <pc:sldLayoutMkLst>
+            <pc:docMk/>
+            <pc:sldMasterMk cId="4012377934" sldId="2147483648"/>
+            <pc:sldLayoutMk cId="2870850088" sldId="2147483651"/>
+          </pc:sldLayoutMkLst>
+          <pc:spChg chg="mod">
+            <ac:chgData name="Ian Wu Ling En" userId="28715549-2f5c-46f8-b7f8-f39c35f3312d" providerId="ADAL" clId="{2A5FF332-C6B8-004E-B13C-84EF513D8A84}" dt="2019-04-13T05:21:09.556" v="1"/>
+            <ac:spMkLst>
+              <pc:docMk/>
+              <pc:sldMasterMk cId="4012377934" sldId="2147483648"/>
+              <pc:sldLayoutMk cId="2870850088" sldId="2147483651"/>
+              <ac:spMk id="2" creationId="{FE341931-03DC-4CF3-958B-BFB07A9903A6}"/>
+            </ac:spMkLst>
+          </pc:spChg>
+          <pc:spChg chg="mod">
+            <ac:chgData name="Ian Wu Ling En" userId="28715549-2f5c-46f8-b7f8-f39c35f3312d" providerId="ADAL" clId="{2A5FF332-C6B8-004E-B13C-84EF513D8A84}" dt="2019-04-13T05:21:09.556" v="1"/>
+            <ac:spMkLst>
+              <pc:docMk/>
+              <pc:sldMasterMk cId="4012377934" sldId="2147483648"/>
+              <pc:sldLayoutMk cId="2870850088" sldId="2147483651"/>
+              <ac:spMk id="3" creationId="{BC90A629-D400-425C-BC1C-3CF234AA1050}"/>
+            </ac:spMkLst>
+          </pc:spChg>
+        </pc:sldLayoutChg>
+        <pc:sldLayoutChg chg="modSp">
+          <pc:chgData name="Ian Wu Ling En" userId="28715549-2f5c-46f8-b7f8-f39c35f3312d" providerId="ADAL" clId="{2A5FF332-C6B8-004E-B13C-84EF513D8A84}" dt="2019-04-13T05:21:09.556" v="1"/>
+          <pc:sldLayoutMkLst>
+            <pc:docMk/>
+            <pc:sldMasterMk cId="4012377934" sldId="2147483648"/>
+            <pc:sldLayoutMk cId="3700733781" sldId="2147483652"/>
+          </pc:sldLayoutMkLst>
+          <pc:spChg chg="mod">
+            <ac:chgData name="Ian Wu Ling En" userId="28715549-2f5c-46f8-b7f8-f39c35f3312d" providerId="ADAL" clId="{2A5FF332-C6B8-004E-B13C-84EF513D8A84}" dt="2019-04-13T05:21:09.556" v="1"/>
+            <ac:spMkLst>
+              <pc:docMk/>
+              <pc:sldMasterMk cId="4012377934" sldId="2147483648"/>
+              <pc:sldLayoutMk cId="3700733781" sldId="2147483652"/>
+              <ac:spMk id="3" creationId="{94F4CE53-568F-4544-A155-A754EB8AFC4B}"/>
+            </ac:spMkLst>
+          </pc:spChg>
+          <pc:spChg chg="mod">
+            <ac:chgData name="Ian Wu Ling En" userId="28715549-2f5c-46f8-b7f8-f39c35f3312d" providerId="ADAL" clId="{2A5FF332-C6B8-004E-B13C-84EF513D8A84}" dt="2019-04-13T05:21:09.556" v="1"/>
+            <ac:spMkLst>
+              <pc:docMk/>
+              <pc:sldMasterMk cId="4012377934" sldId="2147483648"/>
+              <pc:sldLayoutMk cId="3700733781" sldId="2147483652"/>
+              <ac:spMk id="4" creationId="{7B41C1BC-5018-4A77-8051-DF98000EB666}"/>
+            </ac:spMkLst>
+          </pc:spChg>
+        </pc:sldLayoutChg>
+        <pc:sldLayoutChg chg="modSp">
+          <pc:chgData name="Ian Wu Ling En" userId="28715549-2f5c-46f8-b7f8-f39c35f3312d" providerId="ADAL" clId="{2A5FF332-C6B8-004E-B13C-84EF513D8A84}" dt="2019-04-13T05:21:09.556" v="1"/>
+          <pc:sldLayoutMkLst>
+            <pc:docMk/>
+            <pc:sldMasterMk cId="4012377934" sldId="2147483648"/>
+            <pc:sldLayoutMk cId="2936493930" sldId="2147483653"/>
+          </pc:sldLayoutMkLst>
+          <pc:spChg chg="mod">
+            <ac:chgData name="Ian Wu Ling En" userId="28715549-2f5c-46f8-b7f8-f39c35f3312d" providerId="ADAL" clId="{2A5FF332-C6B8-004E-B13C-84EF513D8A84}" dt="2019-04-13T05:21:09.556" v="1"/>
+            <ac:spMkLst>
+              <pc:docMk/>
+              <pc:sldMasterMk cId="4012377934" sldId="2147483648"/>
+              <pc:sldLayoutMk cId="2936493930" sldId="2147483653"/>
+              <ac:spMk id="2" creationId="{20539FB8-6CF3-4D88-9FAC-ABB97875375A}"/>
+            </ac:spMkLst>
+          </pc:spChg>
+          <pc:spChg chg="mod">
+            <ac:chgData name="Ian Wu Ling En" userId="28715549-2f5c-46f8-b7f8-f39c35f3312d" providerId="ADAL" clId="{2A5FF332-C6B8-004E-B13C-84EF513D8A84}" dt="2019-04-13T05:21:09.556" v="1"/>
+            <ac:spMkLst>
+              <pc:docMk/>
+              <pc:sldMasterMk cId="4012377934" sldId="2147483648"/>
+              <pc:sldLayoutMk cId="2936493930" sldId="2147483653"/>
+              <ac:spMk id="3" creationId="{5A913FBD-6EA3-40D6-806A-24FC3998FB37}"/>
+            </ac:spMkLst>
+          </pc:spChg>
+          <pc:spChg chg="mod">
+            <ac:chgData name="Ian Wu Ling En" userId="28715549-2f5c-46f8-b7f8-f39c35f3312d" providerId="ADAL" clId="{2A5FF332-C6B8-004E-B13C-84EF513D8A84}" dt="2019-04-13T05:21:09.556" v="1"/>
+            <ac:spMkLst>
+              <pc:docMk/>
+              <pc:sldMasterMk cId="4012377934" sldId="2147483648"/>
+              <pc:sldLayoutMk cId="2936493930" sldId="2147483653"/>
+              <ac:spMk id="4" creationId="{4008B2B6-9445-47D5-9E6A-A782EADDDDCA}"/>
+            </ac:spMkLst>
+          </pc:spChg>
+          <pc:spChg chg="mod">
+            <ac:chgData name="Ian Wu Ling En" userId="28715549-2f5c-46f8-b7f8-f39c35f3312d" providerId="ADAL" clId="{2A5FF332-C6B8-004E-B13C-84EF513D8A84}" dt="2019-04-13T05:21:09.556" v="1"/>
+            <ac:spMkLst>
+              <pc:docMk/>
+              <pc:sldMasterMk cId="4012377934" sldId="2147483648"/>
+              <pc:sldLayoutMk cId="2936493930" sldId="2147483653"/>
+              <ac:spMk id="5" creationId="{FB1D4DB8-1E13-432D-B9A3-98B252280494}"/>
+            </ac:spMkLst>
+          </pc:spChg>
+          <pc:spChg chg="mod">
+            <ac:chgData name="Ian Wu Ling En" userId="28715549-2f5c-46f8-b7f8-f39c35f3312d" providerId="ADAL" clId="{2A5FF332-C6B8-004E-B13C-84EF513D8A84}" dt="2019-04-13T05:21:09.556" v="1"/>
+            <ac:spMkLst>
+              <pc:docMk/>
+              <pc:sldMasterMk cId="4012377934" sldId="2147483648"/>
+              <pc:sldLayoutMk cId="2936493930" sldId="2147483653"/>
+              <ac:spMk id="6" creationId="{76572532-8163-41F5-9206-603093E07D38}"/>
+            </ac:spMkLst>
+          </pc:spChg>
+        </pc:sldLayoutChg>
+        <pc:sldLayoutChg chg="modSp">
+          <pc:chgData name="Ian Wu Ling En" userId="28715549-2f5c-46f8-b7f8-f39c35f3312d" providerId="ADAL" clId="{2A5FF332-C6B8-004E-B13C-84EF513D8A84}" dt="2019-04-13T05:21:09.556" v="1"/>
+          <pc:sldLayoutMkLst>
+            <pc:docMk/>
+            <pc:sldMasterMk cId="4012377934" sldId="2147483648"/>
+            <pc:sldLayoutMk cId="2163957869" sldId="2147483656"/>
+          </pc:sldLayoutMkLst>
+          <pc:spChg chg="mod">
+            <ac:chgData name="Ian Wu Ling En" userId="28715549-2f5c-46f8-b7f8-f39c35f3312d" providerId="ADAL" clId="{2A5FF332-C6B8-004E-B13C-84EF513D8A84}" dt="2019-04-13T05:21:09.556" v="1"/>
+            <ac:spMkLst>
+              <pc:docMk/>
+              <pc:sldMasterMk cId="4012377934" sldId="2147483648"/>
+              <pc:sldLayoutMk cId="2163957869" sldId="2147483656"/>
+              <ac:spMk id="2" creationId="{D5584558-1948-4311-9BA3-BC74F376CBAC}"/>
+            </ac:spMkLst>
+          </pc:spChg>
+          <pc:spChg chg="mod">
+            <ac:chgData name="Ian Wu Ling En" userId="28715549-2f5c-46f8-b7f8-f39c35f3312d" providerId="ADAL" clId="{2A5FF332-C6B8-004E-B13C-84EF513D8A84}" dt="2019-04-13T05:21:09.556" v="1"/>
+            <ac:spMkLst>
+              <pc:docMk/>
+              <pc:sldMasterMk cId="4012377934" sldId="2147483648"/>
+              <pc:sldLayoutMk cId="2163957869" sldId="2147483656"/>
+              <ac:spMk id="3" creationId="{817EAC74-5C12-4546-B132-46719EA04DC2}"/>
+            </ac:spMkLst>
+          </pc:spChg>
+          <pc:spChg chg="mod">
+            <ac:chgData name="Ian Wu Ling En" userId="28715549-2f5c-46f8-b7f8-f39c35f3312d" providerId="ADAL" clId="{2A5FF332-C6B8-004E-B13C-84EF513D8A84}" dt="2019-04-13T05:21:09.556" v="1"/>
+            <ac:spMkLst>
+              <pc:docMk/>
+              <pc:sldMasterMk cId="4012377934" sldId="2147483648"/>
+              <pc:sldLayoutMk cId="2163957869" sldId="2147483656"/>
+              <ac:spMk id="4" creationId="{E3A833DA-0F1B-4B64-93FC-15EE1317B869}"/>
+            </ac:spMkLst>
+          </pc:spChg>
+        </pc:sldLayoutChg>
+        <pc:sldLayoutChg chg="modSp">
+          <pc:chgData name="Ian Wu Ling En" userId="28715549-2f5c-46f8-b7f8-f39c35f3312d" providerId="ADAL" clId="{2A5FF332-C6B8-004E-B13C-84EF513D8A84}" dt="2019-04-13T05:21:09.556" v="1"/>
+          <pc:sldLayoutMkLst>
+            <pc:docMk/>
+            <pc:sldMasterMk cId="4012377934" sldId="2147483648"/>
+            <pc:sldLayoutMk cId="743398271" sldId="2147483657"/>
+          </pc:sldLayoutMkLst>
+          <pc:spChg chg="mod">
+            <ac:chgData name="Ian Wu Ling En" userId="28715549-2f5c-46f8-b7f8-f39c35f3312d" providerId="ADAL" clId="{2A5FF332-C6B8-004E-B13C-84EF513D8A84}" dt="2019-04-13T05:21:09.556" v="1"/>
+            <ac:spMkLst>
+              <pc:docMk/>
+              <pc:sldMasterMk cId="4012377934" sldId="2147483648"/>
+              <pc:sldLayoutMk cId="743398271" sldId="2147483657"/>
+              <ac:spMk id="2" creationId="{A33B97AC-62D6-493F-968B-CDB821CA6EDD}"/>
+            </ac:spMkLst>
+          </pc:spChg>
+          <pc:spChg chg="mod">
+            <ac:chgData name="Ian Wu Ling En" userId="28715549-2f5c-46f8-b7f8-f39c35f3312d" providerId="ADAL" clId="{2A5FF332-C6B8-004E-B13C-84EF513D8A84}" dt="2019-04-13T05:21:09.556" v="1"/>
+            <ac:spMkLst>
+              <pc:docMk/>
+              <pc:sldMasterMk cId="4012377934" sldId="2147483648"/>
+              <pc:sldLayoutMk cId="743398271" sldId="2147483657"/>
+              <ac:spMk id="3" creationId="{30F42160-9E56-41C8-8B1D-AB1E6ABF6633}"/>
+            </ac:spMkLst>
+          </pc:spChg>
+          <pc:spChg chg="mod">
+            <ac:chgData name="Ian Wu Ling En" userId="28715549-2f5c-46f8-b7f8-f39c35f3312d" providerId="ADAL" clId="{2A5FF332-C6B8-004E-B13C-84EF513D8A84}" dt="2019-04-13T05:21:09.556" v="1"/>
+            <ac:spMkLst>
+              <pc:docMk/>
+              <pc:sldMasterMk cId="4012377934" sldId="2147483648"/>
+              <pc:sldLayoutMk cId="743398271" sldId="2147483657"/>
+              <ac:spMk id="4" creationId="{13874172-3AE9-4E37-A59D-B3BFA27AC49F}"/>
+            </ac:spMkLst>
+          </pc:spChg>
+        </pc:sldLayoutChg>
+        <pc:sldLayoutChg chg="modSp">
+          <pc:chgData name="Ian Wu Ling En" userId="28715549-2f5c-46f8-b7f8-f39c35f3312d" providerId="ADAL" clId="{2A5FF332-C6B8-004E-B13C-84EF513D8A84}" dt="2019-04-13T05:21:09.556" v="1"/>
+          <pc:sldLayoutMkLst>
+            <pc:docMk/>
+            <pc:sldMasterMk cId="4012377934" sldId="2147483648"/>
+            <pc:sldLayoutMk cId="2787276552" sldId="2147483659"/>
+          </pc:sldLayoutMkLst>
+          <pc:spChg chg="mod">
+            <ac:chgData name="Ian Wu Ling En" userId="28715549-2f5c-46f8-b7f8-f39c35f3312d" providerId="ADAL" clId="{2A5FF332-C6B8-004E-B13C-84EF513D8A84}" dt="2019-04-13T05:21:09.556" v="1"/>
+            <ac:spMkLst>
+              <pc:docMk/>
+              <pc:sldMasterMk cId="4012377934" sldId="2147483648"/>
+              <pc:sldLayoutMk cId="2787276552" sldId="2147483659"/>
+              <ac:spMk id="2" creationId="{49D30D41-D727-4578-8AB6-3C178EC6473A}"/>
+            </ac:spMkLst>
+          </pc:spChg>
+          <pc:spChg chg="mod">
+            <ac:chgData name="Ian Wu Ling En" userId="28715549-2f5c-46f8-b7f8-f39c35f3312d" providerId="ADAL" clId="{2A5FF332-C6B8-004E-B13C-84EF513D8A84}" dt="2019-04-13T05:21:09.556" v="1"/>
+            <ac:spMkLst>
+              <pc:docMk/>
+              <pc:sldMasterMk cId="4012377934" sldId="2147483648"/>
+              <pc:sldLayoutMk cId="2787276552" sldId="2147483659"/>
+              <ac:spMk id="3" creationId="{5C6D2A3D-35D8-4234-A864-37B14B78150B}"/>
+            </ac:spMkLst>
+          </pc:spChg>
+        </pc:sldLayoutChg>
+      </pc:sldMasterChg>
+      <pc:sldMasterChg chg="modSp modSldLayout">
+        <pc:chgData name="Ian Wu Ling En" userId="28715549-2f5c-46f8-b7f8-f39c35f3312d" providerId="ADAL" clId="{2A5FF332-C6B8-004E-B13C-84EF513D8A84}" dt="2019-04-13T05:21:17.341" v="2"/>
+        <pc:sldMasterMkLst>
+          <pc:docMk/>
+          <pc:sldMasterMk cId="3730234458" sldId="2147483660"/>
+        </pc:sldMasterMkLst>
+        <pc:spChg chg="mod">
+          <ac:chgData name="Ian Wu Ling En" userId="28715549-2f5c-46f8-b7f8-f39c35f3312d" providerId="ADAL" clId="{2A5FF332-C6B8-004E-B13C-84EF513D8A84}" dt="2019-04-13T05:21:17.341" v="2"/>
+          <ac:spMkLst>
+            <pc:docMk/>
+            <pc:sldMasterMk cId="3730234458" sldId="2147483660"/>
+            <ac:spMk id="2" creationId="{00000000-0000-0000-0000-000000000000}"/>
+          </ac:spMkLst>
+        </pc:spChg>
+        <pc:spChg chg="mod">
+          <ac:chgData name="Ian Wu Ling En" userId="28715549-2f5c-46f8-b7f8-f39c35f3312d" providerId="ADAL" clId="{2A5FF332-C6B8-004E-B13C-84EF513D8A84}" dt="2019-04-13T05:21:17.341" v="2"/>
+          <ac:spMkLst>
+            <pc:docMk/>
+            <pc:sldMasterMk cId="3730234458" sldId="2147483660"/>
+            <ac:spMk id="3" creationId="{00000000-0000-0000-0000-000000000000}"/>
+          </ac:spMkLst>
+        </pc:spChg>
+        <pc:spChg chg="mod">
+          <ac:chgData name="Ian Wu Ling En" userId="28715549-2f5c-46f8-b7f8-f39c35f3312d" providerId="ADAL" clId="{2A5FF332-C6B8-004E-B13C-84EF513D8A84}" dt="2019-04-13T05:21:17.341" v="2"/>
+          <ac:spMkLst>
+            <pc:docMk/>
+            <pc:sldMasterMk cId="3730234458" sldId="2147483660"/>
+            <ac:spMk id="4" creationId="{00000000-0000-0000-0000-000000000000}"/>
+          </ac:spMkLst>
+        </pc:spChg>
+        <pc:spChg chg="mod">
+          <ac:chgData name="Ian Wu Ling En" userId="28715549-2f5c-46f8-b7f8-f39c35f3312d" providerId="ADAL" clId="{2A5FF332-C6B8-004E-B13C-84EF513D8A84}" dt="2019-04-13T05:21:17.341" v="2"/>
+          <ac:spMkLst>
+            <pc:docMk/>
+            <pc:sldMasterMk cId="3730234458" sldId="2147483660"/>
+            <ac:spMk id="5" creationId="{00000000-0000-0000-0000-000000000000}"/>
+          </ac:spMkLst>
+        </pc:spChg>
+        <pc:spChg chg="mod">
+          <ac:chgData name="Ian Wu Ling En" userId="28715549-2f5c-46f8-b7f8-f39c35f3312d" providerId="ADAL" clId="{2A5FF332-C6B8-004E-B13C-84EF513D8A84}" dt="2019-04-13T05:21:17.341" v="2"/>
+          <ac:spMkLst>
+            <pc:docMk/>
+            <pc:sldMasterMk cId="3730234458" sldId="2147483660"/>
+            <ac:spMk id="6" creationId="{00000000-0000-0000-0000-000000000000}"/>
+          </ac:spMkLst>
+        </pc:spChg>
+        <pc:sldLayoutChg chg="modSp">
+          <pc:chgData name="Ian Wu Ling En" userId="28715549-2f5c-46f8-b7f8-f39c35f3312d" providerId="ADAL" clId="{2A5FF332-C6B8-004E-B13C-84EF513D8A84}" dt="2019-04-13T05:21:17.341" v="2"/>
+          <pc:sldLayoutMkLst>
+            <pc:docMk/>
+            <pc:sldMasterMk cId="3730234458" sldId="2147483660"/>
+            <pc:sldLayoutMk cId="69638758" sldId="2147483661"/>
+          </pc:sldLayoutMkLst>
+          <pc:spChg chg="mod">
+            <ac:chgData name="Ian Wu Ling En" userId="28715549-2f5c-46f8-b7f8-f39c35f3312d" providerId="ADAL" clId="{2A5FF332-C6B8-004E-B13C-84EF513D8A84}" dt="2019-04-13T05:21:17.341" v="2"/>
+            <ac:spMkLst>
+              <pc:docMk/>
+              <pc:sldMasterMk cId="3730234458" sldId="2147483660"/>
+              <pc:sldLayoutMk cId="69638758" sldId="2147483661"/>
+              <ac:spMk id="2" creationId="{00000000-0000-0000-0000-000000000000}"/>
+            </ac:spMkLst>
+          </pc:spChg>
+          <pc:spChg chg="mod">
+            <ac:chgData name="Ian Wu Ling En" userId="28715549-2f5c-46f8-b7f8-f39c35f3312d" providerId="ADAL" clId="{2A5FF332-C6B8-004E-B13C-84EF513D8A84}" dt="2019-04-13T05:21:17.341" v="2"/>
+            <ac:spMkLst>
+              <pc:docMk/>
+              <pc:sldMasterMk cId="3730234458" sldId="2147483660"/>
+              <pc:sldLayoutMk cId="69638758" sldId="2147483661"/>
+              <ac:spMk id="3" creationId="{00000000-0000-0000-0000-000000000000}"/>
+            </ac:spMkLst>
+          </pc:spChg>
+        </pc:sldLayoutChg>
+        <pc:sldLayoutChg chg="modSp">
+          <pc:chgData name="Ian Wu Ling En" userId="28715549-2f5c-46f8-b7f8-f39c35f3312d" providerId="ADAL" clId="{2A5FF332-C6B8-004E-B13C-84EF513D8A84}" dt="2019-04-13T05:21:17.341" v="2"/>
+          <pc:sldLayoutMkLst>
+            <pc:docMk/>
+            <pc:sldMasterMk cId="3730234458" sldId="2147483660"/>
+            <pc:sldLayoutMk cId="1337571344" sldId="2147483663"/>
+          </pc:sldLayoutMkLst>
+          <pc:spChg chg="mod">
+            <ac:chgData name="Ian Wu Ling En" userId="28715549-2f5c-46f8-b7f8-f39c35f3312d" providerId="ADAL" clId="{2A5FF332-C6B8-004E-B13C-84EF513D8A84}" dt="2019-04-13T05:21:17.341" v="2"/>
+            <ac:spMkLst>
+              <pc:docMk/>
+              <pc:sldMasterMk cId="3730234458" sldId="2147483660"/>
+              <pc:sldLayoutMk cId="1337571344" sldId="2147483663"/>
+              <ac:spMk id="2" creationId="{00000000-0000-0000-0000-000000000000}"/>
+            </ac:spMkLst>
+          </pc:spChg>
+          <pc:spChg chg="mod">
+            <ac:chgData name="Ian Wu Ling En" userId="28715549-2f5c-46f8-b7f8-f39c35f3312d" providerId="ADAL" clId="{2A5FF332-C6B8-004E-B13C-84EF513D8A84}" dt="2019-04-13T05:21:17.341" v="2"/>
+            <ac:spMkLst>
+              <pc:docMk/>
+              <pc:sldMasterMk cId="3730234458" sldId="2147483660"/>
+              <pc:sldLayoutMk cId="1337571344" sldId="2147483663"/>
+              <ac:spMk id="3" creationId="{00000000-0000-0000-0000-000000000000}"/>
+            </ac:spMkLst>
+          </pc:spChg>
+        </pc:sldLayoutChg>
+        <pc:sldLayoutChg chg="modSp">
+          <pc:chgData name="Ian Wu Ling En" userId="28715549-2f5c-46f8-b7f8-f39c35f3312d" providerId="ADAL" clId="{2A5FF332-C6B8-004E-B13C-84EF513D8A84}" dt="2019-04-13T05:21:17.341" v="2"/>
+          <pc:sldLayoutMkLst>
+            <pc:docMk/>
+            <pc:sldMasterMk cId="3730234458" sldId="2147483660"/>
+            <pc:sldLayoutMk cId="2155735890" sldId="2147483664"/>
+          </pc:sldLayoutMkLst>
+          <pc:spChg chg="mod">
+            <ac:chgData name="Ian Wu Ling En" userId="28715549-2f5c-46f8-b7f8-f39c35f3312d" providerId="ADAL" clId="{2A5FF332-C6B8-004E-B13C-84EF513D8A84}" dt="2019-04-13T05:21:17.341" v="2"/>
+            <ac:spMkLst>
+              <pc:docMk/>
+              <pc:sldMasterMk cId="3730234458" sldId="2147483660"/>
+              <pc:sldLayoutMk cId="2155735890" sldId="2147483664"/>
+              <ac:spMk id="3" creationId="{00000000-0000-0000-0000-000000000000}"/>
+            </ac:spMkLst>
+          </pc:spChg>
+          <pc:spChg chg="mod">
+            <ac:chgData name="Ian Wu Ling En" userId="28715549-2f5c-46f8-b7f8-f39c35f3312d" providerId="ADAL" clId="{2A5FF332-C6B8-004E-B13C-84EF513D8A84}" dt="2019-04-13T05:21:17.341" v="2"/>
+            <ac:spMkLst>
+              <pc:docMk/>
+              <pc:sldMasterMk cId="3730234458" sldId="2147483660"/>
+              <pc:sldLayoutMk cId="2155735890" sldId="2147483664"/>
+              <ac:spMk id="4" creationId="{00000000-0000-0000-0000-000000000000}"/>
+            </ac:spMkLst>
+          </pc:spChg>
+        </pc:sldLayoutChg>
+        <pc:sldLayoutChg chg="modSp">
+          <pc:chgData name="Ian Wu Ling En" userId="28715549-2f5c-46f8-b7f8-f39c35f3312d" providerId="ADAL" clId="{2A5FF332-C6B8-004E-B13C-84EF513D8A84}" dt="2019-04-13T05:21:17.341" v="2"/>
+          <pc:sldLayoutMkLst>
+            <pc:docMk/>
+            <pc:sldMasterMk cId="3730234458" sldId="2147483660"/>
+            <pc:sldLayoutMk cId="2708120623" sldId="2147483665"/>
+          </pc:sldLayoutMkLst>
+          <pc:spChg chg="mod">
+            <ac:chgData name="Ian Wu Ling En" userId="28715549-2f5c-46f8-b7f8-f39c35f3312d" providerId="ADAL" clId="{2A5FF332-C6B8-004E-B13C-84EF513D8A84}" dt="2019-04-13T05:21:17.341" v="2"/>
+            <ac:spMkLst>
+              <pc:docMk/>
+              <pc:sldMasterMk cId="3730234458" sldId="2147483660"/>
+              <pc:sldLayoutMk cId="2708120623" sldId="2147483665"/>
+              <ac:spMk id="2" creationId="{00000000-0000-0000-0000-000000000000}"/>
+            </ac:spMkLst>
+          </pc:spChg>
+          <pc:spChg chg="mod">
+            <ac:chgData name="Ian Wu Ling En" userId="28715549-2f5c-46f8-b7f8-f39c35f3312d" providerId="ADAL" clId="{2A5FF332-C6B8-004E-B13C-84EF513D8A84}" dt="2019-04-13T05:21:17.341" v="2"/>
+            <ac:spMkLst>
+              <pc:docMk/>
+              <pc:sldMasterMk cId="3730234458" sldId="2147483660"/>
+              <pc:sldLayoutMk cId="2708120623" sldId="2147483665"/>
+              <ac:spMk id="3" creationId="{00000000-0000-0000-0000-000000000000}"/>
+            </ac:spMkLst>
+          </pc:spChg>
+          <pc:spChg chg="mod">
+            <ac:chgData name="Ian Wu Ling En" userId="28715549-2f5c-46f8-b7f8-f39c35f3312d" providerId="ADAL" clId="{2A5FF332-C6B8-004E-B13C-84EF513D8A84}" dt="2019-04-13T05:21:17.341" v="2"/>
+            <ac:spMkLst>
+              <pc:docMk/>
+              <pc:sldMasterMk cId="3730234458" sldId="2147483660"/>
+              <pc:sldLayoutMk cId="2708120623" sldId="2147483665"/>
+              <ac:spMk id="4" creationId="{00000000-0000-0000-0000-000000000000}"/>
+            </ac:spMkLst>
+          </pc:spChg>
+          <pc:spChg chg="mod">
+            <ac:chgData name="Ian Wu Ling En" userId="28715549-2f5c-46f8-b7f8-f39c35f3312d" providerId="ADAL" clId="{2A5FF332-C6B8-004E-B13C-84EF513D8A84}" dt="2019-04-13T05:21:17.341" v="2"/>
+            <ac:spMkLst>
+              <pc:docMk/>
+              <pc:sldMasterMk cId="3730234458" sldId="2147483660"/>
+              <pc:sldLayoutMk cId="2708120623" sldId="2147483665"/>
+              <ac:spMk id="5" creationId="{00000000-0000-0000-0000-000000000000}"/>
+            </ac:spMkLst>
+          </pc:spChg>
+          <pc:spChg chg="mod">
+            <ac:chgData name="Ian Wu Ling En" userId="28715549-2f5c-46f8-b7f8-f39c35f3312d" providerId="ADAL" clId="{2A5FF332-C6B8-004E-B13C-84EF513D8A84}" dt="2019-04-13T05:21:17.341" v="2"/>
+            <ac:spMkLst>
+              <pc:docMk/>
+              <pc:sldMasterMk cId="3730234458" sldId="2147483660"/>
+              <pc:sldLayoutMk cId="2708120623" sldId="2147483665"/>
+              <ac:spMk id="6" creationId="{00000000-0000-0000-0000-000000000000}"/>
+            </ac:spMkLst>
+          </pc:spChg>
+        </pc:sldLayoutChg>
+        <pc:sldLayoutChg chg="modSp">
+          <pc:chgData name="Ian Wu Ling En" userId="28715549-2f5c-46f8-b7f8-f39c35f3312d" providerId="ADAL" clId="{2A5FF332-C6B8-004E-B13C-84EF513D8A84}" dt="2019-04-13T05:21:17.341" v="2"/>
+          <pc:sldLayoutMkLst>
+            <pc:docMk/>
+            <pc:sldMasterMk cId="3730234458" sldId="2147483660"/>
+            <pc:sldLayoutMk cId="1710863114" sldId="2147483668"/>
+          </pc:sldLayoutMkLst>
+          <pc:spChg chg="mod">
+            <ac:chgData name="Ian Wu Ling En" userId="28715549-2f5c-46f8-b7f8-f39c35f3312d" providerId="ADAL" clId="{2A5FF332-C6B8-004E-B13C-84EF513D8A84}" dt="2019-04-13T05:21:17.341" v="2"/>
+            <ac:spMkLst>
+              <pc:docMk/>
+              <pc:sldMasterMk cId="3730234458" sldId="2147483660"/>
+              <pc:sldLayoutMk cId="1710863114" sldId="2147483668"/>
+              <ac:spMk id="2" creationId="{00000000-0000-0000-0000-000000000000}"/>
+            </ac:spMkLst>
+          </pc:spChg>
+          <pc:spChg chg="mod">
+            <ac:chgData name="Ian Wu Ling En" userId="28715549-2f5c-46f8-b7f8-f39c35f3312d" providerId="ADAL" clId="{2A5FF332-C6B8-004E-B13C-84EF513D8A84}" dt="2019-04-13T05:21:17.341" v="2"/>
+            <ac:spMkLst>
+              <pc:docMk/>
+              <pc:sldMasterMk cId="3730234458" sldId="2147483660"/>
+              <pc:sldLayoutMk cId="1710863114" sldId="2147483668"/>
+              <ac:spMk id="3" creationId="{00000000-0000-0000-0000-000000000000}"/>
+            </ac:spMkLst>
+          </pc:spChg>
+          <pc:spChg chg="mod">
+            <ac:chgData name="Ian Wu Ling En" userId="28715549-2f5c-46f8-b7f8-f39c35f3312d" providerId="ADAL" clId="{2A5FF332-C6B8-004E-B13C-84EF513D8A84}" dt="2019-04-13T05:21:17.341" v="2"/>
+            <ac:spMkLst>
+              <pc:docMk/>
+              <pc:sldMasterMk cId="3730234458" sldId="2147483660"/>
+              <pc:sldLayoutMk cId="1710863114" sldId="2147483668"/>
+              <ac:spMk id="4" creationId="{00000000-0000-0000-0000-000000000000}"/>
+            </ac:spMkLst>
+          </pc:spChg>
+        </pc:sldLayoutChg>
+        <pc:sldLayoutChg chg="modSp">
+          <pc:chgData name="Ian Wu Ling En" userId="28715549-2f5c-46f8-b7f8-f39c35f3312d" providerId="ADAL" clId="{2A5FF332-C6B8-004E-B13C-84EF513D8A84}" dt="2019-04-13T05:21:17.341" v="2"/>
+          <pc:sldLayoutMkLst>
+            <pc:docMk/>
+            <pc:sldMasterMk cId="3730234458" sldId="2147483660"/>
+            <pc:sldLayoutMk cId="3027984982" sldId="2147483669"/>
+          </pc:sldLayoutMkLst>
+          <pc:spChg chg="mod">
+            <ac:chgData name="Ian Wu Ling En" userId="28715549-2f5c-46f8-b7f8-f39c35f3312d" providerId="ADAL" clId="{2A5FF332-C6B8-004E-B13C-84EF513D8A84}" dt="2019-04-13T05:21:17.341" v="2"/>
+            <ac:spMkLst>
+              <pc:docMk/>
+              <pc:sldMasterMk cId="3730234458" sldId="2147483660"/>
+              <pc:sldLayoutMk cId="3027984982" sldId="2147483669"/>
+              <ac:spMk id="2" creationId="{00000000-0000-0000-0000-000000000000}"/>
+            </ac:spMkLst>
+          </pc:spChg>
+          <pc:spChg chg="mod">
+            <ac:chgData name="Ian Wu Ling En" userId="28715549-2f5c-46f8-b7f8-f39c35f3312d" providerId="ADAL" clId="{2A5FF332-C6B8-004E-B13C-84EF513D8A84}" dt="2019-04-13T05:21:17.341" v="2"/>
+            <ac:spMkLst>
+              <pc:docMk/>
+              <pc:sldMasterMk cId="3730234458" sldId="2147483660"/>
+              <pc:sldLayoutMk cId="3027984982" sldId="2147483669"/>
+              <ac:spMk id="3" creationId="{00000000-0000-0000-0000-000000000000}"/>
+            </ac:spMkLst>
+          </pc:spChg>
+          <pc:spChg chg="mod">
+            <ac:chgData name="Ian Wu Ling En" userId="28715549-2f5c-46f8-b7f8-f39c35f3312d" providerId="ADAL" clId="{2A5FF332-C6B8-004E-B13C-84EF513D8A84}" dt="2019-04-13T05:21:17.341" v="2"/>
+            <ac:spMkLst>
+              <pc:docMk/>
+              <pc:sldMasterMk cId="3730234458" sldId="2147483660"/>
+              <pc:sldLayoutMk cId="3027984982" sldId="2147483669"/>
+              <ac:spMk id="4" creationId="{00000000-0000-0000-0000-000000000000}"/>
+            </ac:spMkLst>
+          </pc:spChg>
+        </pc:sldLayoutChg>
+        <pc:sldLayoutChg chg="modSp">
+          <pc:chgData name="Ian Wu Ling En" userId="28715549-2f5c-46f8-b7f8-f39c35f3312d" providerId="ADAL" clId="{2A5FF332-C6B8-004E-B13C-84EF513D8A84}" dt="2019-04-13T05:21:17.341" v="2"/>
+          <pc:sldLayoutMkLst>
+            <pc:docMk/>
+            <pc:sldMasterMk cId="3730234458" sldId="2147483660"/>
+            <pc:sldLayoutMk cId="499762134" sldId="2147483671"/>
+          </pc:sldLayoutMkLst>
+          <pc:spChg chg="mod">
+            <ac:chgData name="Ian Wu Ling En" userId="28715549-2f5c-46f8-b7f8-f39c35f3312d" providerId="ADAL" clId="{2A5FF332-C6B8-004E-B13C-84EF513D8A84}" dt="2019-04-13T05:21:17.341" v="2"/>
+            <ac:spMkLst>
+              <pc:docMk/>
+              <pc:sldMasterMk cId="3730234458" sldId="2147483660"/>
+              <pc:sldLayoutMk cId="499762134" sldId="2147483671"/>
+              <ac:spMk id="2" creationId="{00000000-0000-0000-0000-000000000000}"/>
+            </ac:spMkLst>
+          </pc:spChg>
+          <pc:spChg chg="mod">
+            <ac:chgData name="Ian Wu Ling En" userId="28715549-2f5c-46f8-b7f8-f39c35f3312d" providerId="ADAL" clId="{2A5FF332-C6B8-004E-B13C-84EF513D8A84}" dt="2019-04-13T05:21:17.341" v="2"/>
+            <ac:spMkLst>
+              <pc:docMk/>
+              <pc:sldMasterMk cId="3730234458" sldId="2147483660"/>
+              <pc:sldLayoutMk cId="499762134" sldId="2147483671"/>
+              <ac:spMk id="3" creationId="{00000000-0000-0000-0000-000000000000}"/>
+            </ac:spMkLst>
+          </pc:spChg>
+        </pc:sldLayoutChg>
+      </pc:sldMasterChg>
+      <pc:sldMasterChg chg="modSp modSldLayout">
+        <pc:chgData name="Ian Wu Ling En" userId="28715549-2f5c-46f8-b7f8-f39c35f3312d" providerId="ADAL" clId="{2A5FF332-C6B8-004E-B13C-84EF513D8A84}" dt="2019-04-13T05:21:27.487" v="4"/>
+        <pc:sldMasterMkLst>
+          <pc:docMk/>
+          <pc:sldMasterMk cId="3257844210" sldId="2147483672"/>
+        </pc:sldMasterMkLst>
+        <pc:spChg chg="mod">
+          <ac:chgData name="Ian Wu Ling En" userId="28715549-2f5c-46f8-b7f8-f39c35f3312d" providerId="ADAL" clId="{2A5FF332-C6B8-004E-B13C-84EF513D8A84}" dt="2019-04-13T05:21:27.487" v="4"/>
+          <ac:spMkLst>
+            <pc:docMk/>
+            <pc:sldMasterMk cId="3257844210" sldId="2147483672"/>
+            <ac:spMk id="2" creationId="{00000000-0000-0000-0000-000000000000}"/>
+          </ac:spMkLst>
+        </pc:spChg>
+        <pc:spChg chg="mod">
+          <ac:chgData name="Ian Wu Ling En" userId="28715549-2f5c-46f8-b7f8-f39c35f3312d" providerId="ADAL" clId="{2A5FF332-C6B8-004E-B13C-84EF513D8A84}" dt="2019-04-13T05:21:27.487" v="4"/>
+          <ac:spMkLst>
+            <pc:docMk/>
+            <pc:sldMasterMk cId="3257844210" sldId="2147483672"/>
+            <ac:spMk id="3" creationId="{00000000-0000-0000-0000-000000000000}"/>
+          </ac:spMkLst>
+        </pc:spChg>
+        <pc:spChg chg="mod">
+          <ac:chgData name="Ian Wu Ling En" userId="28715549-2f5c-46f8-b7f8-f39c35f3312d" providerId="ADAL" clId="{2A5FF332-C6B8-004E-B13C-84EF513D8A84}" dt="2019-04-13T05:21:27.487" v="4"/>
+          <ac:spMkLst>
+            <pc:docMk/>
+            <pc:sldMasterMk cId="3257844210" sldId="2147483672"/>
+            <ac:spMk id="4" creationId="{00000000-0000-0000-0000-000000000000}"/>
+          </ac:spMkLst>
+        </pc:spChg>
+        <pc:spChg chg="mod">
+          <ac:chgData name="Ian Wu Ling En" userId="28715549-2f5c-46f8-b7f8-f39c35f3312d" providerId="ADAL" clId="{2A5FF332-C6B8-004E-B13C-84EF513D8A84}" dt="2019-04-13T05:21:27.487" v="4"/>
+          <ac:spMkLst>
+            <pc:docMk/>
+            <pc:sldMasterMk cId="3257844210" sldId="2147483672"/>
+            <ac:spMk id="5" creationId="{00000000-0000-0000-0000-000000000000}"/>
+          </ac:spMkLst>
+        </pc:spChg>
+        <pc:spChg chg="mod">
+          <ac:chgData name="Ian Wu Ling En" userId="28715549-2f5c-46f8-b7f8-f39c35f3312d" providerId="ADAL" clId="{2A5FF332-C6B8-004E-B13C-84EF513D8A84}" dt="2019-04-13T05:21:27.487" v="4"/>
+          <ac:spMkLst>
+            <pc:docMk/>
+            <pc:sldMasterMk cId="3257844210" sldId="2147483672"/>
+            <ac:spMk id="6" creationId="{00000000-0000-0000-0000-000000000000}"/>
+          </ac:spMkLst>
+        </pc:spChg>
+        <pc:sldLayoutChg chg="modSp">
+          <pc:chgData name="Ian Wu Ling En" userId="28715549-2f5c-46f8-b7f8-f39c35f3312d" providerId="ADAL" clId="{2A5FF332-C6B8-004E-B13C-84EF513D8A84}" dt="2019-04-13T05:21:27.487" v="4"/>
+          <pc:sldLayoutMkLst>
+            <pc:docMk/>
+            <pc:sldMasterMk cId="3257844210" sldId="2147483672"/>
+            <pc:sldLayoutMk cId="3448547882" sldId="2147483673"/>
+          </pc:sldLayoutMkLst>
+          <pc:spChg chg="mod">
+            <ac:chgData name="Ian Wu Ling En" userId="28715549-2f5c-46f8-b7f8-f39c35f3312d" providerId="ADAL" clId="{2A5FF332-C6B8-004E-B13C-84EF513D8A84}" dt="2019-04-13T05:21:27.487" v="4"/>
+            <ac:spMkLst>
+              <pc:docMk/>
+              <pc:sldMasterMk cId="3257844210" sldId="2147483672"/>
+              <pc:sldLayoutMk cId="3448547882" sldId="2147483673"/>
+              <ac:spMk id="2" creationId="{00000000-0000-0000-0000-000000000000}"/>
+            </ac:spMkLst>
+          </pc:spChg>
+          <pc:spChg chg="mod">
+            <ac:chgData name="Ian Wu Ling En" userId="28715549-2f5c-46f8-b7f8-f39c35f3312d" providerId="ADAL" clId="{2A5FF332-C6B8-004E-B13C-84EF513D8A84}" dt="2019-04-13T05:21:27.487" v="4"/>
+            <ac:spMkLst>
+              <pc:docMk/>
+              <pc:sldMasterMk cId="3257844210" sldId="2147483672"/>
+              <pc:sldLayoutMk cId="3448547882" sldId="2147483673"/>
+              <ac:spMk id="3" creationId="{00000000-0000-0000-0000-000000000000}"/>
+            </ac:spMkLst>
+          </pc:spChg>
+        </pc:sldLayoutChg>
+        <pc:sldLayoutChg chg="modSp">
+          <pc:chgData name="Ian Wu Ling En" userId="28715549-2f5c-46f8-b7f8-f39c35f3312d" providerId="ADAL" clId="{2A5FF332-C6B8-004E-B13C-84EF513D8A84}" dt="2019-04-13T05:21:27.487" v="4"/>
+          <pc:sldLayoutMkLst>
+            <pc:docMk/>
+            <pc:sldMasterMk cId="3257844210" sldId="2147483672"/>
+            <pc:sldLayoutMk cId="2717419159" sldId="2147483675"/>
+          </pc:sldLayoutMkLst>
+          <pc:spChg chg="mod">
+            <ac:chgData name="Ian Wu Ling En" userId="28715549-2f5c-46f8-b7f8-f39c35f3312d" providerId="ADAL" clId="{2A5FF332-C6B8-004E-B13C-84EF513D8A84}" dt="2019-04-13T05:21:27.487" v="4"/>
+            <ac:spMkLst>
+              <pc:docMk/>
+              <pc:sldMasterMk cId="3257844210" sldId="2147483672"/>
+              <pc:sldLayoutMk cId="2717419159" sldId="2147483675"/>
+              <ac:spMk id="2" creationId="{00000000-0000-0000-0000-000000000000}"/>
+            </ac:spMkLst>
+          </pc:spChg>
+          <pc:spChg chg="mod">
+            <ac:chgData name="Ian Wu Ling En" userId="28715549-2f5c-46f8-b7f8-f39c35f3312d" providerId="ADAL" clId="{2A5FF332-C6B8-004E-B13C-84EF513D8A84}" dt="2019-04-13T05:21:27.487" v="4"/>
+            <ac:spMkLst>
+              <pc:docMk/>
+              <pc:sldMasterMk cId="3257844210" sldId="2147483672"/>
+              <pc:sldLayoutMk cId="2717419159" sldId="2147483675"/>
+              <ac:spMk id="3" creationId="{00000000-0000-0000-0000-000000000000}"/>
+            </ac:spMkLst>
+          </pc:spChg>
+        </pc:sldLayoutChg>
+        <pc:sldLayoutChg chg="modSp">
+          <pc:chgData name="Ian Wu Ling En" userId="28715549-2f5c-46f8-b7f8-f39c35f3312d" providerId="ADAL" clId="{2A5FF332-C6B8-004E-B13C-84EF513D8A84}" dt="2019-04-13T05:21:27.487" v="4"/>
+          <pc:sldLayoutMkLst>
+            <pc:docMk/>
+            <pc:sldMasterMk cId="3257844210" sldId="2147483672"/>
+            <pc:sldLayoutMk cId="4108723283" sldId="2147483676"/>
+          </pc:sldLayoutMkLst>
+          <pc:spChg chg="mod">
+            <ac:chgData name="Ian Wu Ling En" userId="28715549-2f5c-46f8-b7f8-f39c35f3312d" providerId="ADAL" clId="{2A5FF332-C6B8-004E-B13C-84EF513D8A84}" dt="2019-04-13T05:21:27.487" v="4"/>
+            <ac:spMkLst>
+              <pc:docMk/>
+              <pc:sldMasterMk cId="3257844210" sldId="2147483672"/>
+              <pc:sldLayoutMk cId="4108723283" sldId="2147483676"/>
+              <ac:spMk id="3" creationId="{00000000-0000-0000-0000-000000000000}"/>
+            </ac:spMkLst>
+          </pc:spChg>
+          <pc:spChg chg="mod">
+            <ac:chgData name="Ian Wu Ling En" userId="28715549-2f5c-46f8-b7f8-f39c35f3312d" providerId="ADAL" clId="{2A5FF332-C6B8-004E-B13C-84EF513D8A84}" dt="2019-04-13T05:21:27.487" v="4"/>
+            <ac:spMkLst>
+              <pc:docMk/>
+              <pc:sldMasterMk cId="3257844210" sldId="2147483672"/>
+              <pc:sldLayoutMk cId="4108723283" sldId="2147483676"/>
+              <ac:spMk id="4" creationId="{00000000-0000-0000-0000-000000000000}"/>
+            </ac:spMkLst>
+          </pc:spChg>
+        </pc:sldLayoutChg>
+        <pc:sldLayoutChg chg="modSp">
+          <pc:chgData name="Ian Wu Ling En" userId="28715549-2f5c-46f8-b7f8-f39c35f3312d" providerId="ADAL" clId="{2A5FF332-C6B8-004E-B13C-84EF513D8A84}" dt="2019-04-13T05:21:27.487" v="4"/>
+          <pc:sldLayoutMkLst>
+            <pc:docMk/>
+            <pc:sldMasterMk cId="3257844210" sldId="2147483672"/>
+            <pc:sldLayoutMk cId="2844622240" sldId="2147483677"/>
+          </pc:sldLayoutMkLst>
+          <pc:spChg chg="mod">
+            <ac:chgData name="Ian Wu Ling En" userId="28715549-2f5c-46f8-b7f8-f39c35f3312d" providerId="ADAL" clId="{2A5FF332-C6B8-004E-B13C-84EF513D8A84}" dt="2019-04-13T05:21:27.487" v="4"/>
+            <ac:spMkLst>
+              <pc:docMk/>
+              <pc:sldMasterMk cId="3257844210" sldId="2147483672"/>
+              <pc:sldLayoutMk cId="2844622240" sldId="2147483677"/>
+              <ac:spMk id="2" creationId="{00000000-0000-0000-0000-000000000000}"/>
+            </ac:spMkLst>
+          </pc:spChg>
+          <pc:spChg chg="mod">
+            <ac:chgData name="Ian Wu Ling En" userId="28715549-2f5c-46f8-b7f8-f39c35f3312d" providerId="ADAL" clId="{2A5FF332-C6B8-004E-B13C-84EF513D8A84}" dt="2019-04-13T05:21:27.487" v="4"/>
+            <ac:spMkLst>
+              <pc:docMk/>
+              <pc:sldMasterMk cId="3257844210" sldId="2147483672"/>
+              <pc:sldLayoutMk cId="2844622240" sldId="2147483677"/>
+              <ac:spMk id="3" creationId="{00000000-0000-0000-0000-000000000000}"/>
+            </ac:spMkLst>
+          </pc:spChg>
+          <pc:spChg chg="mod">
+            <ac:chgData name="Ian Wu Ling En" userId="28715549-2f5c-46f8-b7f8-f39c35f3312d" providerId="ADAL" clId="{2A5FF332-C6B8-004E-B13C-84EF513D8A84}" dt="2019-04-13T05:21:27.487" v="4"/>
+            <ac:spMkLst>
+              <pc:docMk/>
+              <pc:sldMasterMk cId="3257844210" sldId="2147483672"/>
+              <pc:sldLayoutMk cId="2844622240" sldId="2147483677"/>
+              <ac:spMk id="4" creationId="{00000000-0000-0000-0000-000000000000}"/>
+            </ac:spMkLst>
+          </pc:spChg>
+          <pc:spChg chg="mod">
+            <ac:chgData name="Ian Wu Ling En" userId="28715549-2f5c-46f8-b7f8-f39c35f3312d" providerId="ADAL" clId="{2A5FF332-C6B8-004E-B13C-84EF513D8A84}" dt="2019-04-13T05:21:27.487" v="4"/>
+            <ac:spMkLst>
+              <pc:docMk/>
+              <pc:sldMasterMk cId="3257844210" sldId="2147483672"/>
+              <pc:sldLayoutMk cId="2844622240" sldId="2147483677"/>
+              <ac:spMk id="5" creationId="{00000000-0000-0000-0000-000000000000}"/>
+            </ac:spMkLst>
+          </pc:spChg>
+          <pc:spChg chg="mod">
+            <ac:chgData name="Ian Wu Ling En" userId="28715549-2f5c-46f8-b7f8-f39c35f3312d" providerId="ADAL" clId="{2A5FF332-C6B8-004E-B13C-84EF513D8A84}" dt="2019-04-13T05:21:27.487" v="4"/>
+            <ac:spMkLst>
+              <pc:docMk/>
+              <pc:sldMasterMk cId="3257844210" sldId="2147483672"/>
+              <pc:sldLayoutMk cId="2844622240" sldId="2147483677"/>
+              <ac:spMk id="6" creationId="{00000000-0000-0000-0000-000000000000}"/>
+            </ac:spMkLst>
+          </pc:spChg>
+        </pc:sldLayoutChg>
+        <pc:sldLayoutChg chg="modSp">
+          <pc:chgData name="Ian Wu Ling En" userId="28715549-2f5c-46f8-b7f8-f39c35f3312d" providerId="ADAL" clId="{2A5FF332-C6B8-004E-B13C-84EF513D8A84}" dt="2019-04-13T05:21:27.487" v="4"/>
+          <pc:sldLayoutMkLst>
+            <pc:docMk/>
+            <pc:sldMasterMk cId="3257844210" sldId="2147483672"/>
+            <pc:sldLayoutMk cId="1631755566" sldId="2147483680"/>
+          </pc:sldLayoutMkLst>
+          <pc:spChg chg="mod">
+            <ac:chgData name="Ian Wu Ling En" userId="28715549-2f5c-46f8-b7f8-f39c35f3312d" providerId="ADAL" clId="{2A5FF332-C6B8-004E-B13C-84EF513D8A84}" dt="2019-04-13T05:21:27.487" v="4"/>
+            <ac:spMkLst>
+              <pc:docMk/>
+              <pc:sldMasterMk cId="3257844210" sldId="2147483672"/>
+              <pc:sldLayoutMk cId="1631755566" sldId="2147483680"/>
+              <ac:spMk id="2" creationId="{00000000-0000-0000-0000-000000000000}"/>
+            </ac:spMkLst>
+          </pc:spChg>
+          <pc:spChg chg="mod">
+            <ac:chgData name="Ian Wu Ling En" userId="28715549-2f5c-46f8-b7f8-f39c35f3312d" providerId="ADAL" clId="{2A5FF332-C6B8-004E-B13C-84EF513D8A84}" dt="2019-04-13T05:21:27.487" v="4"/>
+            <ac:spMkLst>
+              <pc:docMk/>
+              <pc:sldMasterMk cId="3257844210" sldId="2147483672"/>
+              <pc:sldLayoutMk cId="1631755566" sldId="2147483680"/>
+              <ac:spMk id="3" creationId="{00000000-0000-0000-0000-000000000000}"/>
+            </ac:spMkLst>
+          </pc:spChg>
+          <pc:spChg chg="mod">
+            <ac:chgData name="Ian Wu Ling En" userId="28715549-2f5c-46f8-b7f8-f39c35f3312d" providerId="ADAL" clId="{2A5FF332-C6B8-004E-B13C-84EF513D8A84}" dt="2019-04-13T05:21:27.487" v="4"/>
+            <ac:spMkLst>
+              <pc:docMk/>
+              <pc:sldMasterMk cId="3257844210" sldId="2147483672"/>
+              <pc:sldLayoutMk cId="1631755566" sldId="2147483680"/>
+              <ac:spMk id="4" creationId="{00000000-0000-0000-0000-000000000000}"/>
+            </ac:spMkLst>
+          </pc:spChg>
+        </pc:sldLayoutChg>
+        <pc:sldLayoutChg chg="modSp">
+          <pc:chgData name="Ian Wu Ling En" userId="28715549-2f5c-46f8-b7f8-f39c35f3312d" providerId="ADAL" clId="{2A5FF332-C6B8-004E-B13C-84EF513D8A84}" dt="2019-04-13T05:21:27.487" v="4"/>
+          <pc:sldLayoutMkLst>
+            <pc:docMk/>
+            <pc:sldMasterMk cId="3257844210" sldId="2147483672"/>
+            <pc:sldLayoutMk cId="3996702492" sldId="2147483681"/>
+          </pc:sldLayoutMkLst>
+          <pc:spChg chg="mod">
+            <ac:chgData name="Ian Wu Ling En" userId="28715549-2f5c-46f8-b7f8-f39c35f3312d" providerId="ADAL" clId="{2A5FF332-C6B8-004E-B13C-84EF513D8A84}" dt="2019-04-13T05:21:27.487" v="4"/>
+            <ac:spMkLst>
+              <pc:docMk/>
+              <pc:sldMasterMk cId="3257844210" sldId="2147483672"/>
+              <pc:sldLayoutMk cId="3996702492" sldId="2147483681"/>
+              <ac:spMk id="2" creationId="{00000000-0000-0000-0000-000000000000}"/>
+            </ac:spMkLst>
+          </pc:spChg>
+          <pc:spChg chg="mod">
+            <ac:chgData name="Ian Wu Ling En" userId="28715549-2f5c-46f8-b7f8-f39c35f3312d" providerId="ADAL" clId="{2A5FF332-C6B8-004E-B13C-84EF513D8A84}" dt="2019-04-13T05:21:27.487" v="4"/>
+            <ac:spMkLst>
+              <pc:docMk/>
+              <pc:sldMasterMk cId="3257844210" sldId="2147483672"/>
+              <pc:sldLayoutMk cId="3996702492" sldId="2147483681"/>
+              <ac:spMk id="3" creationId="{00000000-0000-0000-0000-000000000000}"/>
+            </ac:spMkLst>
+          </pc:spChg>
+          <pc:spChg chg="mod">
+            <ac:chgData name="Ian Wu Ling En" userId="28715549-2f5c-46f8-b7f8-f39c35f3312d" providerId="ADAL" clId="{2A5FF332-C6B8-004E-B13C-84EF513D8A84}" dt="2019-04-13T05:21:27.487" v="4"/>
+            <ac:spMkLst>
+              <pc:docMk/>
+              <pc:sldMasterMk cId="3257844210" sldId="2147483672"/>
+              <pc:sldLayoutMk cId="3996702492" sldId="2147483681"/>
+              <ac:spMk id="4" creationId="{00000000-0000-0000-0000-000000000000}"/>
+            </ac:spMkLst>
+          </pc:spChg>
+        </pc:sldLayoutChg>
+        <pc:sldLayoutChg chg="modSp">
+          <pc:chgData name="Ian Wu Ling En" userId="28715549-2f5c-46f8-b7f8-f39c35f3312d" providerId="ADAL" clId="{2A5FF332-C6B8-004E-B13C-84EF513D8A84}" dt="2019-04-13T05:21:27.487" v="4"/>
+          <pc:sldLayoutMkLst>
+            <pc:docMk/>
+            <pc:sldMasterMk cId="3257844210" sldId="2147483672"/>
+            <pc:sldLayoutMk cId="1845928602" sldId="2147483683"/>
+          </pc:sldLayoutMkLst>
+          <pc:spChg chg="mod">
+            <ac:chgData name="Ian Wu Ling En" userId="28715549-2f5c-46f8-b7f8-f39c35f3312d" providerId="ADAL" clId="{2A5FF332-C6B8-004E-B13C-84EF513D8A84}" dt="2019-04-13T05:21:27.487" v="4"/>
+            <ac:spMkLst>
+              <pc:docMk/>
+              <pc:sldMasterMk cId="3257844210" sldId="2147483672"/>
+              <pc:sldLayoutMk cId="1845928602" sldId="2147483683"/>
+              <ac:spMk id="2" creationId="{00000000-0000-0000-0000-000000000000}"/>
+            </ac:spMkLst>
+          </pc:spChg>
+          <pc:spChg chg="mod">
+            <ac:chgData name="Ian Wu Ling En" userId="28715549-2f5c-46f8-b7f8-f39c35f3312d" providerId="ADAL" clId="{2A5FF332-C6B8-004E-B13C-84EF513D8A84}" dt="2019-04-13T05:21:27.487" v="4"/>
+            <ac:spMkLst>
+              <pc:docMk/>
+              <pc:sldMasterMk cId="3257844210" sldId="2147483672"/>
+              <pc:sldLayoutMk cId="1845928602" sldId="2147483683"/>
+              <ac:spMk id="3" creationId="{00000000-0000-0000-0000-000000000000}"/>
+            </ac:spMkLst>
+          </pc:spChg>
+        </pc:sldLayoutChg>
+      </pc:sldMasterChg>
+    </pc:docChg>
+  </pc:docChgLst>
   <pc:docChgLst>
     <pc:chgData name="Ian Wu Ling En" userId="28715549-2f5c-46f8-b7f8-f39c35f3312d" providerId="ADAL" clId="{2209AF46-C590-0E4A-B0E1-A646FCF9E057}"/>
     <pc:docChg chg="undo redo custSel modSld">
@@ -456,13 +1446,7 @@
       </p:grpSpPr>
       <p:sp>
         <p:nvSpPr>
-          <p:cNvPr id="2" name="Title 1">
-            <a:extLst>
-              <a:ext uri="{FF2B5EF4-FFF2-40B4-BE49-F238E27FC236}">
-                <a16:creationId xmlns:a16="http://schemas.microsoft.com/office/drawing/2014/main" id="{89841660-A924-4AFA-B4E7-6898038BCB1E}"/>
-              </a:ext>
-            </a:extLst>
-          </p:cNvPr>
+          <p:cNvPr id="2" name="Title 1"/>
           <p:cNvSpPr>
             <a:spLocks noGrp="1"/>
           </p:cNvSpPr>
@@ -472,35 +1456,28 @@
         </p:nvSpPr>
         <p:spPr>
           <a:xfrm>
-            <a:off x="1524000" y="1122363"/>
-            <a:ext cx="9144000" cy="2387600"/>
+            <a:off x="1124942" y="706933"/>
+            <a:ext cx="6749654" cy="1503857"/>
           </a:xfrm>
         </p:spPr>
         <p:txBody>
           <a:bodyPr anchor="b"/>
           <a:lstStyle>
             <a:lvl1pPr algn="ctr">
-              <a:defRPr sz="6000"/>
+              <a:defRPr sz="3779"/>
             </a:lvl1pPr>
           </a:lstStyle>
           <a:p>
             <a:r>
-              <a:rPr lang="en-US"/>
+              <a:rPr lang="en-US" dirty="0"/>
               <a:t>Click to edit Master title style</a:t>
             </a:r>
-            <a:endParaRPr lang="en-SG"/>
-          </a:p>
-        </p:txBody>
-      </p:sp>
-      <p:sp>
-        <p:nvSpPr>
-          <p:cNvPr id="3" name="Subtitle 2">
-            <a:extLst>
-              <a:ext uri="{FF2B5EF4-FFF2-40B4-BE49-F238E27FC236}">
-                <a16:creationId xmlns:a16="http://schemas.microsoft.com/office/drawing/2014/main" id="{C8FA8EED-9341-4A70-948E-13E176B002C7}"/>
-              </a:ext>
-            </a:extLst>
-          </p:cNvPr>
+          </a:p>
+        </p:txBody>
+      </p:sp>
+      <p:sp>
+        <p:nvSpPr>
+          <p:cNvPr id="3" name="Subtitle 2"/>
           <p:cNvSpPr>
             <a:spLocks noGrp="1"/>
           </p:cNvSpPr>
@@ -510,8 +1487,8 @@
         </p:nvSpPr>
         <p:spPr>
           <a:xfrm>
-            <a:off x="1524000" y="3602038"/>
-            <a:ext cx="9144000" cy="1655762"/>
+            <a:off x="1124942" y="2268784"/>
+            <a:ext cx="6749654" cy="1042900"/>
           </a:xfrm>
         </p:spPr>
         <p:txBody>
@@ -519,59 +1496,52 @@
           <a:lstStyle>
             <a:lvl1pPr marL="0" indent="0" algn="ctr">
               <a:buNone/>
-              <a:defRPr sz="2400"/>
+              <a:defRPr sz="1512"/>
             </a:lvl1pPr>
-            <a:lvl2pPr marL="457200" indent="0" algn="ctr">
-              <a:buNone/>
-              <a:defRPr sz="2000"/>
+            <a:lvl2pPr marL="287990" indent="0" algn="ctr">
+              <a:buNone/>
+              <a:defRPr sz="1260"/>
             </a:lvl2pPr>
-            <a:lvl3pPr marL="914400" indent="0" algn="ctr">
-              <a:buNone/>
-              <a:defRPr sz="1800"/>
+            <a:lvl3pPr marL="575981" indent="0" algn="ctr">
+              <a:buNone/>
+              <a:defRPr sz="1134"/>
             </a:lvl3pPr>
-            <a:lvl4pPr marL="1371600" indent="0" algn="ctr">
-              <a:buNone/>
-              <a:defRPr sz="1600"/>
+            <a:lvl4pPr marL="863971" indent="0" algn="ctr">
+              <a:buNone/>
+              <a:defRPr sz="1008"/>
             </a:lvl4pPr>
-            <a:lvl5pPr marL="1828800" indent="0" algn="ctr">
-              <a:buNone/>
-              <a:defRPr sz="1600"/>
+            <a:lvl5pPr marL="1151961" indent="0" algn="ctr">
+              <a:buNone/>
+              <a:defRPr sz="1008"/>
             </a:lvl5pPr>
-            <a:lvl6pPr marL="2286000" indent="0" algn="ctr">
-              <a:buNone/>
-              <a:defRPr sz="1600"/>
+            <a:lvl6pPr marL="1439951" indent="0" algn="ctr">
+              <a:buNone/>
+              <a:defRPr sz="1008"/>
             </a:lvl6pPr>
-            <a:lvl7pPr marL="2743200" indent="0" algn="ctr">
-              <a:buNone/>
-              <a:defRPr sz="1600"/>
+            <a:lvl7pPr marL="1727942" indent="0" algn="ctr">
+              <a:buNone/>
+              <a:defRPr sz="1008"/>
             </a:lvl7pPr>
-            <a:lvl8pPr marL="3200400" indent="0" algn="ctr">
-              <a:buNone/>
-              <a:defRPr sz="1600"/>
+            <a:lvl8pPr marL="2015932" indent="0" algn="ctr">
+              <a:buNone/>
+              <a:defRPr sz="1008"/>
             </a:lvl8pPr>
-            <a:lvl9pPr marL="3657600" indent="0" algn="ctr">
-              <a:buNone/>
-              <a:defRPr sz="1600"/>
+            <a:lvl9pPr marL="2303922" indent="0" algn="ctr">
+              <a:buNone/>
+              <a:defRPr sz="1008"/>
             </a:lvl9pPr>
           </a:lstStyle>
           <a:p>
             <a:r>
-              <a:rPr lang="en-US"/>
+              <a:rPr lang="en-US" dirty="0"/>
               <a:t>Click to edit Master subtitle style</a:t>
             </a:r>
-            <a:endParaRPr lang="en-SG"/>
-          </a:p>
-        </p:txBody>
-      </p:sp>
-      <p:sp>
-        <p:nvSpPr>
-          <p:cNvPr id="4" name="Date Placeholder 3">
-            <a:extLst>
-              <a:ext uri="{FF2B5EF4-FFF2-40B4-BE49-F238E27FC236}">
-                <a16:creationId xmlns:a16="http://schemas.microsoft.com/office/drawing/2014/main" id="{F596EA9D-0238-4B2C-B398-C7488452B83F}"/>
-              </a:ext>
-            </a:extLst>
-          </p:cNvPr>
+          </a:p>
+        </p:txBody>
+      </p:sp>
+      <p:sp>
+        <p:nvSpPr>
+          <p:cNvPr id="4" name="Date Placeholder 3"/>
           <p:cNvSpPr>
             <a:spLocks noGrp="1"/>
           </p:cNvSpPr>
@@ -586,7 +1556,7 @@
           <a:p>
             <a:fld id="{90726CF0-3532-493B-A942-F9FBE6D17D83}" type="datetimeFigureOut">
               <a:rPr lang="en-SG" smtClean="0"/>
-              <a:t>31/3/19</a:t>
+              <a:t>13/4/19</a:t>
             </a:fld>
             <a:endParaRPr lang="en-SG"/>
           </a:p>
@@ -594,13 +1564,7 @@
       </p:sp>
       <p:sp>
         <p:nvSpPr>
-          <p:cNvPr id="5" name="Footer Placeholder 4">
-            <a:extLst>
-              <a:ext uri="{FF2B5EF4-FFF2-40B4-BE49-F238E27FC236}">
-                <a16:creationId xmlns:a16="http://schemas.microsoft.com/office/drawing/2014/main" id="{CCBF8FC8-6D32-4892-B730-15EE950D1836}"/>
-              </a:ext>
-            </a:extLst>
-          </p:cNvPr>
+          <p:cNvPr id="5" name="Footer Placeholder 4"/>
           <p:cNvSpPr>
             <a:spLocks noGrp="1"/>
           </p:cNvSpPr>
@@ -619,13 +1583,7 @@
       </p:sp>
       <p:sp>
         <p:nvSpPr>
-          <p:cNvPr id="6" name="Slide Number Placeholder 5">
-            <a:extLst>
-              <a:ext uri="{FF2B5EF4-FFF2-40B4-BE49-F238E27FC236}">
-                <a16:creationId xmlns:a16="http://schemas.microsoft.com/office/drawing/2014/main" id="{CCAEB7E5-F509-4A81-A40E-DF80A7B66BED}"/>
-              </a:ext>
-            </a:extLst>
-          </p:cNvPr>
+          <p:cNvPr id="6" name="Slide Number Placeholder 5"/>
           <p:cNvSpPr>
             <a:spLocks noGrp="1"/>
           </p:cNvSpPr>
@@ -649,7 +1607,7 @@
     </p:spTree>
     <p:extLst>
       <p:ext uri="{BB962C8B-B14F-4D97-AF65-F5344CB8AC3E}">
-        <p14:creationId xmlns:p14="http://schemas.microsoft.com/office/powerpoint/2010/main" val="1897846355"/>
+        <p14:creationId xmlns:p14="http://schemas.microsoft.com/office/powerpoint/2010/main" val="2433441365"/>
       </p:ext>
     </p:extLst>
   </p:cSld>
@@ -678,13 +1636,7 @@
       </p:grpSpPr>
       <p:sp>
         <p:nvSpPr>
-          <p:cNvPr id="2" name="Title 1">
-            <a:extLst>
-              <a:ext uri="{FF2B5EF4-FFF2-40B4-BE49-F238E27FC236}">
-                <a16:creationId xmlns:a16="http://schemas.microsoft.com/office/drawing/2014/main" id="{241623F5-42F0-4A39-8D72-641947D8EB6B}"/>
-              </a:ext>
-            </a:extLst>
-          </p:cNvPr>
+          <p:cNvPr id="2" name="Title 1"/>
           <p:cNvSpPr>
             <a:spLocks noGrp="1"/>
           </p:cNvSpPr>
@@ -698,22 +1650,15 @@
           <a:lstStyle/>
           <a:p>
             <a:r>
-              <a:rPr lang="en-US"/>
+              <a:rPr lang="en-US" dirty="0"/>
               <a:t>Click to edit Master title style</a:t>
             </a:r>
-            <a:endParaRPr lang="en-SG"/>
-          </a:p>
-        </p:txBody>
-      </p:sp>
-      <p:sp>
-        <p:nvSpPr>
-          <p:cNvPr id="3" name="Vertical Text Placeholder 2">
-            <a:extLst>
-              <a:ext uri="{FF2B5EF4-FFF2-40B4-BE49-F238E27FC236}">
-                <a16:creationId xmlns:a16="http://schemas.microsoft.com/office/drawing/2014/main" id="{F23C0514-D276-4BDD-ADE1-05335151AED4}"/>
-              </a:ext>
-            </a:extLst>
-          </p:cNvPr>
+          </a:p>
+        </p:txBody>
+      </p:sp>
+      <p:sp>
+        <p:nvSpPr>
+          <p:cNvPr id="3" name="Vertical Text Placeholder 2"/>
           <p:cNvSpPr>
             <a:spLocks noGrp="1"/>
           </p:cNvSpPr>
@@ -728,50 +1673,43 @@
           <a:p>
             <a:pPr lvl="0"/>
             <a:r>
-              <a:rPr lang="en-US"/>
+              <a:rPr lang="en-US" dirty="0"/>
               <a:t>Click to edit Master text styles</a:t>
             </a:r>
           </a:p>
           <a:p>
             <a:pPr lvl="1"/>
             <a:r>
-              <a:rPr lang="en-US"/>
+              <a:rPr lang="en-US" dirty="0"/>
               <a:t>Second level</a:t>
             </a:r>
           </a:p>
           <a:p>
             <a:pPr lvl="2"/>
             <a:r>
-              <a:rPr lang="en-US"/>
+              <a:rPr lang="en-US" dirty="0"/>
               <a:t>Third level</a:t>
             </a:r>
           </a:p>
           <a:p>
             <a:pPr lvl="3"/>
             <a:r>
-              <a:rPr lang="en-US"/>
+              <a:rPr lang="en-US" dirty="0"/>
               <a:t>Fourth level</a:t>
             </a:r>
           </a:p>
           <a:p>
             <a:pPr lvl="4"/>
             <a:r>
-              <a:rPr lang="en-US"/>
+              <a:rPr lang="en-US" dirty="0"/>
               <a:t>Fifth level</a:t>
             </a:r>
-            <a:endParaRPr lang="en-SG"/>
-          </a:p>
-        </p:txBody>
-      </p:sp>
-      <p:sp>
-        <p:nvSpPr>
-          <p:cNvPr id="4" name="Date Placeholder 3">
-            <a:extLst>
-              <a:ext uri="{FF2B5EF4-FFF2-40B4-BE49-F238E27FC236}">
-                <a16:creationId xmlns:a16="http://schemas.microsoft.com/office/drawing/2014/main" id="{288DEE30-C94B-41E1-9CC2-D2A0552DED48}"/>
-              </a:ext>
-            </a:extLst>
-          </p:cNvPr>
+          </a:p>
+        </p:txBody>
+      </p:sp>
+      <p:sp>
+        <p:nvSpPr>
+          <p:cNvPr id="4" name="Date Placeholder 3"/>
           <p:cNvSpPr>
             <a:spLocks noGrp="1"/>
           </p:cNvSpPr>
@@ -786,7 +1724,7 @@
           <a:p>
             <a:fld id="{90726CF0-3532-493B-A942-F9FBE6D17D83}" type="datetimeFigureOut">
               <a:rPr lang="en-SG" smtClean="0"/>
-              <a:t>31/3/19</a:t>
+              <a:t>13/4/19</a:t>
             </a:fld>
             <a:endParaRPr lang="en-SG"/>
           </a:p>
@@ -794,13 +1732,7 @@
       </p:sp>
       <p:sp>
         <p:nvSpPr>
-          <p:cNvPr id="5" name="Footer Placeholder 4">
-            <a:extLst>
-              <a:ext uri="{FF2B5EF4-FFF2-40B4-BE49-F238E27FC236}">
-                <a16:creationId xmlns:a16="http://schemas.microsoft.com/office/drawing/2014/main" id="{B279B842-7312-459B-BD94-91D7E97B830E}"/>
-              </a:ext>
-            </a:extLst>
-          </p:cNvPr>
+          <p:cNvPr id="5" name="Footer Placeholder 4"/>
           <p:cNvSpPr>
             <a:spLocks noGrp="1"/>
           </p:cNvSpPr>
@@ -819,13 +1751,7 @@
       </p:sp>
       <p:sp>
         <p:nvSpPr>
-          <p:cNvPr id="6" name="Slide Number Placeholder 5">
-            <a:extLst>
-              <a:ext uri="{FF2B5EF4-FFF2-40B4-BE49-F238E27FC236}">
-                <a16:creationId xmlns:a16="http://schemas.microsoft.com/office/drawing/2014/main" id="{696C0A01-E19D-485D-844E-CA68CC337324}"/>
-              </a:ext>
-            </a:extLst>
-          </p:cNvPr>
+          <p:cNvPr id="6" name="Slide Number Placeholder 5"/>
           <p:cNvSpPr>
             <a:spLocks noGrp="1"/>
           </p:cNvSpPr>
@@ -849,7 +1775,7 @@
     </p:spTree>
     <p:extLst>
       <p:ext uri="{BB962C8B-B14F-4D97-AF65-F5344CB8AC3E}">
-        <p14:creationId xmlns:p14="http://schemas.microsoft.com/office/powerpoint/2010/main" val="1863476000"/>
+        <p14:creationId xmlns:p14="http://schemas.microsoft.com/office/powerpoint/2010/main" val="2494566508"/>
       </p:ext>
     </p:extLst>
   </p:cSld>
@@ -878,13 +1804,7 @@
       </p:grpSpPr>
       <p:sp>
         <p:nvSpPr>
-          <p:cNvPr id="2" name="Vertical Title 1">
-            <a:extLst>
-              <a:ext uri="{FF2B5EF4-FFF2-40B4-BE49-F238E27FC236}">
-                <a16:creationId xmlns:a16="http://schemas.microsoft.com/office/drawing/2014/main" id="{49D30D41-D727-4578-8AB6-3C178EC6473A}"/>
-              </a:ext>
-            </a:extLst>
-          </p:cNvPr>
+          <p:cNvPr id="2" name="Vertical Title 1"/>
           <p:cNvSpPr>
             <a:spLocks noGrp="1"/>
           </p:cNvSpPr>
@@ -894,8 +1814,8 @@
         </p:nvSpPr>
         <p:spPr>
           <a:xfrm>
-            <a:off x="8724900" y="365125"/>
-            <a:ext cx="2628900" cy="5811838"/>
+            <a:off x="6440295" y="229978"/>
+            <a:ext cx="1940525" cy="3660651"/>
           </a:xfrm>
         </p:spPr>
         <p:txBody>
@@ -903,22 +1823,15 @@
           <a:lstStyle/>
           <a:p>
             <a:r>
-              <a:rPr lang="en-US"/>
+              <a:rPr lang="en-US" dirty="0"/>
               <a:t>Click to edit Master title style</a:t>
             </a:r>
-            <a:endParaRPr lang="en-SG"/>
-          </a:p>
-        </p:txBody>
-      </p:sp>
-      <p:sp>
-        <p:nvSpPr>
-          <p:cNvPr id="3" name="Vertical Text Placeholder 2">
-            <a:extLst>
-              <a:ext uri="{FF2B5EF4-FFF2-40B4-BE49-F238E27FC236}">
-                <a16:creationId xmlns:a16="http://schemas.microsoft.com/office/drawing/2014/main" id="{5C6D2A3D-35D8-4234-A864-37B14B78150B}"/>
-              </a:ext>
-            </a:extLst>
-          </p:cNvPr>
+          </a:p>
+        </p:txBody>
+      </p:sp>
+      <p:sp>
+        <p:nvSpPr>
+          <p:cNvPr id="3" name="Vertical Text Placeholder 2"/>
           <p:cNvSpPr>
             <a:spLocks noGrp="1"/>
           </p:cNvSpPr>
@@ -928,8 +1841,8 @@
         </p:nvSpPr>
         <p:spPr>
           <a:xfrm>
-            <a:off x="838200" y="365125"/>
-            <a:ext cx="7734300" cy="5811838"/>
+            <a:off x="618718" y="229978"/>
+            <a:ext cx="5709082" cy="3660651"/>
           </a:xfrm>
         </p:spPr>
         <p:txBody>
@@ -938,50 +1851,43 @@
           <a:p>
             <a:pPr lvl="0"/>
             <a:r>
-              <a:rPr lang="en-US"/>
+              <a:rPr lang="en-US" dirty="0"/>
               <a:t>Click to edit Master text styles</a:t>
             </a:r>
           </a:p>
           <a:p>
             <a:pPr lvl="1"/>
             <a:r>
-              <a:rPr lang="en-US"/>
+              <a:rPr lang="en-US" dirty="0"/>
               <a:t>Second level</a:t>
             </a:r>
           </a:p>
           <a:p>
             <a:pPr lvl="2"/>
             <a:r>
-              <a:rPr lang="en-US"/>
+              <a:rPr lang="en-US" dirty="0"/>
               <a:t>Third level</a:t>
             </a:r>
           </a:p>
           <a:p>
             <a:pPr lvl="3"/>
             <a:r>
-              <a:rPr lang="en-US"/>
+              <a:rPr lang="en-US" dirty="0"/>
               <a:t>Fourth level</a:t>
             </a:r>
           </a:p>
           <a:p>
             <a:pPr lvl="4"/>
             <a:r>
-              <a:rPr lang="en-US"/>
+              <a:rPr lang="en-US" dirty="0"/>
               <a:t>Fifth level</a:t>
             </a:r>
-            <a:endParaRPr lang="en-SG"/>
-          </a:p>
-        </p:txBody>
-      </p:sp>
-      <p:sp>
-        <p:nvSpPr>
-          <p:cNvPr id="4" name="Date Placeholder 3">
-            <a:extLst>
-              <a:ext uri="{FF2B5EF4-FFF2-40B4-BE49-F238E27FC236}">
-                <a16:creationId xmlns:a16="http://schemas.microsoft.com/office/drawing/2014/main" id="{868251B0-6917-4D89-B361-4A135ABD843D}"/>
-              </a:ext>
-            </a:extLst>
-          </p:cNvPr>
+          </a:p>
+        </p:txBody>
+      </p:sp>
+      <p:sp>
+        <p:nvSpPr>
+          <p:cNvPr id="4" name="Date Placeholder 3"/>
           <p:cNvSpPr>
             <a:spLocks noGrp="1"/>
           </p:cNvSpPr>
@@ -996,7 +1902,7 @@
           <a:p>
             <a:fld id="{90726CF0-3532-493B-A942-F9FBE6D17D83}" type="datetimeFigureOut">
               <a:rPr lang="en-SG" smtClean="0"/>
-              <a:t>31/3/19</a:t>
+              <a:t>13/4/19</a:t>
             </a:fld>
             <a:endParaRPr lang="en-SG"/>
           </a:p>
@@ -1004,13 +1910,7 @@
       </p:sp>
       <p:sp>
         <p:nvSpPr>
-          <p:cNvPr id="5" name="Footer Placeholder 4">
-            <a:extLst>
-              <a:ext uri="{FF2B5EF4-FFF2-40B4-BE49-F238E27FC236}">
-                <a16:creationId xmlns:a16="http://schemas.microsoft.com/office/drawing/2014/main" id="{67811EFC-0E5A-4838-BD81-D5E07EB42EF1}"/>
-              </a:ext>
-            </a:extLst>
-          </p:cNvPr>
+          <p:cNvPr id="5" name="Footer Placeholder 4"/>
           <p:cNvSpPr>
             <a:spLocks noGrp="1"/>
           </p:cNvSpPr>
@@ -1029,13 +1929,7 @@
       </p:sp>
       <p:sp>
         <p:nvSpPr>
-          <p:cNvPr id="6" name="Slide Number Placeholder 5">
-            <a:extLst>
-              <a:ext uri="{FF2B5EF4-FFF2-40B4-BE49-F238E27FC236}">
-                <a16:creationId xmlns:a16="http://schemas.microsoft.com/office/drawing/2014/main" id="{78649FCF-76F1-4C92-9E0C-62695F20B25A}"/>
-              </a:ext>
-            </a:extLst>
-          </p:cNvPr>
+          <p:cNvPr id="6" name="Slide Number Placeholder 5"/>
           <p:cNvSpPr>
             <a:spLocks noGrp="1"/>
           </p:cNvSpPr>
@@ -1059,7 +1953,7 @@
     </p:spTree>
     <p:extLst>
       <p:ext uri="{BB962C8B-B14F-4D97-AF65-F5344CB8AC3E}">
-        <p14:creationId xmlns:p14="http://schemas.microsoft.com/office/powerpoint/2010/main" val="2787276552"/>
+        <p14:creationId xmlns:p14="http://schemas.microsoft.com/office/powerpoint/2010/main" val="4130147512"/>
       </p:ext>
     </p:extLst>
   </p:cSld>
@@ -1088,13 +1982,7 @@
       </p:grpSpPr>
       <p:sp>
         <p:nvSpPr>
-          <p:cNvPr id="2" name="Title 1">
-            <a:extLst>
-              <a:ext uri="{FF2B5EF4-FFF2-40B4-BE49-F238E27FC236}">
-                <a16:creationId xmlns:a16="http://schemas.microsoft.com/office/drawing/2014/main" id="{8829B73A-80E7-4864-A607-20A8855E433B}"/>
-              </a:ext>
-            </a:extLst>
-          </p:cNvPr>
+          <p:cNvPr id="2" name="Title 1"/>
           <p:cNvSpPr>
             <a:spLocks noGrp="1"/>
           </p:cNvSpPr>
@@ -1108,22 +1996,15 @@
           <a:lstStyle/>
           <a:p>
             <a:r>
-              <a:rPr lang="en-US"/>
+              <a:rPr lang="en-US" dirty="0"/>
               <a:t>Click to edit Master title style</a:t>
             </a:r>
-            <a:endParaRPr lang="en-SG"/>
-          </a:p>
-        </p:txBody>
-      </p:sp>
-      <p:sp>
-        <p:nvSpPr>
-          <p:cNvPr id="3" name="Content Placeholder 2">
-            <a:extLst>
-              <a:ext uri="{FF2B5EF4-FFF2-40B4-BE49-F238E27FC236}">
-                <a16:creationId xmlns:a16="http://schemas.microsoft.com/office/drawing/2014/main" id="{296DD200-29FF-46B1-9C81-7A88A1385D3B}"/>
-              </a:ext>
-            </a:extLst>
-          </p:cNvPr>
+          </a:p>
+        </p:txBody>
+      </p:sp>
+      <p:sp>
+        <p:nvSpPr>
+          <p:cNvPr id="3" name="Content Placeholder 2"/>
           <p:cNvSpPr>
             <a:spLocks noGrp="1"/>
           </p:cNvSpPr>
@@ -1138,50 +2019,43 @@
           <a:p>
             <a:pPr lvl="0"/>
             <a:r>
-              <a:rPr lang="en-US"/>
+              <a:rPr lang="en-US" dirty="0"/>
               <a:t>Click to edit Master text styles</a:t>
             </a:r>
           </a:p>
           <a:p>
             <a:pPr lvl="1"/>
             <a:r>
-              <a:rPr lang="en-US"/>
+              <a:rPr lang="en-US" dirty="0"/>
               <a:t>Second level</a:t>
             </a:r>
           </a:p>
           <a:p>
             <a:pPr lvl="2"/>
             <a:r>
-              <a:rPr lang="en-US"/>
+              <a:rPr lang="en-US" dirty="0"/>
               <a:t>Third level</a:t>
             </a:r>
           </a:p>
           <a:p>
             <a:pPr lvl="3"/>
             <a:r>
-              <a:rPr lang="en-US"/>
+              <a:rPr lang="en-US" dirty="0"/>
               <a:t>Fourth level</a:t>
             </a:r>
           </a:p>
           <a:p>
             <a:pPr lvl="4"/>
             <a:r>
-              <a:rPr lang="en-US"/>
+              <a:rPr lang="en-US" dirty="0"/>
               <a:t>Fifth level</a:t>
             </a:r>
-            <a:endParaRPr lang="en-SG"/>
-          </a:p>
-        </p:txBody>
-      </p:sp>
-      <p:sp>
-        <p:nvSpPr>
-          <p:cNvPr id="4" name="Date Placeholder 3">
-            <a:extLst>
-              <a:ext uri="{FF2B5EF4-FFF2-40B4-BE49-F238E27FC236}">
-                <a16:creationId xmlns:a16="http://schemas.microsoft.com/office/drawing/2014/main" id="{7CE76A32-5606-48FE-AFE6-7D93D929A521}"/>
-              </a:ext>
-            </a:extLst>
-          </p:cNvPr>
+          </a:p>
+        </p:txBody>
+      </p:sp>
+      <p:sp>
+        <p:nvSpPr>
+          <p:cNvPr id="4" name="Date Placeholder 3"/>
           <p:cNvSpPr>
             <a:spLocks noGrp="1"/>
           </p:cNvSpPr>
@@ -1196,7 +2070,7 @@
           <a:p>
             <a:fld id="{90726CF0-3532-493B-A942-F9FBE6D17D83}" type="datetimeFigureOut">
               <a:rPr lang="en-SG" smtClean="0"/>
-              <a:t>31/3/19</a:t>
+              <a:t>13/4/19</a:t>
             </a:fld>
             <a:endParaRPr lang="en-SG"/>
           </a:p>
@@ -1204,13 +2078,7 @@
       </p:sp>
       <p:sp>
         <p:nvSpPr>
-          <p:cNvPr id="5" name="Footer Placeholder 4">
-            <a:extLst>
-              <a:ext uri="{FF2B5EF4-FFF2-40B4-BE49-F238E27FC236}">
-                <a16:creationId xmlns:a16="http://schemas.microsoft.com/office/drawing/2014/main" id="{5EF12F85-EC03-4ACB-89D8-5BCCCB3B922D}"/>
-              </a:ext>
-            </a:extLst>
-          </p:cNvPr>
+          <p:cNvPr id="5" name="Footer Placeholder 4"/>
           <p:cNvSpPr>
             <a:spLocks noGrp="1"/>
           </p:cNvSpPr>
@@ -1229,13 +2097,7 @@
       </p:sp>
       <p:sp>
         <p:nvSpPr>
-          <p:cNvPr id="6" name="Slide Number Placeholder 5">
-            <a:extLst>
-              <a:ext uri="{FF2B5EF4-FFF2-40B4-BE49-F238E27FC236}">
-                <a16:creationId xmlns:a16="http://schemas.microsoft.com/office/drawing/2014/main" id="{7EFA52B7-143B-4600-84F7-C67E71FE94AA}"/>
-              </a:ext>
-            </a:extLst>
-          </p:cNvPr>
+          <p:cNvPr id="6" name="Slide Number Placeholder 5"/>
           <p:cNvSpPr>
             <a:spLocks noGrp="1"/>
           </p:cNvSpPr>
@@ -1259,7 +2121,7 @@
     </p:spTree>
     <p:extLst>
       <p:ext uri="{BB962C8B-B14F-4D97-AF65-F5344CB8AC3E}">
-        <p14:creationId xmlns:p14="http://schemas.microsoft.com/office/powerpoint/2010/main" val="533176044"/>
+        <p14:creationId xmlns:p14="http://schemas.microsoft.com/office/powerpoint/2010/main" val="929347084"/>
       </p:ext>
     </p:extLst>
   </p:cSld>
@@ -1288,13 +2150,7 @@
       </p:grpSpPr>
       <p:sp>
         <p:nvSpPr>
-          <p:cNvPr id="2" name="Title 1">
-            <a:extLst>
-              <a:ext uri="{FF2B5EF4-FFF2-40B4-BE49-F238E27FC236}">
-                <a16:creationId xmlns:a16="http://schemas.microsoft.com/office/drawing/2014/main" id="{FE341931-03DC-4CF3-958B-BFB07A9903A6}"/>
-              </a:ext>
-            </a:extLst>
-          </p:cNvPr>
+          <p:cNvPr id="2" name="Title 1"/>
           <p:cNvSpPr>
             <a:spLocks noGrp="1"/>
           </p:cNvSpPr>
@@ -1304,35 +2160,28 @@
         </p:nvSpPr>
         <p:spPr>
           <a:xfrm>
-            <a:off x="831850" y="1709738"/>
-            <a:ext cx="10515600" cy="2852737"/>
+            <a:off x="614031" y="1076898"/>
+            <a:ext cx="7762102" cy="1796828"/>
           </a:xfrm>
         </p:spPr>
         <p:txBody>
           <a:bodyPr anchor="b"/>
           <a:lstStyle>
             <a:lvl1pPr>
-              <a:defRPr sz="6000"/>
+              <a:defRPr sz="3779"/>
             </a:lvl1pPr>
           </a:lstStyle>
           <a:p>
             <a:r>
-              <a:rPr lang="en-US"/>
+              <a:rPr lang="en-US" dirty="0"/>
               <a:t>Click to edit Master title style</a:t>
             </a:r>
-            <a:endParaRPr lang="en-SG"/>
-          </a:p>
-        </p:txBody>
-      </p:sp>
-      <p:sp>
-        <p:nvSpPr>
-          <p:cNvPr id="3" name="Text Placeholder 2">
-            <a:extLst>
-              <a:ext uri="{FF2B5EF4-FFF2-40B4-BE49-F238E27FC236}">
-                <a16:creationId xmlns:a16="http://schemas.microsoft.com/office/drawing/2014/main" id="{BC90A629-D400-425C-BC1C-3CF234AA1050}"/>
-              </a:ext>
-            </a:extLst>
-          </p:cNvPr>
+          </a:p>
+        </p:txBody>
+      </p:sp>
+      <p:sp>
+        <p:nvSpPr>
+          <p:cNvPr id="3" name="Text Placeholder 2"/>
           <p:cNvSpPr>
             <a:spLocks noGrp="1"/>
           </p:cNvSpPr>
@@ -1342,8 +2191,8 @@
         </p:nvSpPr>
         <p:spPr>
           <a:xfrm>
-            <a:off x="831850" y="4589463"/>
-            <a:ext cx="10515600" cy="1500187"/>
+            <a:off x="614031" y="2890725"/>
+            <a:ext cx="7762102" cy="944910"/>
           </a:xfrm>
         </p:spPr>
         <p:txBody>
@@ -1351,7 +2200,7 @@
           <a:lstStyle>
             <a:lvl1pPr marL="0" indent="0">
               <a:buNone/>
-              <a:defRPr sz="2400">
+              <a:defRPr sz="1512">
                 <a:solidFill>
                   <a:schemeClr val="tx1">
                     <a:tint val="75000"/>
@@ -1359,9 +2208,9 @@
                 </a:solidFill>
               </a:defRPr>
             </a:lvl1pPr>
-            <a:lvl2pPr marL="457200" indent="0">
-              <a:buNone/>
-              <a:defRPr sz="2000">
+            <a:lvl2pPr marL="287990" indent="0">
+              <a:buNone/>
+              <a:defRPr sz="1260">
                 <a:solidFill>
                   <a:schemeClr val="tx1">
                     <a:tint val="75000"/>
@@ -1369,9 +2218,9 @@
                 </a:solidFill>
               </a:defRPr>
             </a:lvl2pPr>
-            <a:lvl3pPr marL="914400" indent="0">
-              <a:buNone/>
-              <a:defRPr sz="1800">
+            <a:lvl3pPr marL="575981" indent="0">
+              <a:buNone/>
+              <a:defRPr sz="1134">
                 <a:solidFill>
                   <a:schemeClr val="tx1">
                     <a:tint val="75000"/>
@@ -1379,9 +2228,9 @@
                 </a:solidFill>
               </a:defRPr>
             </a:lvl3pPr>
-            <a:lvl4pPr marL="1371600" indent="0">
-              <a:buNone/>
-              <a:defRPr sz="1600">
+            <a:lvl4pPr marL="863971" indent="0">
+              <a:buNone/>
+              <a:defRPr sz="1008">
                 <a:solidFill>
                   <a:schemeClr val="tx1">
                     <a:tint val="75000"/>
@@ -1389,9 +2238,9 @@
                 </a:solidFill>
               </a:defRPr>
             </a:lvl4pPr>
-            <a:lvl5pPr marL="1828800" indent="0">
-              <a:buNone/>
-              <a:defRPr sz="1600">
+            <a:lvl5pPr marL="1151961" indent="0">
+              <a:buNone/>
+              <a:defRPr sz="1008">
                 <a:solidFill>
                   <a:schemeClr val="tx1">
                     <a:tint val="75000"/>
@@ -1399,9 +2248,9 @@
                 </a:solidFill>
               </a:defRPr>
             </a:lvl5pPr>
-            <a:lvl6pPr marL="2286000" indent="0">
-              <a:buNone/>
-              <a:defRPr sz="1600">
+            <a:lvl6pPr marL="1439951" indent="0">
+              <a:buNone/>
+              <a:defRPr sz="1008">
                 <a:solidFill>
                   <a:schemeClr val="tx1">
                     <a:tint val="75000"/>
@@ -1409,9 +2258,9 @@
                 </a:solidFill>
               </a:defRPr>
             </a:lvl6pPr>
-            <a:lvl7pPr marL="2743200" indent="0">
-              <a:buNone/>
-              <a:defRPr sz="1600">
+            <a:lvl7pPr marL="1727942" indent="0">
+              <a:buNone/>
+              <a:defRPr sz="1008">
                 <a:solidFill>
                   <a:schemeClr val="tx1">
                     <a:tint val="75000"/>
@@ -1419,9 +2268,9 @@
                 </a:solidFill>
               </a:defRPr>
             </a:lvl7pPr>
-            <a:lvl8pPr marL="3200400" indent="0">
-              <a:buNone/>
-              <a:defRPr sz="1600">
+            <a:lvl8pPr marL="2015932" indent="0">
+              <a:buNone/>
+              <a:defRPr sz="1008">
                 <a:solidFill>
                   <a:schemeClr val="tx1">
                     <a:tint val="75000"/>
@@ -1429,9 +2278,9 @@
                 </a:solidFill>
               </a:defRPr>
             </a:lvl8pPr>
-            <a:lvl9pPr marL="3657600" indent="0">
-              <a:buNone/>
-              <a:defRPr sz="1600">
+            <a:lvl9pPr marL="2303922" indent="0">
+              <a:buNone/>
+              <a:defRPr sz="1008">
                 <a:solidFill>
                   <a:schemeClr val="tx1">
                     <a:tint val="75000"/>
@@ -1443,7 +2292,7 @@
           <a:p>
             <a:pPr lvl="0"/>
             <a:r>
-              <a:rPr lang="en-US"/>
+              <a:rPr lang="en-US" dirty="0"/>
               <a:t>Click to edit Master text styles</a:t>
             </a:r>
           </a:p>
@@ -1451,13 +2300,7 @@
       </p:sp>
       <p:sp>
         <p:nvSpPr>
-          <p:cNvPr id="4" name="Date Placeholder 3">
-            <a:extLst>
-              <a:ext uri="{FF2B5EF4-FFF2-40B4-BE49-F238E27FC236}">
-                <a16:creationId xmlns:a16="http://schemas.microsoft.com/office/drawing/2014/main" id="{BD83745A-45F8-4CCA-BD78-43A631B4F36A}"/>
-              </a:ext>
-            </a:extLst>
-          </p:cNvPr>
+          <p:cNvPr id="4" name="Date Placeholder 3"/>
           <p:cNvSpPr>
             <a:spLocks noGrp="1"/>
           </p:cNvSpPr>
@@ -1472,7 +2315,7 @@
           <a:p>
             <a:fld id="{90726CF0-3532-493B-A942-F9FBE6D17D83}" type="datetimeFigureOut">
               <a:rPr lang="en-SG" smtClean="0"/>
-              <a:t>31/3/19</a:t>
+              <a:t>13/4/19</a:t>
             </a:fld>
             <a:endParaRPr lang="en-SG"/>
           </a:p>
@@ -1480,13 +2323,7 @@
       </p:sp>
       <p:sp>
         <p:nvSpPr>
-          <p:cNvPr id="5" name="Footer Placeholder 4">
-            <a:extLst>
-              <a:ext uri="{FF2B5EF4-FFF2-40B4-BE49-F238E27FC236}">
-                <a16:creationId xmlns:a16="http://schemas.microsoft.com/office/drawing/2014/main" id="{EDE6059F-B901-4A53-951C-584408921781}"/>
-              </a:ext>
-            </a:extLst>
-          </p:cNvPr>
+          <p:cNvPr id="5" name="Footer Placeholder 4"/>
           <p:cNvSpPr>
             <a:spLocks noGrp="1"/>
           </p:cNvSpPr>
@@ -1505,13 +2342,7 @@
       </p:sp>
       <p:sp>
         <p:nvSpPr>
-          <p:cNvPr id="6" name="Slide Number Placeholder 5">
-            <a:extLst>
-              <a:ext uri="{FF2B5EF4-FFF2-40B4-BE49-F238E27FC236}">
-                <a16:creationId xmlns:a16="http://schemas.microsoft.com/office/drawing/2014/main" id="{A7C2442A-236B-49B5-8A64-D511E2B97890}"/>
-              </a:ext>
-            </a:extLst>
-          </p:cNvPr>
+          <p:cNvPr id="6" name="Slide Number Placeholder 5"/>
           <p:cNvSpPr>
             <a:spLocks noGrp="1"/>
           </p:cNvSpPr>
@@ -1535,7 +2366,7 @@
     </p:spTree>
     <p:extLst>
       <p:ext uri="{BB962C8B-B14F-4D97-AF65-F5344CB8AC3E}">
-        <p14:creationId xmlns:p14="http://schemas.microsoft.com/office/powerpoint/2010/main" val="2870850088"/>
+        <p14:creationId xmlns:p14="http://schemas.microsoft.com/office/powerpoint/2010/main" val="3607256316"/>
       </p:ext>
     </p:extLst>
   </p:cSld>
@@ -1564,13 +2395,7 @@
       </p:grpSpPr>
       <p:sp>
         <p:nvSpPr>
-          <p:cNvPr id="2" name="Title 1">
-            <a:extLst>
-              <a:ext uri="{FF2B5EF4-FFF2-40B4-BE49-F238E27FC236}">
-                <a16:creationId xmlns:a16="http://schemas.microsoft.com/office/drawing/2014/main" id="{E4BE2D7D-EB63-407E-9579-48D0A32F49F9}"/>
-              </a:ext>
-            </a:extLst>
-          </p:cNvPr>
+          <p:cNvPr id="2" name="Title 1"/>
           <p:cNvSpPr>
             <a:spLocks noGrp="1"/>
           </p:cNvSpPr>
@@ -1584,22 +2409,15 @@
           <a:lstStyle/>
           <a:p>
             <a:r>
-              <a:rPr lang="en-US"/>
+              <a:rPr lang="en-US" dirty="0"/>
               <a:t>Click to edit Master title style</a:t>
             </a:r>
-            <a:endParaRPr lang="en-SG"/>
-          </a:p>
-        </p:txBody>
-      </p:sp>
-      <p:sp>
-        <p:nvSpPr>
-          <p:cNvPr id="3" name="Content Placeholder 2">
-            <a:extLst>
-              <a:ext uri="{FF2B5EF4-FFF2-40B4-BE49-F238E27FC236}">
-                <a16:creationId xmlns:a16="http://schemas.microsoft.com/office/drawing/2014/main" id="{94F4CE53-568F-4544-A155-A754EB8AFC4B}"/>
-              </a:ext>
-            </a:extLst>
-          </p:cNvPr>
+          </a:p>
+        </p:txBody>
+      </p:sp>
+      <p:sp>
+        <p:nvSpPr>
+          <p:cNvPr id="3" name="Content Placeholder 2"/>
           <p:cNvSpPr>
             <a:spLocks noGrp="1"/>
           </p:cNvSpPr>
@@ -1609,8 +2427,8 @@
         </p:nvSpPr>
         <p:spPr>
           <a:xfrm>
-            <a:off x="838200" y="1825625"/>
-            <a:ext cx="5181600" cy="4351338"/>
+            <a:off x="618718" y="1149890"/>
+            <a:ext cx="3824804" cy="2740739"/>
           </a:xfrm>
         </p:spPr>
         <p:txBody>
@@ -1619,50 +2437,43 @@
           <a:p>
             <a:pPr lvl="0"/>
             <a:r>
-              <a:rPr lang="en-US"/>
+              <a:rPr lang="en-US" dirty="0"/>
               <a:t>Click to edit Master text styles</a:t>
             </a:r>
           </a:p>
           <a:p>
             <a:pPr lvl="1"/>
             <a:r>
-              <a:rPr lang="en-US"/>
+              <a:rPr lang="en-US" dirty="0"/>
               <a:t>Second level</a:t>
             </a:r>
           </a:p>
           <a:p>
             <a:pPr lvl="2"/>
             <a:r>
-              <a:rPr lang="en-US"/>
+              <a:rPr lang="en-US" dirty="0"/>
               <a:t>Third level</a:t>
             </a:r>
           </a:p>
           <a:p>
             <a:pPr lvl="3"/>
             <a:r>
-              <a:rPr lang="en-US"/>
+              <a:rPr lang="en-US" dirty="0"/>
               <a:t>Fourth level</a:t>
             </a:r>
           </a:p>
           <a:p>
             <a:pPr lvl="4"/>
             <a:r>
-              <a:rPr lang="en-US"/>
+              <a:rPr lang="en-US" dirty="0"/>
               <a:t>Fifth level</a:t>
             </a:r>
-            <a:endParaRPr lang="en-SG"/>
-          </a:p>
-        </p:txBody>
-      </p:sp>
-      <p:sp>
-        <p:nvSpPr>
-          <p:cNvPr id="4" name="Content Placeholder 3">
-            <a:extLst>
-              <a:ext uri="{FF2B5EF4-FFF2-40B4-BE49-F238E27FC236}">
-                <a16:creationId xmlns:a16="http://schemas.microsoft.com/office/drawing/2014/main" id="{7B41C1BC-5018-4A77-8051-DF98000EB666}"/>
-              </a:ext>
-            </a:extLst>
-          </p:cNvPr>
+          </a:p>
+        </p:txBody>
+      </p:sp>
+      <p:sp>
+        <p:nvSpPr>
+          <p:cNvPr id="4" name="Content Placeholder 3"/>
           <p:cNvSpPr>
             <a:spLocks noGrp="1"/>
           </p:cNvSpPr>
@@ -1672,8 +2483,8 @@
         </p:nvSpPr>
         <p:spPr>
           <a:xfrm>
-            <a:off x="6172200" y="1825625"/>
-            <a:ext cx="5181600" cy="4351338"/>
+            <a:off x="4556016" y="1149890"/>
+            <a:ext cx="3824804" cy="2740739"/>
           </a:xfrm>
         </p:spPr>
         <p:txBody>
@@ -1682,50 +2493,43 @@
           <a:p>
             <a:pPr lvl="0"/>
             <a:r>
-              <a:rPr lang="en-US"/>
+              <a:rPr lang="en-US" dirty="0"/>
               <a:t>Click to edit Master text styles</a:t>
             </a:r>
           </a:p>
           <a:p>
             <a:pPr lvl="1"/>
             <a:r>
-              <a:rPr lang="en-US"/>
+              <a:rPr lang="en-US" dirty="0"/>
               <a:t>Second level</a:t>
             </a:r>
           </a:p>
           <a:p>
             <a:pPr lvl="2"/>
             <a:r>
-              <a:rPr lang="en-US"/>
+              <a:rPr lang="en-US" dirty="0"/>
               <a:t>Third level</a:t>
             </a:r>
           </a:p>
           <a:p>
             <a:pPr lvl="3"/>
             <a:r>
-              <a:rPr lang="en-US"/>
+              <a:rPr lang="en-US" dirty="0"/>
               <a:t>Fourth level</a:t>
             </a:r>
           </a:p>
           <a:p>
             <a:pPr lvl="4"/>
             <a:r>
-              <a:rPr lang="en-US"/>
+              <a:rPr lang="en-US" dirty="0"/>
               <a:t>Fifth level</a:t>
             </a:r>
-            <a:endParaRPr lang="en-SG"/>
-          </a:p>
-        </p:txBody>
-      </p:sp>
-      <p:sp>
-        <p:nvSpPr>
-          <p:cNvPr id="5" name="Date Placeholder 4">
-            <a:extLst>
-              <a:ext uri="{FF2B5EF4-FFF2-40B4-BE49-F238E27FC236}">
-                <a16:creationId xmlns:a16="http://schemas.microsoft.com/office/drawing/2014/main" id="{0933ABB5-348E-4397-8074-CEFD486D7F00}"/>
-              </a:ext>
-            </a:extLst>
-          </p:cNvPr>
+          </a:p>
+        </p:txBody>
+      </p:sp>
+      <p:sp>
+        <p:nvSpPr>
+          <p:cNvPr id="5" name="Date Placeholder 4"/>
           <p:cNvSpPr>
             <a:spLocks noGrp="1"/>
           </p:cNvSpPr>
@@ -1740,7 +2544,7 @@
           <a:p>
             <a:fld id="{90726CF0-3532-493B-A942-F9FBE6D17D83}" type="datetimeFigureOut">
               <a:rPr lang="en-SG" smtClean="0"/>
-              <a:t>31/3/19</a:t>
+              <a:t>13/4/19</a:t>
             </a:fld>
             <a:endParaRPr lang="en-SG"/>
           </a:p>
@@ -1748,13 +2552,7 @@
       </p:sp>
       <p:sp>
         <p:nvSpPr>
-          <p:cNvPr id="6" name="Footer Placeholder 5">
-            <a:extLst>
-              <a:ext uri="{FF2B5EF4-FFF2-40B4-BE49-F238E27FC236}">
-                <a16:creationId xmlns:a16="http://schemas.microsoft.com/office/drawing/2014/main" id="{276074B2-AA43-4CFD-B228-C8759CDA6FF4}"/>
-              </a:ext>
-            </a:extLst>
-          </p:cNvPr>
+          <p:cNvPr id="6" name="Footer Placeholder 5"/>
           <p:cNvSpPr>
             <a:spLocks noGrp="1"/>
           </p:cNvSpPr>
@@ -1773,13 +2571,7 @@
       </p:sp>
       <p:sp>
         <p:nvSpPr>
-          <p:cNvPr id="7" name="Slide Number Placeholder 6">
-            <a:extLst>
-              <a:ext uri="{FF2B5EF4-FFF2-40B4-BE49-F238E27FC236}">
-                <a16:creationId xmlns:a16="http://schemas.microsoft.com/office/drawing/2014/main" id="{D519EB8B-DE49-41C5-988B-6EBCC00F370B}"/>
-              </a:ext>
-            </a:extLst>
-          </p:cNvPr>
+          <p:cNvPr id="7" name="Slide Number Placeholder 6"/>
           <p:cNvSpPr>
             <a:spLocks noGrp="1"/>
           </p:cNvSpPr>
@@ -1803,7 +2595,7 @@
     </p:spTree>
     <p:extLst>
       <p:ext uri="{BB962C8B-B14F-4D97-AF65-F5344CB8AC3E}">
-        <p14:creationId xmlns:p14="http://schemas.microsoft.com/office/powerpoint/2010/main" val="3700733781"/>
+        <p14:creationId xmlns:p14="http://schemas.microsoft.com/office/powerpoint/2010/main" val="1967007385"/>
       </p:ext>
     </p:extLst>
   </p:cSld>
@@ -1832,13 +2624,7 @@
       </p:grpSpPr>
       <p:sp>
         <p:nvSpPr>
-          <p:cNvPr id="2" name="Title 1">
-            <a:extLst>
-              <a:ext uri="{FF2B5EF4-FFF2-40B4-BE49-F238E27FC236}">
-                <a16:creationId xmlns:a16="http://schemas.microsoft.com/office/drawing/2014/main" id="{20539FB8-6CF3-4D88-9FAC-ABB97875375A}"/>
-              </a:ext>
-            </a:extLst>
-          </p:cNvPr>
+          <p:cNvPr id="2" name="Title 1"/>
           <p:cNvSpPr>
             <a:spLocks noGrp="1"/>
           </p:cNvSpPr>
@@ -1848,8 +2634,8 @@
         </p:nvSpPr>
         <p:spPr>
           <a:xfrm>
-            <a:off x="839788" y="365125"/>
-            <a:ext cx="10515600" cy="1325563"/>
+            <a:off x="619890" y="229978"/>
+            <a:ext cx="7762102" cy="834921"/>
           </a:xfrm>
         </p:spPr>
         <p:txBody>
@@ -1857,22 +2643,15 @@
           <a:lstStyle/>
           <a:p>
             <a:r>
-              <a:rPr lang="en-US"/>
+              <a:rPr lang="en-US" dirty="0"/>
               <a:t>Click to edit Master title style</a:t>
             </a:r>
-            <a:endParaRPr lang="en-SG"/>
-          </a:p>
-        </p:txBody>
-      </p:sp>
-      <p:sp>
-        <p:nvSpPr>
-          <p:cNvPr id="3" name="Text Placeholder 2">
-            <a:extLst>
-              <a:ext uri="{FF2B5EF4-FFF2-40B4-BE49-F238E27FC236}">
-                <a16:creationId xmlns:a16="http://schemas.microsoft.com/office/drawing/2014/main" id="{5A913FBD-6EA3-40D6-806A-24FC3998FB37}"/>
-              </a:ext>
-            </a:extLst>
-          </p:cNvPr>
+          </a:p>
+        </p:txBody>
+      </p:sp>
+      <p:sp>
+        <p:nvSpPr>
+          <p:cNvPr id="3" name="Text Placeholder 2"/>
           <p:cNvSpPr>
             <a:spLocks noGrp="1"/>
           </p:cNvSpPr>
@@ -1882,8 +2661,8 @@
         </p:nvSpPr>
         <p:spPr>
           <a:xfrm>
-            <a:off x="839788" y="1681163"/>
-            <a:ext cx="5157787" cy="823912"/>
+            <a:off x="619891" y="1058899"/>
+            <a:ext cx="3807226" cy="518950"/>
           </a:xfrm>
         </p:spPr>
         <p:txBody>
@@ -1891,45 +2670,45 @@
           <a:lstStyle>
             <a:lvl1pPr marL="0" indent="0">
               <a:buNone/>
-              <a:defRPr sz="2400" b="1"/>
+              <a:defRPr sz="1512" b="1"/>
             </a:lvl1pPr>
-            <a:lvl2pPr marL="457200" indent="0">
-              <a:buNone/>
-              <a:defRPr sz="2000" b="1"/>
+            <a:lvl2pPr marL="287990" indent="0">
+              <a:buNone/>
+              <a:defRPr sz="1260" b="1"/>
             </a:lvl2pPr>
-            <a:lvl3pPr marL="914400" indent="0">
-              <a:buNone/>
-              <a:defRPr sz="1800" b="1"/>
+            <a:lvl3pPr marL="575981" indent="0">
+              <a:buNone/>
+              <a:defRPr sz="1134" b="1"/>
             </a:lvl3pPr>
-            <a:lvl4pPr marL="1371600" indent="0">
-              <a:buNone/>
-              <a:defRPr sz="1600" b="1"/>
+            <a:lvl4pPr marL="863971" indent="0">
+              <a:buNone/>
+              <a:defRPr sz="1008" b="1"/>
             </a:lvl4pPr>
-            <a:lvl5pPr marL="1828800" indent="0">
-              <a:buNone/>
-              <a:defRPr sz="1600" b="1"/>
+            <a:lvl5pPr marL="1151961" indent="0">
+              <a:buNone/>
+              <a:defRPr sz="1008" b="1"/>
             </a:lvl5pPr>
-            <a:lvl6pPr marL="2286000" indent="0">
-              <a:buNone/>
-              <a:defRPr sz="1600" b="1"/>
+            <a:lvl6pPr marL="1439951" indent="0">
+              <a:buNone/>
+              <a:defRPr sz="1008" b="1"/>
             </a:lvl6pPr>
-            <a:lvl7pPr marL="2743200" indent="0">
-              <a:buNone/>
-              <a:defRPr sz="1600" b="1"/>
+            <a:lvl7pPr marL="1727942" indent="0">
+              <a:buNone/>
+              <a:defRPr sz="1008" b="1"/>
             </a:lvl7pPr>
-            <a:lvl8pPr marL="3200400" indent="0">
-              <a:buNone/>
-              <a:defRPr sz="1600" b="1"/>
+            <a:lvl8pPr marL="2015932" indent="0">
+              <a:buNone/>
+              <a:defRPr sz="1008" b="1"/>
             </a:lvl8pPr>
-            <a:lvl9pPr marL="3657600" indent="0">
-              <a:buNone/>
-              <a:defRPr sz="1600" b="1"/>
+            <a:lvl9pPr marL="2303922" indent="0">
+              <a:buNone/>
+              <a:defRPr sz="1008" b="1"/>
             </a:lvl9pPr>
           </a:lstStyle>
           <a:p>
             <a:pPr lvl="0"/>
             <a:r>
-              <a:rPr lang="en-US"/>
+              <a:rPr lang="en-US" dirty="0"/>
               <a:t>Click to edit Master text styles</a:t>
             </a:r>
           </a:p>
@@ -1937,13 +2716,7 @@
       </p:sp>
       <p:sp>
         <p:nvSpPr>
-          <p:cNvPr id="4" name="Content Placeholder 3">
-            <a:extLst>
-              <a:ext uri="{FF2B5EF4-FFF2-40B4-BE49-F238E27FC236}">
-                <a16:creationId xmlns:a16="http://schemas.microsoft.com/office/drawing/2014/main" id="{4008B2B6-9445-47D5-9E6A-A782EADDDDCA}"/>
-              </a:ext>
-            </a:extLst>
-          </p:cNvPr>
+          <p:cNvPr id="4" name="Content Placeholder 3"/>
           <p:cNvSpPr>
             <a:spLocks noGrp="1"/>
           </p:cNvSpPr>
@@ -1953,8 +2726,8 @@
         </p:nvSpPr>
         <p:spPr>
           <a:xfrm>
-            <a:off x="839788" y="2505075"/>
-            <a:ext cx="5157787" cy="3684588"/>
+            <a:off x="619891" y="1577849"/>
+            <a:ext cx="3807226" cy="2320779"/>
           </a:xfrm>
         </p:spPr>
         <p:txBody>
@@ -1963,50 +2736,43 @@
           <a:p>
             <a:pPr lvl="0"/>
             <a:r>
-              <a:rPr lang="en-US"/>
+              <a:rPr lang="en-US" dirty="0"/>
               <a:t>Click to edit Master text styles</a:t>
             </a:r>
           </a:p>
           <a:p>
             <a:pPr lvl="1"/>
             <a:r>
-              <a:rPr lang="en-US"/>
+              <a:rPr lang="en-US" dirty="0"/>
               <a:t>Second level</a:t>
             </a:r>
           </a:p>
           <a:p>
             <a:pPr lvl="2"/>
             <a:r>
-              <a:rPr lang="en-US"/>
+              <a:rPr lang="en-US" dirty="0"/>
               <a:t>Third level</a:t>
             </a:r>
           </a:p>
           <a:p>
             <a:pPr lvl="3"/>
             <a:r>
-              <a:rPr lang="en-US"/>
+              <a:rPr lang="en-US" dirty="0"/>
               <a:t>Fourth level</a:t>
             </a:r>
           </a:p>
           <a:p>
             <a:pPr lvl="4"/>
             <a:r>
-              <a:rPr lang="en-US"/>
+              <a:rPr lang="en-US" dirty="0"/>
               <a:t>Fifth level</a:t>
             </a:r>
-            <a:endParaRPr lang="en-SG"/>
-          </a:p>
-        </p:txBody>
-      </p:sp>
-      <p:sp>
-        <p:nvSpPr>
-          <p:cNvPr id="5" name="Text Placeholder 4">
-            <a:extLst>
-              <a:ext uri="{FF2B5EF4-FFF2-40B4-BE49-F238E27FC236}">
-                <a16:creationId xmlns:a16="http://schemas.microsoft.com/office/drawing/2014/main" id="{FB1D4DB8-1E13-432D-B9A3-98B252280494}"/>
-              </a:ext>
-            </a:extLst>
-          </p:cNvPr>
+          </a:p>
+        </p:txBody>
+      </p:sp>
+      <p:sp>
+        <p:nvSpPr>
+          <p:cNvPr id="5" name="Text Placeholder 4"/>
           <p:cNvSpPr>
             <a:spLocks noGrp="1"/>
           </p:cNvSpPr>
@@ -2016,8 +2782,8 @@
         </p:nvSpPr>
         <p:spPr>
           <a:xfrm>
-            <a:off x="6172200" y="1681163"/>
-            <a:ext cx="5183188" cy="823912"/>
+            <a:off x="4556016" y="1058899"/>
+            <a:ext cx="3825976" cy="518950"/>
           </a:xfrm>
         </p:spPr>
         <p:txBody>
@@ -2025,45 +2791,45 @@
           <a:lstStyle>
             <a:lvl1pPr marL="0" indent="0">
               <a:buNone/>
-              <a:defRPr sz="2400" b="1"/>
+              <a:defRPr sz="1512" b="1"/>
             </a:lvl1pPr>
-            <a:lvl2pPr marL="457200" indent="0">
-              <a:buNone/>
-              <a:defRPr sz="2000" b="1"/>
+            <a:lvl2pPr marL="287990" indent="0">
+              <a:buNone/>
+              <a:defRPr sz="1260" b="1"/>
             </a:lvl2pPr>
-            <a:lvl3pPr marL="914400" indent="0">
-              <a:buNone/>
-              <a:defRPr sz="1800" b="1"/>
+            <a:lvl3pPr marL="575981" indent="0">
+              <a:buNone/>
+              <a:defRPr sz="1134" b="1"/>
             </a:lvl3pPr>
-            <a:lvl4pPr marL="1371600" indent="0">
-              <a:buNone/>
-              <a:defRPr sz="1600" b="1"/>
+            <a:lvl4pPr marL="863971" indent="0">
+              <a:buNone/>
+              <a:defRPr sz="1008" b="1"/>
             </a:lvl4pPr>
-            <a:lvl5pPr marL="1828800" indent="0">
-              <a:buNone/>
-              <a:defRPr sz="1600" b="1"/>
+            <a:lvl5pPr marL="1151961" indent="0">
+              <a:buNone/>
+              <a:defRPr sz="1008" b="1"/>
             </a:lvl5pPr>
-            <a:lvl6pPr marL="2286000" indent="0">
-              <a:buNone/>
-              <a:defRPr sz="1600" b="1"/>
+            <a:lvl6pPr marL="1439951" indent="0">
+              <a:buNone/>
+              <a:defRPr sz="1008" b="1"/>
             </a:lvl6pPr>
-            <a:lvl7pPr marL="2743200" indent="0">
-              <a:buNone/>
-              <a:defRPr sz="1600" b="1"/>
+            <a:lvl7pPr marL="1727942" indent="0">
+              <a:buNone/>
+              <a:defRPr sz="1008" b="1"/>
             </a:lvl7pPr>
-            <a:lvl8pPr marL="3200400" indent="0">
-              <a:buNone/>
-              <a:defRPr sz="1600" b="1"/>
+            <a:lvl8pPr marL="2015932" indent="0">
+              <a:buNone/>
+              <a:defRPr sz="1008" b="1"/>
             </a:lvl8pPr>
-            <a:lvl9pPr marL="3657600" indent="0">
-              <a:buNone/>
-              <a:defRPr sz="1600" b="1"/>
+            <a:lvl9pPr marL="2303922" indent="0">
+              <a:buNone/>
+              <a:defRPr sz="1008" b="1"/>
             </a:lvl9pPr>
           </a:lstStyle>
           <a:p>
             <a:pPr lvl="0"/>
             <a:r>
-              <a:rPr lang="en-US"/>
+              <a:rPr lang="en-US" dirty="0"/>
               <a:t>Click to edit Master text styles</a:t>
             </a:r>
           </a:p>
@@ -2071,13 +2837,7 @@
       </p:sp>
       <p:sp>
         <p:nvSpPr>
-          <p:cNvPr id="6" name="Content Placeholder 5">
-            <a:extLst>
-              <a:ext uri="{FF2B5EF4-FFF2-40B4-BE49-F238E27FC236}">
-                <a16:creationId xmlns:a16="http://schemas.microsoft.com/office/drawing/2014/main" id="{76572532-8163-41F5-9206-603093E07D38}"/>
-              </a:ext>
-            </a:extLst>
-          </p:cNvPr>
+          <p:cNvPr id="6" name="Content Placeholder 5"/>
           <p:cNvSpPr>
             <a:spLocks noGrp="1"/>
           </p:cNvSpPr>
@@ -2087,8 +2847,8 @@
         </p:nvSpPr>
         <p:spPr>
           <a:xfrm>
-            <a:off x="6172200" y="2505075"/>
-            <a:ext cx="5183188" cy="3684588"/>
+            <a:off x="4556016" y="1577849"/>
+            <a:ext cx="3825976" cy="2320779"/>
           </a:xfrm>
         </p:spPr>
         <p:txBody>
@@ -2097,50 +2857,43 @@
           <a:p>
             <a:pPr lvl="0"/>
             <a:r>
-              <a:rPr lang="en-US"/>
+              <a:rPr lang="en-US" dirty="0"/>
               <a:t>Click to edit Master text styles</a:t>
             </a:r>
           </a:p>
           <a:p>
             <a:pPr lvl="1"/>
             <a:r>
-              <a:rPr lang="en-US"/>
+              <a:rPr lang="en-US" dirty="0"/>
               <a:t>Second level</a:t>
             </a:r>
           </a:p>
           <a:p>
             <a:pPr lvl="2"/>
             <a:r>
-              <a:rPr lang="en-US"/>
+              <a:rPr lang="en-US" dirty="0"/>
               <a:t>Third level</a:t>
             </a:r>
           </a:p>
           <a:p>
             <a:pPr lvl="3"/>
             <a:r>
-              <a:rPr lang="en-US"/>
+              <a:rPr lang="en-US" dirty="0"/>
               <a:t>Fourth level</a:t>
             </a:r>
           </a:p>
           <a:p>
             <a:pPr lvl="4"/>
             <a:r>
-              <a:rPr lang="en-US"/>
+              <a:rPr lang="en-US" dirty="0"/>
               <a:t>Fifth level</a:t>
             </a:r>
-            <a:endParaRPr lang="en-SG"/>
-          </a:p>
-        </p:txBody>
-      </p:sp>
-      <p:sp>
-        <p:nvSpPr>
-          <p:cNvPr id="7" name="Date Placeholder 6">
-            <a:extLst>
-              <a:ext uri="{FF2B5EF4-FFF2-40B4-BE49-F238E27FC236}">
-                <a16:creationId xmlns:a16="http://schemas.microsoft.com/office/drawing/2014/main" id="{E46FAB96-D438-467F-9BED-C03D82D0D33A}"/>
-              </a:ext>
-            </a:extLst>
-          </p:cNvPr>
+          </a:p>
+        </p:txBody>
+      </p:sp>
+      <p:sp>
+        <p:nvSpPr>
+          <p:cNvPr id="7" name="Date Placeholder 6"/>
           <p:cNvSpPr>
             <a:spLocks noGrp="1"/>
           </p:cNvSpPr>
@@ -2155,7 +2908,7 @@
           <a:p>
             <a:fld id="{90726CF0-3532-493B-A942-F9FBE6D17D83}" type="datetimeFigureOut">
               <a:rPr lang="en-SG" smtClean="0"/>
-              <a:t>31/3/19</a:t>
+              <a:t>13/4/19</a:t>
             </a:fld>
             <a:endParaRPr lang="en-SG"/>
           </a:p>
@@ -2163,13 +2916,7 @@
       </p:sp>
       <p:sp>
         <p:nvSpPr>
-          <p:cNvPr id="8" name="Footer Placeholder 7">
-            <a:extLst>
-              <a:ext uri="{FF2B5EF4-FFF2-40B4-BE49-F238E27FC236}">
-                <a16:creationId xmlns:a16="http://schemas.microsoft.com/office/drawing/2014/main" id="{6999D187-0621-4F60-B3B0-39D3DBF411A4}"/>
-              </a:ext>
-            </a:extLst>
-          </p:cNvPr>
+          <p:cNvPr id="8" name="Footer Placeholder 7"/>
           <p:cNvSpPr>
             <a:spLocks noGrp="1"/>
           </p:cNvSpPr>
@@ -2188,13 +2935,7 @@
       </p:sp>
       <p:sp>
         <p:nvSpPr>
-          <p:cNvPr id="9" name="Slide Number Placeholder 8">
-            <a:extLst>
-              <a:ext uri="{FF2B5EF4-FFF2-40B4-BE49-F238E27FC236}">
-                <a16:creationId xmlns:a16="http://schemas.microsoft.com/office/drawing/2014/main" id="{C874B3FC-460F-4A33-A9AD-1D9A10D8DA95}"/>
-              </a:ext>
-            </a:extLst>
-          </p:cNvPr>
+          <p:cNvPr id="9" name="Slide Number Placeholder 8"/>
           <p:cNvSpPr>
             <a:spLocks noGrp="1"/>
           </p:cNvSpPr>
@@ -2218,7 +2959,7 @@
     </p:spTree>
     <p:extLst>
       <p:ext uri="{BB962C8B-B14F-4D97-AF65-F5344CB8AC3E}">
-        <p14:creationId xmlns:p14="http://schemas.microsoft.com/office/powerpoint/2010/main" val="2936493930"/>
+        <p14:creationId xmlns:p14="http://schemas.microsoft.com/office/powerpoint/2010/main" val="2470349923"/>
       </p:ext>
     </p:extLst>
   </p:cSld>
@@ -2247,13 +2988,7 @@
       </p:grpSpPr>
       <p:sp>
         <p:nvSpPr>
-          <p:cNvPr id="2" name="Title 1">
-            <a:extLst>
-              <a:ext uri="{FF2B5EF4-FFF2-40B4-BE49-F238E27FC236}">
-                <a16:creationId xmlns:a16="http://schemas.microsoft.com/office/drawing/2014/main" id="{D13A24DC-1A98-49AC-8446-21D97234A401}"/>
-              </a:ext>
-            </a:extLst>
-          </p:cNvPr>
+          <p:cNvPr id="2" name="Title 1"/>
           <p:cNvSpPr>
             <a:spLocks noGrp="1"/>
           </p:cNvSpPr>
@@ -2267,22 +3002,15 @@
           <a:lstStyle/>
           <a:p>
             <a:r>
-              <a:rPr lang="en-US"/>
+              <a:rPr lang="en-US" dirty="0"/>
               <a:t>Click to edit Master title style</a:t>
             </a:r>
-            <a:endParaRPr lang="en-SG"/>
-          </a:p>
-        </p:txBody>
-      </p:sp>
-      <p:sp>
-        <p:nvSpPr>
-          <p:cNvPr id="3" name="Date Placeholder 2">
-            <a:extLst>
-              <a:ext uri="{FF2B5EF4-FFF2-40B4-BE49-F238E27FC236}">
-                <a16:creationId xmlns:a16="http://schemas.microsoft.com/office/drawing/2014/main" id="{8FABBB11-A4D0-4623-B546-6E407A42FFF4}"/>
-              </a:ext>
-            </a:extLst>
-          </p:cNvPr>
+          </a:p>
+        </p:txBody>
+      </p:sp>
+      <p:sp>
+        <p:nvSpPr>
+          <p:cNvPr id="3" name="Date Placeholder 2"/>
           <p:cNvSpPr>
             <a:spLocks noGrp="1"/>
           </p:cNvSpPr>
@@ -2297,7 +3025,7 @@
           <a:p>
             <a:fld id="{90726CF0-3532-493B-A942-F9FBE6D17D83}" type="datetimeFigureOut">
               <a:rPr lang="en-SG" smtClean="0"/>
-              <a:t>31/3/19</a:t>
+              <a:t>13/4/19</a:t>
             </a:fld>
             <a:endParaRPr lang="en-SG"/>
           </a:p>
@@ -2305,13 +3033,7 @@
       </p:sp>
       <p:sp>
         <p:nvSpPr>
-          <p:cNvPr id="4" name="Footer Placeholder 3">
-            <a:extLst>
-              <a:ext uri="{FF2B5EF4-FFF2-40B4-BE49-F238E27FC236}">
-                <a16:creationId xmlns:a16="http://schemas.microsoft.com/office/drawing/2014/main" id="{E013C4AA-8212-4959-871C-F7E12900E31D}"/>
-              </a:ext>
-            </a:extLst>
-          </p:cNvPr>
+          <p:cNvPr id="4" name="Footer Placeholder 3"/>
           <p:cNvSpPr>
             <a:spLocks noGrp="1"/>
           </p:cNvSpPr>
@@ -2330,13 +3052,7 @@
       </p:sp>
       <p:sp>
         <p:nvSpPr>
-          <p:cNvPr id="5" name="Slide Number Placeholder 4">
-            <a:extLst>
-              <a:ext uri="{FF2B5EF4-FFF2-40B4-BE49-F238E27FC236}">
-                <a16:creationId xmlns:a16="http://schemas.microsoft.com/office/drawing/2014/main" id="{D0E2798F-F273-48A3-84D2-29A3461D9684}"/>
-              </a:ext>
-            </a:extLst>
-          </p:cNvPr>
+          <p:cNvPr id="5" name="Slide Number Placeholder 4"/>
           <p:cNvSpPr>
             <a:spLocks noGrp="1"/>
           </p:cNvSpPr>
@@ -2360,7 +3076,7 @@
     </p:spTree>
     <p:extLst>
       <p:ext uri="{BB962C8B-B14F-4D97-AF65-F5344CB8AC3E}">
-        <p14:creationId xmlns:p14="http://schemas.microsoft.com/office/powerpoint/2010/main" val="1744066702"/>
+        <p14:creationId xmlns:p14="http://schemas.microsoft.com/office/powerpoint/2010/main" val="2038089027"/>
       </p:ext>
     </p:extLst>
   </p:cSld>
@@ -2389,13 +3105,7 @@
       </p:grpSpPr>
       <p:sp>
         <p:nvSpPr>
-          <p:cNvPr id="2" name="Date Placeholder 1">
-            <a:extLst>
-              <a:ext uri="{FF2B5EF4-FFF2-40B4-BE49-F238E27FC236}">
-                <a16:creationId xmlns:a16="http://schemas.microsoft.com/office/drawing/2014/main" id="{ECABFF89-AF65-4693-BC64-846F270E7DC7}"/>
-              </a:ext>
-            </a:extLst>
-          </p:cNvPr>
+          <p:cNvPr id="2" name="Date Placeholder 1"/>
           <p:cNvSpPr>
             <a:spLocks noGrp="1"/>
           </p:cNvSpPr>
@@ -2410,7 +3120,7 @@
           <a:p>
             <a:fld id="{90726CF0-3532-493B-A942-F9FBE6D17D83}" type="datetimeFigureOut">
               <a:rPr lang="en-SG" smtClean="0"/>
-              <a:t>31/3/19</a:t>
+              <a:t>13/4/19</a:t>
             </a:fld>
             <a:endParaRPr lang="en-SG"/>
           </a:p>
@@ -2418,13 +3128,7 @@
       </p:sp>
       <p:sp>
         <p:nvSpPr>
-          <p:cNvPr id="3" name="Footer Placeholder 2">
-            <a:extLst>
-              <a:ext uri="{FF2B5EF4-FFF2-40B4-BE49-F238E27FC236}">
-                <a16:creationId xmlns:a16="http://schemas.microsoft.com/office/drawing/2014/main" id="{89CA25E0-D8E1-4883-BE84-99FFBFFCE0C0}"/>
-              </a:ext>
-            </a:extLst>
-          </p:cNvPr>
+          <p:cNvPr id="3" name="Footer Placeholder 2"/>
           <p:cNvSpPr>
             <a:spLocks noGrp="1"/>
           </p:cNvSpPr>
@@ -2443,13 +3147,7 @@
       </p:sp>
       <p:sp>
         <p:nvSpPr>
-          <p:cNvPr id="4" name="Slide Number Placeholder 3">
-            <a:extLst>
-              <a:ext uri="{FF2B5EF4-FFF2-40B4-BE49-F238E27FC236}">
-                <a16:creationId xmlns:a16="http://schemas.microsoft.com/office/drawing/2014/main" id="{7DE3870E-B783-47FC-B84B-38FE88D2291F}"/>
-              </a:ext>
-            </a:extLst>
-          </p:cNvPr>
+          <p:cNvPr id="4" name="Slide Number Placeholder 3"/>
           <p:cNvSpPr>
             <a:spLocks noGrp="1"/>
           </p:cNvSpPr>
@@ -2473,7 +3171,7 @@
     </p:spTree>
     <p:extLst>
       <p:ext uri="{BB962C8B-B14F-4D97-AF65-F5344CB8AC3E}">
-        <p14:creationId xmlns:p14="http://schemas.microsoft.com/office/powerpoint/2010/main" val="2276867010"/>
+        <p14:creationId xmlns:p14="http://schemas.microsoft.com/office/powerpoint/2010/main" val="1436753696"/>
       </p:ext>
     </p:extLst>
   </p:cSld>
@@ -2502,13 +3200,7 @@
       </p:grpSpPr>
       <p:sp>
         <p:nvSpPr>
-          <p:cNvPr id="2" name="Title 1">
-            <a:extLst>
-              <a:ext uri="{FF2B5EF4-FFF2-40B4-BE49-F238E27FC236}">
-                <a16:creationId xmlns:a16="http://schemas.microsoft.com/office/drawing/2014/main" id="{D5584558-1948-4311-9BA3-BC74F376CBAC}"/>
-              </a:ext>
-            </a:extLst>
-          </p:cNvPr>
+          <p:cNvPr id="2" name="Title 1"/>
           <p:cNvSpPr>
             <a:spLocks noGrp="1"/>
           </p:cNvSpPr>
@@ -2518,35 +3210,28 @@
         </p:nvSpPr>
         <p:spPr>
           <a:xfrm>
-            <a:off x="839788" y="457200"/>
-            <a:ext cx="3932237" cy="1600200"/>
+            <a:off x="619891" y="287972"/>
+            <a:ext cx="2902585" cy="1007904"/>
           </a:xfrm>
         </p:spPr>
         <p:txBody>
           <a:bodyPr anchor="b"/>
           <a:lstStyle>
             <a:lvl1pPr>
-              <a:defRPr sz="3200"/>
+              <a:defRPr sz="2016"/>
             </a:lvl1pPr>
           </a:lstStyle>
           <a:p>
             <a:r>
-              <a:rPr lang="en-US"/>
+              <a:rPr lang="en-US" dirty="0"/>
               <a:t>Click to edit Master title style</a:t>
             </a:r>
-            <a:endParaRPr lang="en-SG"/>
-          </a:p>
-        </p:txBody>
-      </p:sp>
-      <p:sp>
-        <p:nvSpPr>
-          <p:cNvPr id="3" name="Content Placeholder 2">
-            <a:extLst>
-              <a:ext uri="{FF2B5EF4-FFF2-40B4-BE49-F238E27FC236}">
-                <a16:creationId xmlns:a16="http://schemas.microsoft.com/office/drawing/2014/main" id="{817EAC74-5C12-4546-B132-46719EA04DC2}"/>
-              </a:ext>
-            </a:extLst>
-          </p:cNvPr>
+          </a:p>
+        </p:txBody>
+      </p:sp>
+      <p:sp>
+        <p:nvSpPr>
+          <p:cNvPr id="3" name="Content Placeholder 2"/>
           <p:cNvSpPr>
             <a:spLocks noGrp="1"/>
           </p:cNvSpPr>
@@ -2556,88 +3241,81 @@
         </p:nvSpPr>
         <p:spPr>
           <a:xfrm>
-            <a:off x="5183188" y="987425"/>
-            <a:ext cx="6172200" cy="4873625"/>
+            <a:off x="3825976" y="621941"/>
+            <a:ext cx="4556016" cy="3069707"/>
           </a:xfrm>
         </p:spPr>
         <p:txBody>
           <a:bodyPr/>
           <a:lstStyle>
             <a:lvl1pPr>
-              <a:defRPr sz="3200"/>
+              <a:defRPr sz="2016"/>
             </a:lvl1pPr>
             <a:lvl2pPr>
-              <a:defRPr sz="2800"/>
+              <a:defRPr sz="1764"/>
             </a:lvl2pPr>
             <a:lvl3pPr>
-              <a:defRPr sz="2400"/>
+              <a:defRPr sz="1512"/>
             </a:lvl3pPr>
             <a:lvl4pPr>
-              <a:defRPr sz="2000"/>
+              <a:defRPr sz="1260"/>
             </a:lvl4pPr>
             <a:lvl5pPr>
-              <a:defRPr sz="2000"/>
+              <a:defRPr sz="1260"/>
             </a:lvl5pPr>
             <a:lvl6pPr>
-              <a:defRPr sz="2000"/>
+              <a:defRPr sz="1260"/>
             </a:lvl6pPr>
             <a:lvl7pPr>
-              <a:defRPr sz="2000"/>
+              <a:defRPr sz="1260"/>
             </a:lvl7pPr>
             <a:lvl8pPr>
-              <a:defRPr sz="2000"/>
+              <a:defRPr sz="1260"/>
             </a:lvl8pPr>
             <a:lvl9pPr>
-              <a:defRPr sz="2000"/>
+              <a:defRPr sz="1260"/>
             </a:lvl9pPr>
           </a:lstStyle>
           <a:p>
             <a:pPr lvl="0"/>
             <a:r>
-              <a:rPr lang="en-US"/>
+              <a:rPr lang="en-US" dirty="0"/>
               <a:t>Click to edit Master text styles</a:t>
             </a:r>
           </a:p>
           <a:p>
             <a:pPr lvl="1"/>
             <a:r>
-              <a:rPr lang="en-US"/>
+              <a:rPr lang="en-US" dirty="0"/>
               <a:t>Second level</a:t>
             </a:r>
           </a:p>
           <a:p>
             <a:pPr lvl="2"/>
             <a:r>
-              <a:rPr lang="en-US"/>
+              <a:rPr lang="en-US" dirty="0"/>
               <a:t>Third level</a:t>
             </a:r>
           </a:p>
           <a:p>
             <a:pPr lvl="3"/>
             <a:r>
-              <a:rPr lang="en-US"/>
+              <a:rPr lang="en-US" dirty="0"/>
               <a:t>Fourth level</a:t>
             </a:r>
           </a:p>
           <a:p>
             <a:pPr lvl="4"/>
             <a:r>
-              <a:rPr lang="en-US"/>
+              <a:rPr lang="en-US" dirty="0"/>
               <a:t>Fifth level</a:t>
             </a:r>
-            <a:endParaRPr lang="en-SG"/>
-          </a:p>
-        </p:txBody>
-      </p:sp>
-      <p:sp>
-        <p:nvSpPr>
-          <p:cNvPr id="4" name="Text Placeholder 3">
-            <a:extLst>
-              <a:ext uri="{FF2B5EF4-FFF2-40B4-BE49-F238E27FC236}">
-                <a16:creationId xmlns:a16="http://schemas.microsoft.com/office/drawing/2014/main" id="{E3A833DA-0F1B-4B64-93FC-15EE1317B869}"/>
-              </a:ext>
-            </a:extLst>
-          </p:cNvPr>
+          </a:p>
+        </p:txBody>
+      </p:sp>
+      <p:sp>
+        <p:nvSpPr>
+          <p:cNvPr id="4" name="Text Placeholder 3"/>
           <p:cNvSpPr>
             <a:spLocks noGrp="1"/>
           </p:cNvSpPr>
@@ -2647,8 +3325,8 @@
         </p:nvSpPr>
         <p:spPr>
           <a:xfrm>
-            <a:off x="839788" y="2057400"/>
-            <a:ext cx="3932237" cy="3811588"/>
+            <a:off x="619891" y="1295877"/>
+            <a:ext cx="2902585" cy="2400771"/>
           </a:xfrm>
         </p:spPr>
         <p:txBody>
@@ -2656,45 +3334,45 @@
           <a:lstStyle>
             <a:lvl1pPr marL="0" indent="0">
               <a:buNone/>
-              <a:defRPr sz="1600"/>
+              <a:defRPr sz="1008"/>
             </a:lvl1pPr>
-            <a:lvl2pPr marL="457200" indent="0">
-              <a:buNone/>
-              <a:defRPr sz="1400"/>
+            <a:lvl2pPr marL="287990" indent="0">
+              <a:buNone/>
+              <a:defRPr sz="882"/>
             </a:lvl2pPr>
-            <a:lvl3pPr marL="914400" indent="0">
-              <a:buNone/>
-              <a:defRPr sz="1200"/>
+            <a:lvl3pPr marL="575981" indent="0">
+              <a:buNone/>
+              <a:defRPr sz="756"/>
             </a:lvl3pPr>
-            <a:lvl4pPr marL="1371600" indent="0">
-              <a:buNone/>
-              <a:defRPr sz="1000"/>
+            <a:lvl4pPr marL="863971" indent="0">
+              <a:buNone/>
+              <a:defRPr sz="630"/>
             </a:lvl4pPr>
-            <a:lvl5pPr marL="1828800" indent="0">
-              <a:buNone/>
-              <a:defRPr sz="1000"/>
+            <a:lvl5pPr marL="1151961" indent="0">
+              <a:buNone/>
+              <a:defRPr sz="630"/>
             </a:lvl5pPr>
-            <a:lvl6pPr marL="2286000" indent="0">
-              <a:buNone/>
-              <a:defRPr sz="1000"/>
+            <a:lvl6pPr marL="1439951" indent="0">
+              <a:buNone/>
+              <a:defRPr sz="630"/>
             </a:lvl6pPr>
-            <a:lvl7pPr marL="2743200" indent="0">
-              <a:buNone/>
-              <a:defRPr sz="1000"/>
+            <a:lvl7pPr marL="1727942" indent="0">
+              <a:buNone/>
+              <a:defRPr sz="630"/>
             </a:lvl7pPr>
-            <a:lvl8pPr marL="3200400" indent="0">
-              <a:buNone/>
-              <a:defRPr sz="1000"/>
+            <a:lvl8pPr marL="2015932" indent="0">
+              <a:buNone/>
+              <a:defRPr sz="630"/>
             </a:lvl8pPr>
-            <a:lvl9pPr marL="3657600" indent="0">
-              <a:buNone/>
-              <a:defRPr sz="1000"/>
+            <a:lvl9pPr marL="2303922" indent="0">
+              <a:buNone/>
+              <a:defRPr sz="630"/>
             </a:lvl9pPr>
           </a:lstStyle>
           <a:p>
             <a:pPr lvl="0"/>
             <a:r>
-              <a:rPr lang="en-US"/>
+              <a:rPr lang="en-US" dirty="0"/>
               <a:t>Click to edit Master text styles</a:t>
             </a:r>
           </a:p>
@@ -2702,13 +3380,7 @@
       </p:sp>
       <p:sp>
         <p:nvSpPr>
-          <p:cNvPr id="5" name="Date Placeholder 4">
-            <a:extLst>
-              <a:ext uri="{FF2B5EF4-FFF2-40B4-BE49-F238E27FC236}">
-                <a16:creationId xmlns:a16="http://schemas.microsoft.com/office/drawing/2014/main" id="{A39FC3C9-D7F3-4804-8D77-EC2589A36968}"/>
-              </a:ext>
-            </a:extLst>
-          </p:cNvPr>
+          <p:cNvPr id="5" name="Date Placeholder 4"/>
           <p:cNvSpPr>
             <a:spLocks noGrp="1"/>
           </p:cNvSpPr>
@@ -2723,7 +3395,7 @@
           <a:p>
             <a:fld id="{90726CF0-3532-493B-A942-F9FBE6D17D83}" type="datetimeFigureOut">
               <a:rPr lang="en-SG" smtClean="0"/>
-              <a:t>31/3/19</a:t>
+              <a:t>13/4/19</a:t>
             </a:fld>
             <a:endParaRPr lang="en-SG"/>
           </a:p>
@@ -2731,13 +3403,7 @@
       </p:sp>
       <p:sp>
         <p:nvSpPr>
-          <p:cNvPr id="6" name="Footer Placeholder 5">
-            <a:extLst>
-              <a:ext uri="{FF2B5EF4-FFF2-40B4-BE49-F238E27FC236}">
-                <a16:creationId xmlns:a16="http://schemas.microsoft.com/office/drawing/2014/main" id="{941B3856-2F3D-4EEB-BDDA-D9E07290E747}"/>
-              </a:ext>
-            </a:extLst>
-          </p:cNvPr>
+          <p:cNvPr id="6" name="Footer Placeholder 5"/>
           <p:cNvSpPr>
             <a:spLocks noGrp="1"/>
           </p:cNvSpPr>
@@ -2756,13 +3422,7 @@
       </p:sp>
       <p:sp>
         <p:nvSpPr>
-          <p:cNvPr id="7" name="Slide Number Placeholder 6">
-            <a:extLst>
-              <a:ext uri="{FF2B5EF4-FFF2-40B4-BE49-F238E27FC236}">
-                <a16:creationId xmlns:a16="http://schemas.microsoft.com/office/drawing/2014/main" id="{2DC8CA80-1224-4660-866E-0D090FF7FB6B}"/>
-              </a:ext>
-            </a:extLst>
-          </p:cNvPr>
+          <p:cNvPr id="7" name="Slide Number Placeholder 6"/>
           <p:cNvSpPr>
             <a:spLocks noGrp="1"/>
           </p:cNvSpPr>
@@ -2786,7 +3446,7 @@
     </p:spTree>
     <p:extLst>
       <p:ext uri="{BB962C8B-B14F-4D97-AF65-F5344CB8AC3E}">
-        <p14:creationId xmlns:p14="http://schemas.microsoft.com/office/powerpoint/2010/main" val="2163957869"/>
+        <p14:creationId xmlns:p14="http://schemas.microsoft.com/office/powerpoint/2010/main" val="228249674"/>
       </p:ext>
     </p:extLst>
   </p:cSld>
@@ -2815,13 +3475,7 @@
       </p:grpSpPr>
       <p:sp>
         <p:nvSpPr>
-          <p:cNvPr id="2" name="Title 1">
-            <a:extLst>
-              <a:ext uri="{FF2B5EF4-FFF2-40B4-BE49-F238E27FC236}">
-                <a16:creationId xmlns:a16="http://schemas.microsoft.com/office/drawing/2014/main" id="{A33B97AC-62D6-493F-968B-CDB821CA6EDD}"/>
-              </a:ext>
-            </a:extLst>
-          </p:cNvPr>
+          <p:cNvPr id="2" name="Title 1"/>
           <p:cNvSpPr>
             <a:spLocks noGrp="1"/>
           </p:cNvSpPr>
@@ -2831,37 +3485,30 @@
         </p:nvSpPr>
         <p:spPr>
           <a:xfrm>
-            <a:off x="839788" y="457200"/>
-            <a:ext cx="3932237" cy="1600200"/>
+            <a:off x="619891" y="287972"/>
+            <a:ext cx="2902585" cy="1007904"/>
           </a:xfrm>
         </p:spPr>
         <p:txBody>
           <a:bodyPr anchor="b"/>
           <a:lstStyle>
             <a:lvl1pPr>
-              <a:defRPr sz="3200"/>
+              <a:defRPr sz="2016"/>
             </a:lvl1pPr>
           </a:lstStyle>
           <a:p>
             <a:r>
-              <a:rPr lang="en-US"/>
+              <a:rPr lang="en-US" dirty="0"/>
               <a:t>Click to edit Master title style</a:t>
             </a:r>
-            <a:endParaRPr lang="en-SG"/>
-          </a:p>
-        </p:txBody>
-      </p:sp>
-      <p:sp>
-        <p:nvSpPr>
-          <p:cNvPr id="3" name="Picture Placeholder 2">
-            <a:extLst>
-              <a:ext uri="{FF2B5EF4-FFF2-40B4-BE49-F238E27FC236}">
-                <a16:creationId xmlns:a16="http://schemas.microsoft.com/office/drawing/2014/main" id="{30F42160-9E56-41C8-8B1D-AB1E6ABF6633}"/>
-              </a:ext>
-            </a:extLst>
-          </p:cNvPr>
-          <p:cNvSpPr>
-            <a:spLocks noGrp="1"/>
+          </a:p>
+        </p:txBody>
+      </p:sp>
+      <p:sp>
+        <p:nvSpPr>
+          <p:cNvPr id="3" name="Picture Placeholder 2"/>
+          <p:cNvSpPr>
+            <a:spLocks noGrp="1" noChangeAspect="1"/>
           </p:cNvSpPr>
           <p:nvPr>
             <p:ph type="pic" idx="1"/>
@@ -2869,8 +3516,72 @@
         </p:nvSpPr>
         <p:spPr>
           <a:xfrm>
-            <a:off x="5183188" y="987425"/>
-            <a:ext cx="6172200" cy="4873625"/>
+            <a:off x="3825976" y="621941"/>
+            <a:ext cx="4556016" cy="3069707"/>
+          </a:xfrm>
+        </p:spPr>
+        <p:txBody>
+          <a:bodyPr anchor="t"/>
+          <a:lstStyle>
+            <a:lvl1pPr marL="0" indent="0">
+              <a:buNone/>
+              <a:defRPr sz="2016"/>
+            </a:lvl1pPr>
+            <a:lvl2pPr marL="287990" indent="0">
+              <a:buNone/>
+              <a:defRPr sz="1764"/>
+            </a:lvl2pPr>
+            <a:lvl3pPr marL="575981" indent="0">
+              <a:buNone/>
+              <a:defRPr sz="1512"/>
+            </a:lvl3pPr>
+            <a:lvl4pPr marL="863971" indent="0">
+              <a:buNone/>
+              <a:defRPr sz="1260"/>
+            </a:lvl4pPr>
+            <a:lvl5pPr marL="1151961" indent="0">
+              <a:buNone/>
+              <a:defRPr sz="1260"/>
+            </a:lvl5pPr>
+            <a:lvl6pPr marL="1439951" indent="0">
+              <a:buNone/>
+              <a:defRPr sz="1260"/>
+            </a:lvl6pPr>
+            <a:lvl7pPr marL="1727942" indent="0">
+              <a:buNone/>
+              <a:defRPr sz="1260"/>
+            </a:lvl7pPr>
+            <a:lvl8pPr marL="2015932" indent="0">
+              <a:buNone/>
+              <a:defRPr sz="1260"/>
+            </a:lvl8pPr>
+            <a:lvl9pPr marL="2303922" indent="0">
+              <a:buNone/>
+              <a:defRPr sz="1260"/>
+            </a:lvl9pPr>
+          </a:lstStyle>
+          <a:p>
+            <a:r>
+              <a:rPr lang="en-US" dirty="0"/>
+              <a:t>Click icon to add picture</a:t>
+            </a:r>
+          </a:p>
+        </p:txBody>
+      </p:sp>
+      <p:sp>
+        <p:nvSpPr>
+          <p:cNvPr id="4" name="Text Placeholder 3"/>
+          <p:cNvSpPr>
+            <a:spLocks noGrp="1"/>
+          </p:cNvSpPr>
+          <p:nvPr>
+            <p:ph type="body" sz="half" idx="2"/>
+          </p:nvPr>
+        </p:nvSpPr>
+        <p:spPr>
+          <a:xfrm>
+            <a:off x="619891" y="1295877"/>
+            <a:ext cx="2902585" cy="2400771"/>
           </a:xfrm>
         </p:spPr>
         <p:txBody>
@@ -2878,112 +3589,45 @@
           <a:lstStyle>
             <a:lvl1pPr marL="0" indent="0">
               <a:buNone/>
-              <a:defRPr sz="3200"/>
+              <a:defRPr sz="1008"/>
             </a:lvl1pPr>
-            <a:lvl2pPr marL="457200" indent="0">
-              <a:buNone/>
-              <a:defRPr sz="2800"/>
+            <a:lvl2pPr marL="287990" indent="0">
+              <a:buNone/>
+              <a:defRPr sz="882"/>
             </a:lvl2pPr>
-            <a:lvl3pPr marL="914400" indent="0">
-              <a:buNone/>
-              <a:defRPr sz="2400"/>
+            <a:lvl3pPr marL="575981" indent="0">
+              <a:buNone/>
+              <a:defRPr sz="756"/>
             </a:lvl3pPr>
-            <a:lvl4pPr marL="1371600" indent="0">
-              <a:buNone/>
-              <a:defRPr sz="2000"/>
+            <a:lvl4pPr marL="863971" indent="0">
+              <a:buNone/>
+              <a:defRPr sz="630"/>
             </a:lvl4pPr>
-            <a:lvl5pPr marL="1828800" indent="0">
-              <a:buNone/>
-              <a:defRPr sz="2000"/>
+            <a:lvl5pPr marL="1151961" indent="0">
+              <a:buNone/>
+              <a:defRPr sz="630"/>
             </a:lvl5pPr>
-            <a:lvl6pPr marL="2286000" indent="0">
-              <a:buNone/>
-              <a:defRPr sz="2000"/>
+            <a:lvl6pPr marL="1439951" indent="0">
+              <a:buNone/>
+              <a:defRPr sz="630"/>
             </a:lvl6pPr>
-            <a:lvl7pPr marL="2743200" indent="0">
-              <a:buNone/>
-              <a:defRPr sz="2000"/>
+            <a:lvl7pPr marL="1727942" indent="0">
+              <a:buNone/>
+              <a:defRPr sz="630"/>
             </a:lvl7pPr>
-            <a:lvl8pPr marL="3200400" indent="0">
-              <a:buNone/>
-              <a:defRPr sz="2000"/>
+            <a:lvl8pPr marL="2015932" indent="0">
+              <a:buNone/>
+              <a:defRPr sz="630"/>
             </a:lvl8pPr>
-            <a:lvl9pPr marL="3657600" indent="0">
-              <a:buNone/>
-              <a:defRPr sz="2000"/>
+            <a:lvl9pPr marL="2303922" indent="0">
+              <a:buNone/>
+              <a:defRPr sz="630"/>
             </a:lvl9pPr>
           </a:lstStyle>
           <a:p>
-            <a:endParaRPr lang="en-SG"/>
-          </a:p>
-        </p:txBody>
-      </p:sp>
-      <p:sp>
-        <p:nvSpPr>
-          <p:cNvPr id="4" name="Text Placeholder 3">
-            <a:extLst>
-              <a:ext uri="{FF2B5EF4-FFF2-40B4-BE49-F238E27FC236}">
-                <a16:creationId xmlns:a16="http://schemas.microsoft.com/office/drawing/2014/main" id="{13874172-3AE9-4E37-A59D-B3BFA27AC49F}"/>
-              </a:ext>
-            </a:extLst>
-          </p:cNvPr>
-          <p:cNvSpPr>
-            <a:spLocks noGrp="1"/>
-          </p:cNvSpPr>
-          <p:nvPr>
-            <p:ph type="body" sz="half" idx="2"/>
-          </p:nvPr>
-        </p:nvSpPr>
-        <p:spPr>
-          <a:xfrm>
-            <a:off x="839788" y="2057400"/>
-            <a:ext cx="3932237" cy="3811588"/>
-          </a:xfrm>
-        </p:spPr>
-        <p:txBody>
-          <a:bodyPr/>
-          <a:lstStyle>
-            <a:lvl1pPr marL="0" indent="0">
-              <a:buNone/>
-              <a:defRPr sz="1600"/>
-            </a:lvl1pPr>
-            <a:lvl2pPr marL="457200" indent="0">
-              <a:buNone/>
-              <a:defRPr sz="1400"/>
-            </a:lvl2pPr>
-            <a:lvl3pPr marL="914400" indent="0">
-              <a:buNone/>
-              <a:defRPr sz="1200"/>
-            </a:lvl3pPr>
-            <a:lvl4pPr marL="1371600" indent="0">
-              <a:buNone/>
-              <a:defRPr sz="1000"/>
-            </a:lvl4pPr>
-            <a:lvl5pPr marL="1828800" indent="0">
-              <a:buNone/>
-              <a:defRPr sz="1000"/>
-            </a:lvl5pPr>
-            <a:lvl6pPr marL="2286000" indent="0">
-              <a:buNone/>
-              <a:defRPr sz="1000"/>
-            </a:lvl6pPr>
-            <a:lvl7pPr marL="2743200" indent="0">
-              <a:buNone/>
-              <a:defRPr sz="1000"/>
-            </a:lvl7pPr>
-            <a:lvl8pPr marL="3200400" indent="0">
-              <a:buNone/>
-              <a:defRPr sz="1000"/>
-            </a:lvl8pPr>
-            <a:lvl9pPr marL="3657600" indent="0">
-              <a:buNone/>
-              <a:defRPr sz="1000"/>
-            </a:lvl9pPr>
-          </a:lstStyle>
-          <a:p>
             <a:pPr lvl="0"/>
             <a:r>
-              <a:rPr lang="en-US"/>
+              <a:rPr lang="en-US" dirty="0"/>
               <a:t>Click to edit Master text styles</a:t>
             </a:r>
           </a:p>
@@ -2991,13 +3635,7 @@
       </p:sp>
       <p:sp>
         <p:nvSpPr>
-          <p:cNvPr id="5" name="Date Placeholder 4">
-            <a:extLst>
-              <a:ext uri="{FF2B5EF4-FFF2-40B4-BE49-F238E27FC236}">
-                <a16:creationId xmlns:a16="http://schemas.microsoft.com/office/drawing/2014/main" id="{6DEC9D04-CD96-4AAD-9A17-CA2AA0F7DFAB}"/>
-              </a:ext>
-            </a:extLst>
-          </p:cNvPr>
+          <p:cNvPr id="5" name="Date Placeholder 4"/>
           <p:cNvSpPr>
             <a:spLocks noGrp="1"/>
           </p:cNvSpPr>
@@ -3012,7 +3650,7 @@
           <a:p>
             <a:fld id="{90726CF0-3532-493B-A942-F9FBE6D17D83}" type="datetimeFigureOut">
               <a:rPr lang="en-SG" smtClean="0"/>
-              <a:t>31/3/19</a:t>
+              <a:t>13/4/19</a:t>
             </a:fld>
             <a:endParaRPr lang="en-SG"/>
           </a:p>
@@ -3020,13 +3658,7 @@
       </p:sp>
       <p:sp>
         <p:nvSpPr>
-          <p:cNvPr id="6" name="Footer Placeholder 5">
-            <a:extLst>
-              <a:ext uri="{FF2B5EF4-FFF2-40B4-BE49-F238E27FC236}">
-                <a16:creationId xmlns:a16="http://schemas.microsoft.com/office/drawing/2014/main" id="{EF253472-6F8A-46F5-BA9F-1B909D108953}"/>
-              </a:ext>
-            </a:extLst>
-          </p:cNvPr>
+          <p:cNvPr id="6" name="Footer Placeholder 5"/>
           <p:cNvSpPr>
             <a:spLocks noGrp="1"/>
           </p:cNvSpPr>
@@ -3045,13 +3677,7 @@
       </p:sp>
       <p:sp>
         <p:nvSpPr>
-          <p:cNvPr id="7" name="Slide Number Placeholder 6">
-            <a:extLst>
-              <a:ext uri="{FF2B5EF4-FFF2-40B4-BE49-F238E27FC236}">
-                <a16:creationId xmlns:a16="http://schemas.microsoft.com/office/drawing/2014/main" id="{15348E8E-AF5C-43B5-BA36-2DB67FB171A5}"/>
-              </a:ext>
-            </a:extLst>
-          </p:cNvPr>
+          <p:cNvPr id="7" name="Slide Number Placeholder 6"/>
           <p:cNvSpPr>
             <a:spLocks noGrp="1"/>
           </p:cNvSpPr>
@@ -3075,7 +3701,7 @@
     </p:spTree>
     <p:extLst>
       <p:ext uri="{BB962C8B-B14F-4D97-AF65-F5344CB8AC3E}">
-        <p14:creationId xmlns:p14="http://schemas.microsoft.com/office/powerpoint/2010/main" val="743398271"/>
+        <p14:creationId xmlns:p14="http://schemas.microsoft.com/office/powerpoint/2010/main" val="691733708"/>
       </p:ext>
     </p:extLst>
   </p:cSld>
@@ -3109,13 +3735,7 @@
       </p:grpSpPr>
       <p:sp>
         <p:nvSpPr>
-          <p:cNvPr id="2" name="Title Placeholder 1">
-            <a:extLst>
-              <a:ext uri="{FF2B5EF4-FFF2-40B4-BE49-F238E27FC236}">
-                <a16:creationId xmlns:a16="http://schemas.microsoft.com/office/drawing/2014/main" id="{833A96ED-9045-4328-8A43-3A8BECE3472A}"/>
-              </a:ext>
-            </a:extLst>
-          </p:cNvPr>
+          <p:cNvPr id="2" name="Title Placeholder 1"/>
           <p:cNvSpPr>
             <a:spLocks noGrp="1"/>
           </p:cNvSpPr>
@@ -3125,8 +3745,8 @@
         </p:nvSpPr>
         <p:spPr>
           <a:xfrm>
-            <a:off x="838200" y="365125"/>
-            <a:ext cx="10515600" cy="1325563"/>
+            <a:off x="618718" y="229978"/>
+            <a:ext cx="7762102" cy="834921"/>
           </a:xfrm>
           <a:prstGeom prst="rect">
             <a:avLst/>
@@ -3139,22 +3759,15 @@
           <a:lstStyle/>
           <a:p>
             <a:r>
-              <a:rPr lang="en-US"/>
+              <a:rPr lang="en-US" dirty="0"/>
               <a:t>Click to edit Master title style</a:t>
             </a:r>
-            <a:endParaRPr lang="en-SG"/>
-          </a:p>
-        </p:txBody>
-      </p:sp>
-      <p:sp>
-        <p:nvSpPr>
-          <p:cNvPr id="3" name="Text Placeholder 2">
-            <a:extLst>
-              <a:ext uri="{FF2B5EF4-FFF2-40B4-BE49-F238E27FC236}">
-                <a16:creationId xmlns:a16="http://schemas.microsoft.com/office/drawing/2014/main" id="{669C429A-34A0-4323-B58D-843A213EFA7B}"/>
-              </a:ext>
-            </a:extLst>
-          </p:cNvPr>
+          </a:p>
+        </p:txBody>
+      </p:sp>
+      <p:sp>
+        <p:nvSpPr>
+          <p:cNvPr id="3" name="Text Placeholder 2"/>
           <p:cNvSpPr>
             <a:spLocks noGrp="1"/>
           </p:cNvSpPr>
@@ -3164,8 +3777,8 @@
         </p:nvSpPr>
         <p:spPr>
           <a:xfrm>
-            <a:off x="838200" y="1825625"/>
-            <a:ext cx="10515600" cy="4351338"/>
+            <a:off x="618718" y="1149890"/>
+            <a:ext cx="7762102" cy="2740739"/>
           </a:xfrm>
           <a:prstGeom prst="rect">
             <a:avLst/>
@@ -3179,50 +3792,43 @@
           <a:p>
             <a:pPr lvl="0"/>
             <a:r>
-              <a:rPr lang="en-US"/>
+              <a:rPr lang="en-US" dirty="0"/>
               <a:t>Click to edit Master text styles</a:t>
             </a:r>
           </a:p>
           <a:p>
             <a:pPr lvl="1"/>
             <a:r>
-              <a:rPr lang="en-US"/>
+              <a:rPr lang="en-US" dirty="0"/>
               <a:t>Second level</a:t>
             </a:r>
           </a:p>
           <a:p>
             <a:pPr lvl="2"/>
             <a:r>
-              <a:rPr lang="en-US"/>
+              <a:rPr lang="en-US" dirty="0"/>
               <a:t>Third level</a:t>
             </a:r>
           </a:p>
           <a:p>
             <a:pPr lvl="3"/>
             <a:r>
-              <a:rPr lang="en-US"/>
+              <a:rPr lang="en-US" dirty="0"/>
               <a:t>Fourth level</a:t>
             </a:r>
           </a:p>
           <a:p>
             <a:pPr lvl="4"/>
             <a:r>
-              <a:rPr lang="en-US"/>
+              <a:rPr lang="en-US" dirty="0"/>
               <a:t>Fifth level</a:t>
             </a:r>
-            <a:endParaRPr lang="en-SG"/>
-          </a:p>
-        </p:txBody>
-      </p:sp>
-      <p:sp>
-        <p:nvSpPr>
-          <p:cNvPr id="4" name="Date Placeholder 3">
-            <a:extLst>
-              <a:ext uri="{FF2B5EF4-FFF2-40B4-BE49-F238E27FC236}">
-                <a16:creationId xmlns:a16="http://schemas.microsoft.com/office/drawing/2014/main" id="{963CDAD7-00D6-45B5-9A0A-459A00F19F09}"/>
-              </a:ext>
-            </a:extLst>
-          </p:cNvPr>
+          </a:p>
+        </p:txBody>
+      </p:sp>
+      <p:sp>
+        <p:nvSpPr>
+          <p:cNvPr id="4" name="Date Placeholder 3"/>
           <p:cNvSpPr>
             <a:spLocks noGrp="1"/>
           </p:cNvSpPr>
@@ -3232,8 +3838,8 @@
         </p:nvSpPr>
         <p:spPr>
           <a:xfrm>
-            <a:off x="838200" y="6356350"/>
-            <a:ext cx="2743200" cy="365125"/>
+            <a:off x="618718" y="4003618"/>
+            <a:ext cx="2024896" cy="229978"/>
           </a:xfrm>
           <a:prstGeom prst="rect">
             <a:avLst/>
@@ -3243,7 +3849,7 @@
           <a:bodyPr vert="horz" lIns="91440" tIns="45720" rIns="91440" bIns="45720" rtlCol="0" anchor="ctr"/>
           <a:lstStyle>
             <a:lvl1pPr algn="l">
-              <a:defRPr sz="1200">
+              <a:defRPr sz="756">
                 <a:solidFill>
                   <a:schemeClr val="tx1">
                     <a:tint val="75000"/>
@@ -3255,7 +3861,7 @@
           <a:p>
             <a:fld id="{90726CF0-3532-493B-A942-F9FBE6D17D83}" type="datetimeFigureOut">
               <a:rPr lang="en-SG" smtClean="0"/>
-              <a:t>31/3/19</a:t>
+              <a:t>13/4/19</a:t>
             </a:fld>
             <a:endParaRPr lang="en-SG"/>
           </a:p>
@@ -3263,13 +3869,7 @@
       </p:sp>
       <p:sp>
         <p:nvSpPr>
-          <p:cNvPr id="5" name="Footer Placeholder 4">
-            <a:extLst>
-              <a:ext uri="{FF2B5EF4-FFF2-40B4-BE49-F238E27FC236}">
-                <a16:creationId xmlns:a16="http://schemas.microsoft.com/office/drawing/2014/main" id="{F0C1C165-502C-4CDB-8A5B-E9EA9D77BE48}"/>
-              </a:ext>
-            </a:extLst>
-          </p:cNvPr>
+          <p:cNvPr id="5" name="Footer Placeholder 4"/>
           <p:cNvSpPr>
             <a:spLocks noGrp="1"/>
           </p:cNvSpPr>
@@ -3279,8 +3879,8 @@
         </p:nvSpPr>
         <p:spPr>
           <a:xfrm>
-            <a:off x="4038600" y="6356350"/>
-            <a:ext cx="4114800" cy="365125"/>
+            <a:off x="2981097" y="4003618"/>
+            <a:ext cx="3037344" cy="229978"/>
           </a:xfrm>
           <a:prstGeom prst="rect">
             <a:avLst/>
@@ -3290,7 +3890,7 @@
           <a:bodyPr vert="horz" lIns="91440" tIns="45720" rIns="91440" bIns="45720" rtlCol="0" anchor="ctr"/>
           <a:lstStyle>
             <a:lvl1pPr algn="ctr">
-              <a:defRPr sz="1200">
+              <a:defRPr sz="756">
                 <a:solidFill>
                   <a:schemeClr val="tx1">
                     <a:tint val="75000"/>
@@ -3306,13 +3906,7 @@
       </p:sp>
       <p:sp>
         <p:nvSpPr>
-          <p:cNvPr id="6" name="Slide Number Placeholder 5">
-            <a:extLst>
-              <a:ext uri="{FF2B5EF4-FFF2-40B4-BE49-F238E27FC236}">
-                <a16:creationId xmlns:a16="http://schemas.microsoft.com/office/drawing/2014/main" id="{6A3F79C4-BAEB-4969-A15B-C0C7E6829160}"/>
-              </a:ext>
-            </a:extLst>
-          </p:cNvPr>
+          <p:cNvPr id="6" name="Slide Number Placeholder 5"/>
           <p:cNvSpPr>
             <a:spLocks noGrp="1"/>
           </p:cNvSpPr>
@@ -3322,8 +3916,8 @@
         </p:nvSpPr>
         <p:spPr>
           <a:xfrm>
-            <a:off x="8610600" y="6356350"/>
-            <a:ext cx="2743200" cy="365125"/>
+            <a:off x="6355924" y="4003618"/>
+            <a:ext cx="2024896" cy="229978"/>
           </a:xfrm>
           <a:prstGeom prst="rect">
             <a:avLst/>
@@ -3333,7 +3927,7 @@
           <a:bodyPr vert="horz" lIns="91440" tIns="45720" rIns="91440" bIns="45720" rtlCol="0" anchor="ctr"/>
           <a:lstStyle>
             <a:lvl1pPr algn="r">
-              <a:defRPr sz="1200">
+              <a:defRPr sz="756">
                 <a:solidFill>
                   <a:schemeClr val="tx1">
                     <a:tint val="75000"/>
@@ -3354,27 +3948,27 @@
     </p:spTree>
     <p:extLst>
       <p:ext uri="{BB962C8B-B14F-4D97-AF65-F5344CB8AC3E}">
-        <p14:creationId xmlns:p14="http://schemas.microsoft.com/office/powerpoint/2010/main" val="4012377934"/>
+        <p14:creationId xmlns:p14="http://schemas.microsoft.com/office/powerpoint/2010/main" val="1135249893"/>
       </p:ext>
     </p:extLst>
   </p:cSld>
   <p:clrMap bg1="lt1" tx1="dk1" bg2="lt2" tx2="dk2" accent1="accent1" accent2="accent2" accent3="accent3" accent4="accent4" accent5="accent5" accent6="accent6" hlink="hlink" folHlink="folHlink"/>
   <p:sldLayoutIdLst>
-    <p:sldLayoutId id="2147483649" r:id="rId1"/>
-    <p:sldLayoutId id="2147483650" r:id="rId2"/>
-    <p:sldLayoutId id="2147483651" r:id="rId3"/>
-    <p:sldLayoutId id="2147483652" r:id="rId4"/>
-    <p:sldLayoutId id="2147483653" r:id="rId5"/>
-    <p:sldLayoutId id="2147483654" r:id="rId6"/>
-    <p:sldLayoutId id="2147483655" r:id="rId7"/>
-    <p:sldLayoutId id="2147483656" r:id="rId8"/>
-    <p:sldLayoutId id="2147483657" r:id="rId9"/>
-    <p:sldLayoutId id="2147483658" r:id="rId10"/>
-    <p:sldLayoutId id="2147483659" r:id="rId11"/>
+    <p:sldLayoutId id="2147483685" r:id="rId1"/>
+    <p:sldLayoutId id="2147483686" r:id="rId2"/>
+    <p:sldLayoutId id="2147483687" r:id="rId3"/>
+    <p:sldLayoutId id="2147483688" r:id="rId4"/>
+    <p:sldLayoutId id="2147483689" r:id="rId5"/>
+    <p:sldLayoutId id="2147483690" r:id="rId6"/>
+    <p:sldLayoutId id="2147483691" r:id="rId7"/>
+    <p:sldLayoutId id="2147483692" r:id="rId8"/>
+    <p:sldLayoutId id="2147483693" r:id="rId9"/>
+    <p:sldLayoutId id="2147483694" r:id="rId10"/>
+    <p:sldLayoutId id="2147483695" r:id="rId11"/>
   </p:sldLayoutIdLst>
   <p:txStyles>
     <p:titleStyle>
-      <a:lvl1pPr algn="l" defTabSz="914400" rtl="0" eaLnBrk="1" latinLnBrk="0" hangingPunct="1">
+      <a:lvl1pPr algn="l" defTabSz="575981" rtl="0" eaLnBrk="1" latinLnBrk="0" hangingPunct="1">
         <a:lnSpc>
           <a:spcPct val="90000"/>
         </a:lnSpc>
@@ -3382,7 +3976,7 @@
           <a:spcPct val="0"/>
         </a:spcBef>
         <a:buNone/>
-        <a:defRPr sz="4400" kern="1200">
+        <a:defRPr sz="2772" kern="1200">
           <a:solidFill>
             <a:schemeClr val="tx1"/>
           </a:solidFill>
@@ -3393,16 +3987,16 @@
       </a:lvl1pPr>
     </p:titleStyle>
     <p:bodyStyle>
-      <a:lvl1pPr marL="228600" indent="-228600" algn="l" defTabSz="914400" rtl="0" eaLnBrk="1" latinLnBrk="0" hangingPunct="1">
+      <a:lvl1pPr marL="143995" indent="-143995" algn="l" defTabSz="575981" rtl="0" eaLnBrk="1" latinLnBrk="0" hangingPunct="1">
         <a:lnSpc>
           <a:spcPct val="90000"/>
         </a:lnSpc>
         <a:spcBef>
-          <a:spcPts val="1000"/>
+          <a:spcPts val="630"/>
         </a:spcBef>
         <a:buFont typeface="Arial" panose="020B0604020202020204" pitchFamily="34" charset="0"/>
         <a:buChar char="•"/>
-        <a:defRPr sz="2800" kern="1200">
+        <a:defRPr sz="1764" kern="1200">
           <a:solidFill>
             <a:schemeClr val="tx1"/>
           </a:solidFill>
@@ -3411,16 +4005,16 @@
           <a:cs typeface="+mn-cs"/>
         </a:defRPr>
       </a:lvl1pPr>
-      <a:lvl2pPr marL="685800" indent="-228600" algn="l" defTabSz="914400" rtl="0" eaLnBrk="1" latinLnBrk="0" hangingPunct="1">
+      <a:lvl2pPr marL="431985" indent="-143995" algn="l" defTabSz="575981" rtl="0" eaLnBrk="1" latinLnBrk="0" hangingPunct="1">
         <a:lnSpc>
           <a:spcPct val="90000"/>
         </a:lnSpc>
         <a:spcBef>
-          <a:spcPts val="500"/>
+          <a:spcPts val="315"/>
         </a:spcBef>
         <a:buFont typeface="Arial" panose="020B0604020202020204" pitchFamily="34" charset="0"/>
         <a:buChar char="•"/>
-        <a:defRPr sz="2400" kern="1200">
+        <a:defRPr sz="1512" kern="1200">
           <a:solidFill>
             <a:schemeClr val="tx1"/>
           </a:solidFill>
@@ -3429,16 +4023,16 @@
           <a:cs typeface="+mn-cs"/>
         </a:defRPr>
       </a:lvl2pPr>
-      <a:lvl3pPr marL="1143000" indent="-228600" algn="l" defTabSz="914400" rtl="0" eaLnBrk="1" latinLnBrk="0" hangingPunct="1">
+      <a:lvl3pPr marL="719976" indent="-143995" algn="l" defTabSz="575981" rtl="0" eaLnBrk="1" latinLnBrk="0" hangingPunct="1">
         <a:lnSpc>
           <a:spcPct val="90000"/>
         </a:lnSpc>
         <a:spcBef>
-          <a:spcPts val="500"/>
+          <a:spcPts val="315"/>
         </a:spcBef>
         <a:buFont typeface="Arial" panose="020B0604020202020204" pitchFamily="34" charset="0"/>
         <a:buChar char="•"/>
-        <a:defRPr sz="2000" kern="1200">
+        <a:defRPr sz="1260" kern="1200">
           <a:solidFill>
             <a:schemeClr val="tx1"/>
           </a:solidFill>
@@ -3447,16 +4041,16 @@
           <a:cs typeface="+mn-cs"/>
         </a:defRPr>
       </a:lvl3pPr>
-      <a:lvl4pPr marL="1600200" indent="-228600" algn="l" defTabSz="914400" rtl="0" eaLnBrk="1" latinLnBrk="0" hangingPunct="1">
+      <a:lvl4pPr marL="1007966" indent="-143995" algn="l" defTabSz="575981" rtl="0" eaLnBrk="1" latinLnBrk="0" hangingPunct="1">
         <a:lnSpc>
           <a:spcPct val="90000"/>
         </a:lnSpc>
         <a:spcBef>
-          <a:spcPts val="500"/>
+          <a:spcPts val="315"/>
         </a:spcBef>
         <a:buFont typeface="Arial" panose="020B0604020202020204" pitchFamily="34" charset="0"/>
         <a:buChar char="•"/>
-        <a:defRPr sz="1800" kern="1200">
+        <a:defRPr sz="1134" kern="1200">
           <a:solidFill>
             <a:schemeClr val="tx1"/>
           </a:solidFill>
@@ -3465,16 +4059,16 @@
           <a:cs typeface="+mn-cs"/>
         </a:defRPr>
       </a:lvl4pPr>
-      <a:lvl5pPr marL="2057400" indent="-228600" algn="l" defTabSz="914400" rtl="0" eaLnBrk="1" latinLnBrk="0" hangingPunct="1">
+      <a:lvl5pPr marL="1295956" indent="-143995" algn="l" defTabSz="575981" rtl="0" eaLnBrk="1" latinLnBrk="0" hangingPunct="1">
         <a:lnSpc>
           <a:spcPct val="90000"/>
         </a:lnSpc>
         <a:spcBef>
-          <a:spcPts val="500"/>
+          <a:spcPts val="315"/>
         </a:spcBef>
         <a:buFont typeface="Arial" panose="020B0604020202020204" pitchFamily="34" charset="0"/>
         <a:buChar char="•"/>
-        <a:defRPr sz="1800" kern="1200">
+        <a:defRPr sz="1134" kern="1200">
           <a:solidFill>
             <a:schemeClr val="tx1"/>
           </a:solidFill>
@@ -3483,16 +4077,16 @@
           <a:cs typeface="+mn-cs"/>
         </a:defRPr>
       </a:lvl5pPr>
-      <a:lvl6pPr marL="2514600" indent="-228600" algn="l" defTabSz="914400" rtl="0" eaLnBrk="1" latinLnBrk="0" hangingPunct="1">
+      <a:lvl6pPr marL="1583947" indent="-143995" algn="l" defTabSz="575981" rtl="0" eaLnBrk="1" latinLnBrk="0" hangingPunct="1">
         <a:lnSpc>
           <a:spcPct val="90000"/>
         </a:lnSpc>
         <a:spcBef>
-          <a:spcPts val="500"/>
+          <a:spcPts val="315"/>
         </a:spcBef>
         <a:buFont typeface="Arial" panose="020B0604020202020204" pitchFamily="34" charset="0"/>
         <a:buChar char="•"/>
-        <a:defRPr sz="1800" kern="1200">
+        <a:defRPr sz="1134" kern="1200">
           <a:solidFill>
             <a:schemeClr val="tx1"/>
           </a:solidFill>
@@ -3501,16 +4095,16 @@
           <a:cs typeface="+mn-cs"/>
         </a:defRPr>
       </a:lvl6pPr>
-      <a:lvl7pPr marL="2971800" indent="-228600" algn="l" defTabSz="914400" rtl="0" eaLnBrk="1" latinLnBrk="0" hangingPunct="1">
+      <a:lvl7pPr marL="1871937" indent="-143995" algn="l" defTabSz="575981" rtl="0" eaLnBrk="1" latinLnBrk="0" hangingPunct="1">
         <a:lnSpc>
           <a:spcPct val="90000"/>
         </a:lnSpc>
         <a:spcBef>
-          <a:spcPts val="500"/>
+          <a:spcPts val="315"/>
         </a:spcBef>
         <a:buFont typeface="Arial" panose="020B0604020202020204" pitchFamily="34" charset="0"/>
         <a:buChar char="•"/>
-        <a:defRPr sz="1800" kern="1200">
+        <a:defRPr sz="1134" kern="1200">
           <a:solidFill>
             <a:schemeClr val="tx1"/>
           </a:solidFill>
@@ -3519,16 +4113,16 @@
           <a:cs typeface="+mn-cs"/>
         </a:defRPr>
       </a:lvl7pPr>
-      <a:lvl8pPr marL="3429000" indent="-228600" algn="l" defTabSz="914400" rtl="0" eaLnBrk="1" latinLnBrk="0" hangingPunct="1">
+      <a:lvl8pPr marL="2159927" indent="-143995" algn="l" defTabSz="575981" rtl="0" eaLnBrk="1" latinLnBrk="0" hangingPunct="1">
         <a:lnSpc>
           <a:spcPct val="90000"/>
         </a:lnSpc>
         <a:spcBef>
-          <a:spcPts val="500"/>
+          <a:spcPts val="315"/>
         </a:spcBef>
         <a:buFont typeface="Arial" panose="020B0604020202020204" pitchFamily="34" charset="0"/>
         <a:buChar char="•"/>
-        <a:defRPr sz="1800" kern="1200">
+        <a:defRPr sz="1134" kern="1200">
           <a:solidFill>
             <a:schemeClr val="tx1"/>
           </a:solidFill>
@@ -3537,16 +4131,16 @@
           <a:cs typeface="+mn-cs"/>
         </a:defRPr>
       </a:lvl8pPr>
-      <a:lvl9pPr marL="3886200" indent="-228600" algn="l" defTabSz="914400" rtl="0" eaLnBrk="1" latinLnBrk="0" hangingPunct="1">
+      <a:lvl9pPr marL="2447917" indent="-143995" algn="l" defTabSz="575981" rtl="0" eaLnBrk="1" latinLnBrk="0" hangingPunct="1">
         <a:lnSpc>
           <a:spcPct val="90000"/>
         </a:lnSpc>
         <a:spcBef>
-          <a:spcPts val="500"/>
+          <a:spcPts val="315"/>
         </a:spcBef>
         <a:buFont typeface="Arial" panose="020B0604020202020204" pitchFamily="34" charset="0"/>
         <a:buChar char="•"/>
-        <a:defRPr sz="1800" kern="1200">
+        <a:defRPr sz="1134" kern="1200">
           <a:solidFill>
             <a:schemeClr val="tx1"/>
           </a:solidFill>
@@ -3560,8 +4154,8 @@
       <a:defPPr>
         <a:defRPr lang="en-US"/>
       </a:defPPr>
-      <a:lvl1pPr marL="0" algn="l" defTabSz="914400" rtl="0" eaLnBrk="1" latinLnBrk="0" hangingPunct="1">
-        <a:defRPr sz="1800" kern="1200">
+      <a:lvl1pPr marL="0" algn="l" defTabSz="575981" rtl="0" eaLnBrk="1" latinLnBrk="0" hangingPunct="1">
+        <a:defRPr sz="1134" kern="1200">
           <a:solidFill>
             <a:schemeClr val="tx1"/>
           </a:solidFill>
@@ -3570,8 +4164,8 @@
           <a:cs typeface="+mn-cs"/>
         </a:defRPr>
       </a:lvl1pPr>
-      <a:lvl2pPr marL="457200" algn="l" defTabSz="914400" rtl="0" eaLnBrk="1" latinLnBrk="0" hangingPunct="1">
-        <a:defRPr sz="1800" kern="1200">
+      <a:lvl2pPr marL="287990" algn="l" defTabSz="575981" rtl="0" eaLnBrk="1" latinLnBrk="0" hangingPunct="1">
+        <a:defRPr sz="1134" kern="1200">
           <a:solidFill>
             <a:schemeClr val="tx1"/>
           </a:solidFill>
@@ -3580,8 +4174,8 @@
           <a:cs typeface="+mn-cs"/>
         </a:defRPr>
       </a:lvl2pPr>
-      <a:lvl3pPr marL="914400" algn="l" defTabSz="914400" rtl="0" eaLnBrk="1" latinLnBrk="0" hangingPunct="1">
-        <a:defRPr sz="1800" kern="1200">
+      <a:lvl3pPr marL="575981" algn="l" defTabSz="575981" rtl="0" eaLnBrk="1" latinLnBrk="0" hangingPunct="1">
+        <a:defRPr sz="1134" kern="1200">
           <a:solidFill>
             <a:schemeClr val="tx1"/>
           </a:solidFill>
@@ -3590,8 +4184,8 @@
           <a:cs typeface="+mn-cs"/>
         </a:defRPr>
       </a:lvl3pPr>
-      <a:lvl4pPr marL="1371600" algn="l" defTabSz="914400" rtl="0" eaLnBrk="1" latinLnBrk="0" hangingPunct="1">
-        <a:defRPr sz="1800" kern="1200">
+      <a:lvl4pPr marL="863971" algn="l" defTabSz="575981" rtl="0" eaLnBrk="1" latinLnBrk="0" hangingPunct="1">
+        <a:defRPr sz="1134" kern="1200">
           <a:solidFill>
             <a:schemeClr val="tx1"/>
           </a:solidFill>
@@ -3600,8 +4194,8 @@
           <a:cs typeface="+mn-cs"/>
         </a:defRPr>
       </a:lvl4pPr>
-      <a:lvl5pPr marL="1828800" algn="l" defTabSz="914400" rtl="0" eaLnBrk="1" latinLnBrk="0" hangingPunct="1">
-        <a:defRPr sz="1800" kern="1200">
+      <a:lvl5pPr marL="1151961" algn="l" defTabSz="575981" rtl="0" eaLnBrk="1" latinLnBrk="0" hangingPunct="1">
+        <a:defRPr sz="1134" kern="1200">
           <a:solidFill>
             <a:schemeClr val="tx1"/>
           </a:solidFill>
@@ -3610,8 +4204,8 @@
           <a:cs typeface="+mn-cs"/>
         </a:defRPr>
       </a:lvl5pPr>
-      <a:lvl6pPr marL="2286000" algn="l" defTabSz="914400" rtl="0" eaLnBrk="1" latinLnBrk="0" hangingPunct="1">
-        <a:defRPr sz="1800" kern="1200">
+      <a:lvl6pPr marL="1439951" algn="l" defTabSz="575981" rtl="0" eaLnBrk="1" latinLnBrk="0" hangingPunct="1">
+        <a:defRPr sz="1134" kern="1200">
           <a:solidFill>
             <a:schemeClr val="tx1"/>
           </a:solidFill>
@@ -3620,8 +4214,8 @@
           <a:cs typeface="+mn-cs"/>
         </a:defRPr>
       </a:lvl6pPr>
-      <a:lvl7pPr marL="2743200" algn="l" defTabSz="914400" rtl="0" eaLnBrk="1" latinLnBrk="0" hangingPunct="1">
-        <a:defRPr sz="1800" kern="1200">
+      <a:lvl7pPr marL="1727942" algn="l" defTabSz="575981" rtl="0" eaLnBrk="1" latinLnBrk="0" hangingPunct="1">
+        <a:defRPr sz="1134" kern="1200">
           <a:solidFill>
             <a:schemeClr val="tx1"/>
           </a:solidFill>
@@ -3630,8 +4224,8 @@
           <a:cs typeface="+mn-cs"/>
         </a:defRPr>
       </a:lvl7pPr>
-      <a:lvl8pPr marL="3200400" algn="l" defTabSz="914400" rtl="0" eaLnBrk="1" latinLnBrk="0" hangingPunct="1">
-        <a:defRPr sz="1800" kern="1200">
+      <a:lvl8pPr marL="2015932" algn="l" defTabSz="575981" rtl="0" eaLnBrk="1" latinLnBrk="0" hangingPunct="1">
+        <a:defRPr sz="1134" kern="1200">
           <a:solidFill>
             <a:schemeClr val="tx1"/>
           </a:solidFill>
@@ -3640,8 +4234,8 @@
           <a:cs typeface="+mn-cs"/>
         </a:defRPr>
       </a:lvl8pPr>
-      <a:lvl9pPr marL="3657600" algn="l" defTabSz="914400" rtl="0" eaLnBrk="1" latinLnBrk="0" hangingPunct="1">
-        <a:defRPr sz="1800" kern="1200">
+      <a:lvl9pPr marL="2303922" algn="l" defTabSz="575981" rtl="0" eaLnBrk="1" latinLnBrk="0" hangingPunct="1">
+        <a:defRPr sz="1134" kern="1200">
           <a:solidFill>
             <a:schemeClr val="tx1"/>
           </a:solidFill>
@@ -3686,7 +4280,7 @@
         </p:nvGrpSpPr>
         <p:grpSpPr>
           <a:xfrm>
-            <a:off x="1463576" y="2324686"/>
+            <a:off x="665957" y="1517498"/>
             <a:ext cx="722160" cy="846700"/>
             <a:chOff x="2285483" y="2964771"/>
             <a:chExt cx="810768" cy="846700"/>
@@ -3817,7 +4411,7 @@
         </p:nvSpPr>
         <p:spPr>
           <a:xfrm>
-            <a:off x="1563104" y="1686437"/>
+            <a:off x="765485" y="879249"/>
             <a:ext cx="622632" cy="622632"/>
           </a:xfrm>
           <a:prstGeom prst="rect">
@@ -3878,7 +4472,7 @@
         </p:nvSpPr>
         <p:spPr>
           <a:xfrm>
-            <a:off x="2185736" y="1686437"/>
+            <a:off x="1388117" y="879249"/>
             <a:ext cx="622632" cy="622632"/>
           </a:xfrm>
           <a:prstGeom prst="rect">
@@ -3932,7 +4526,7 @@
         </p:nvSpPr>
         <p:spPr>
           <a:xfrm>
-            <a:off x="4061382" y="1686437"/>
+            <a:off x="3263763" y="879249"/>
             <a:ext cx="622632" cy="622632"/>
           </a:xfrm>
           <a:prstGeom prst="rect">
@@ -3986,7 +4580,7 @@
         </p:nvSpPr>
         <p:spPr>
           <a:xfrm>
-            <a:off x="3434875" y="1686437"/>
+            <a:off x="2637256" y="879249"/>
             <a:ext cx="622632" cy="622632"/>
           </a:xfrm>
           <a:prstGeom prst="rect">
@@ -4040,7 +4634,7 @@
         </p:nvSpPr>
         <p:spPr>
           <a:xfrm>
-            <a:off x="2808368" y="1686437"/>
+            <a:off x="2010749" y="879249"/>
             <a:ext cx="622632" cy="622632"/>
           </a:xfrm>
           <a:prstGeom prst="rect">
@@ -4094,7 +4688,7 @@
         </p:nvSpPr>
         <p:spPr>
           <a:xfrm rot="5400000">
-            <a:off x="3349394" y="1205350"/>
+            <a:off x="2551775" y="398162"/>
             <a:ext cx="205426" cy="2444102"/>
           </a:xfrm>
           <a:prstGeom prst="rightBrace">
@@ -4138,7 +4732,7 @@
         </p:nvGrpSpPr>
         <p:grpSpPr>
           <a:xfrm>
-            <a:off x="3091027" y="2573514"/>
+            <a:off x="2293408" y="1766326"/>
             <a:ext cx="722160" cy="619678"/>
             <a:chOff x="2285483" y="2964770"/>
             <a:chExt cx="810768" cy="619678"/>
@@ -4268,7 +4862,7 @@
         </p:nvSpPr>
         <p:spPr>
           <a:xfrm>
-            <a:off x="6408080" y="1892074"/>
+            <a:off x="5610461" y="1084886"/>
             <a:ext cx="722160" cy="310896"/>
           </a:xfrm>
           <a:prstGeom prst="rect">
@@ -4333,7 +4927,7 @@
         </p:nvCxnSpPr>
         <p:spPr>
           <a:xfrm>
-            <a:off x="7130240" y="2047522"/>
+            <a:off x="6332624" y="1240334"/>
             <a:ext cx="330173" cy="896"/>
           </a:xfrm>
           <a:prstGeom prst="straightConnector1">
@@ -4378,7 +4972,7 @@
         </p:nvSpPr>
         <p:spPr>
           <a:xfrm>
-            <a:off x="7476029" y="1785967"/>
+            <a:off x="6678410" y="978779"/>
             <a:ext cx="622632" cy="622632"/>
           </a:xfrm>
           <a:prstGeom prst="rect">
@@ -4439,7 +5033,7 @@
         </p:nvSpPr>
         <p:spPr>
           <a:xfrm rot="5400000">
-            <a:off x="7476029" y="2408599"/>
+            <a:off x="6678410" y="1601411"/>
             <a:ext cx="622632" cy="622632"/>
           </a:xfrm>
           <a:prstGeom prst="rect">
@@ -4493,7 +5087,7 @@
         </p:nvSpPr>
         <p:spPr>
           <a:xfrm rot="5400000">
-            <a:off x="7476029" y="4284245"/>
+            <a:off x="6678410" y="3477057"/>
             <a:ext cx="622632" cy="622632"/>
           </a:xfrm>
           <a:prstGeom prst="rect">
@@ -4547,7 +5141,7 @@
         </p:nvSpPr>
         <p:spPr>
           <a:xfrm rot="5400000">
-            <a:off x="7476029" y="3657738"/>
+            <a:off x="6678410" y="2850550"/>
             <a:ext cx="622632" cy="622632"/>
           </a:xfrm>
           <a:prstGeom prst="rect">
@@ -4601,7 +5195,7 @@
         </p:nvSpPr>
         <p:spPr>
           <a:xfrm rot="5400000">
-            <a:off x="7476029" y="3031231"/>
+            <a:off x="6678410" y="2224043"/>
             <a:ext cx="622632" cy="622632"/>
           </a:xfrm>
           <a:prstGeom prst="rect">
@@ -4655,7 +5249,7 @@
         </p:nvSpPr>
         <p:spPr>
           <a:xfrm rot="10800000">
-            <a:off x="7254984" y="2452919"/>
+            <a:off x="6457365" y="1645731"/>
             <a:ext cx="205426" cy="2444102"/>
           </a:xfrm>
           <a:prstGeom prst="rightBrace">
@@ -4699,7 +5293,7 @@
         </p:nvGrpSpPr>
         <p:grpSpPr>
           <a:xfrm rot="5400000">
-            <a:off x="6643482" y="3262318"/>
+            <a:off x="5845863" y="2455133"/>
             <a:ext cx="310896" cy="825311"/>
             <a:chOff x="2516346" y="2964769"/>
             <a:chExt cx="349042" cy="825311"/>
@@ -4830,8 +5424,8 @@
         </p:nvSpPr>
         <p:spPr>
           <a:xfrm>
-            <a:off x="1036330" y="969970"/>
-            <a:ext cx="3732817" cy="369332"/>
+            <a:off x="238713" y="162782"/>
+            <a:ext cx="3742563" cy="369332"/>
           </a:xfrm>
           <a:prstGeom prst="rect">
             <a:avLst/>
@@ -4878,7 +5472,7 @@
         </p:nvSpPr>
         <p:spPr>
           <a:xfrm>
-            <a:off x="6232252" y="969970"/>
+            <a:off x="5434634" y="162782"/>
             <a:ext cx="3487108" cy="369332"/>
           </a:xfrm>
           <a:prstGeom prst="rect">
@@ -4928,7 +5522,7 @@
 <file path=ppt/theme/theme1.xml><?xml version="1.0" encoding="utf-8"?>
 <a:theme xmlns:a="http://schemas.openxmlformats.org/drawingml/2006/main" name="Office Theme">
   <a:themeElements>
-    <a:clrScheme name="Office">
+    <a:clrScheme name="Office Theme">
       <a:dk1>
         <a:sysClr val="windowText" lastClr="000000"/>
       </a:dk1>
@@ -4966,7 +5560,7 @@
         <a:srgbClr val="954F72"/>
       </a:folHlink>
     </a:clrScheme>
-    <a:fontScheme name="Office">
+    <a:fontScheme name="Office Theme">
       <a:majorFont>
         <a:latin typeface="Calibri Light" panose="020F0302020204030204"/>
         <a:ea typeface=""/>
@@ -5001,23 +5595,6 @@
         <a:font script="Viet" typeface="Times New Roman"/>
         <a:font script="Uigh" typeface="Microsoft Uighur"/>
         <a:font script="Geor" typeface="Sylfaen"/>
-        <a:font script="Armn" typeface="Arial"/>
-        <a:font script="Bugi" typeface="Leelawadee UI"/>
-        <a:font script="Bopo" typeface="Microsoft JhengHei"/>
-        <a:font script="Java" typeface="Javanese Text"/>
-        <a:font script="Lisu" typeface="Segoe UI"/>
-        <a:font script="Mymr" typeface="Myanmar Text"/>
-        <a:font script="Nkoo" typeface="Ebrima"/>
-        <a:font script="Olck" typeface="Nirmala UI"/>
-        <a:font script="Osma" typeface="Ebrima"/>
-        <a:font script="Phag" typeface="Phagspa"/>
-        <a:font script="Syrn" typeface="Estrangelo Edessa"/>
-        <a:font script="Syrj" typeface="Estrangelo Edessa"/>
-        <a:font script="Syre" typeface="Estrangelo Edessa"/>
-        <a:font script="Sora" typeface="Nirmala UI"/>
-        <a:font script="Tale" typeface="Microsoft Tai Le"/>
-        <a:font script="Talu" typeface="Microsoft New Tai Lue"/>
-        <a:font script="Tfng" typeface="Ebrima"/>
       </a:majorFont>
       <a:minorFont>
         <a:latin typeface="Calibri" panose="020F0502020204030204"/>
@@ -5053,26 +5630,9 @@
         <a:font script="Viet" typeface="Arial"/>
         <a:font script="Uigh" typeface="Microsoft Uighur"/>
         <a:font script="Geor" typeface="Sylfaen"/>
-        <a:font script="Armn" typeface="Arial"/>
-        <a:font script="Bugi" typeface="Leelawadee UI"/>
-        <a:font script="Bopo" typeface="Microsoft JhengHei"/>
-        <a:font script="Java" typeface="Javanese Text"/>
-        <a:font script="Lisu" typeface="Segoe UI"/>
-        <a:font script="Mymr" typeface="Myanmar Text"/>
-        <a:font script="Nkoo" typeface="Ebrima"/>
-        <a:font script="Olck" typeface="Nirmala UI"/>
-        <a:font script="Osma" typeface="Ebrima"/>
-        <a:font script="Phag" typeface="Phagspa"/>
-        <a:font script="Syrn" typeface="Estrangelo Edessa"/>
-        <a:font script="Syrj" typeface="Estrangelo Edessa"/>
-        <a:font script="Syre" typeface="Estrangelo Edessa"/>
-        <a:font script="Sora" typeface="Nirmala UI"/>
-        <a:font script="Tale" typeface="Microsoft Tai Le"/>
-        <a:font script="Talu" typeface="Microsoft New Tai Lue"/>
-        <a:font script="Tfng" typeface="Ebrima"/>
       </a:minorFont>
     </a:fontScheme>
-    <a:fmtScheme name="Office">
+    <a:fmtScheme name="Office Theme">
       <a:fillStyleLst>
         <a:solidFill>
           <a:schemeClr val="phClr"/>
